--- a/06-Periferie/01_Pro_ucitele/Prezentace/61-periferie-tribarevna_dioda.pptx
+++ b/06-Periferie/01_Pro_ucitele/Prezentace/61-periferie-tribarevna_dioda.pptx
@@ -1,28 +1,123 @@
 
 <file path=ppt/presentation.xml><?xml version="1.0" encoding="utf-8"?>
-<p:presentation xmlns:a="http://schemas.openxmlformats.org/drawingml/2006/main" xmlns:p="http://schemas.openxmlformats.org/presentationml/2006/main" xmlns:r="http://schemas.openxmlformats.org/officeDocument/2006/relationships" xmlns:p14="http://schemas.microsoft.com/office/powerpoint/2010/main" xmlns:p15="http://schemas.microsoft.com/office/powerpoint/2012/main" xmlns:mc="http://schemas.openxmlformats.org/markup-compatibility/2006">
+<p:presentation xmlns:a="http://schemas.openxmlformats.org/drawingml/2006/main" xmlns:r="http://schemas.openxmlformats.org/officeDocument/2006/relationships" xmlns:p="http://schemas.openxmlformats.org/presentationml/2006/main">
   <p:sldMasterIdLst>
-    <p:sldMasterId id="2147483648" r:id="rId2"/>
-    <p:sldMasterId id="2147483661" r:id="rId3"/>
-    <p:sldMasterId id="2147483674" r:id="rId4"/>
+    <p:sldMasterId id="2147483648" r:id="rId1"/>
+    <p:sldMasterId id="2147483661" r:id="rId2"/>
+    <p:sldMasterId id="2147483674" r:id="rId3"/>
   </p:sldMasterIdLst>
   <p:sldIdLst>
-    <p:sldId id="256" r:id="rId5"/>
-    <p:sldId id="257" r:id="rId6"/>
-    <p:sldId id="258" r:id="rId7"/>
-    <p:sldId id="259" r:id="rId8"/>
-    <p:sldId id="260" r:id="rId9"/>
-    <p:sldId id="261" r:id="rId10"/>
-    <p:sldId id="262" r:id="rId11"/>
-    <p:sldId id="263" r:id="rId12"/>
+    <p:sldId id="256" r:id="rId4"/>
+    <p:sldId id="257" r:id="rId5"/>
+    <p:sldId id="258" r:id="rId6"/>
+    <p:sldId id="259" r:id="rId7"/>
+    <p:sldId id="260" r:id="rId8"/>
+    <p:sldId id="261" r:id="rId9"/>
+    <p:sldId id="262" r:id="rId10"/>
+    <p:sldId id="263" r:id="rId11"/>
   </p:sldIdLst>
   <p:sldSz cx="10080625" cy="7559675"/>
-  <p:notesSz cx="7559675" cy="10691812"/>
+  <p:notesSz cx="7559675" cy="10691813"/>
+  <p:defaultTextStyle>
+    <a:defPPr>
+      <a:defRPr lang="cs-CZ"/>
+    </a:defPPr>
+    <a:lvl1pPr marL="0" algn="l" defTabSz="914400" rtl="0" eaLnBrk="1" latinLnBrk="0" hangingPunct="1">
+      <a:defRPr sz="1800" kern="1200">
+        <a:solidFill>
+          <a:schemeClr val="tx1"/>
+        </a:solidFill>
+        <a:latin typeface="+mn-lt"/>
+        <a:ea typeface="+mn-ea"/>
+        <a:cs typeface="+mn-cs"/>
+      </a:defRPr>
+    </a:lvl1pPr>
+    <a:lvl2pPr marL="457200" algn="l" defTabSz="914400" rtl="0" eaLnBrk="1" latinLnBrk="0" hangingPunct="1">
+      <a:defRPr sz="1800" kern="1200">
+        <a:solidFill>
+          <a:schemeClr val="tx1"/>
+        </a:solidFill>
+        <a:latin typeface="+mn-lt"/>
+        <a:ea typeface="+mn-ea"/>
+        <a:cs typeface="+mn-cs"/>
+      </a:defRPr>
+    </a:lvl2pPr>
+    <a:lvl3pPr marL="914400" algn="l" defTabSz="914400" rtl="0" eaLnBrk="1" latinLnBrk="0" hangingPunct="1">
+      <a:defRPr sz="1800" kern="1200">
+        <a:solidFill>
+          <a:schemeClr val="tx1"/>
+        </a:solidFill>
+        <a:latin typeface="+mn-lt"/>
+        <a:ea typeface="+mn-ea"/>
+        <a:cs typeface="+mn-cs"/>
+      </a:defRPr>
+    </a:lvl3pPr>
+    <a:lvl4pPr marL="1371600" algn="l" defTabSz="914400" rtl="0" eaLnBrk="1" latinLnBrk="0" hangingPunct="1">
+      <a:defRPr sz="1800" kern="1200">
+        <a:solidFill>
+          <a:schemeClr val="tx1"/>
+        </a:solidFill>
+        <a:latin typeface="+mn-lt"/>
+        <a:ea typeface="+mn-ea"/>
+        <a:cs typeface="+mn-cs"/>
+      </a:defRPr>
+    </a:lvl4pPr>
+    <a:lvl5pPr marL="1828800" algn="l" defTabSz="914400" rtl="0" eaLnBrk="1" latinLnBrk="0" hangingPunct="1">
+      <a:defRPr sz="1800" kern="1200">
+        <a:solidFill>
+          <a:schemeClr val="tx1"/>
+        </a:solidFill>
+        <a:latin typeface="+mn-lt"/>
+        <a:ea typeface="+mn-ea"/>
+        <a:cs typeface="+mn-cs"/>
+      </a:defRPr>
+    </a:lvl5pPr>
+    <a:lvl6pPr marL="2286000" algn="l" defTabSz="914400" rtl="0" eaLnBrk="1" latinLnBrk="0" hangingPunct="1">
+      <a:defRPr sz="1800" kern="1200">
+        <a:solidFill>
+          <a:schemeClr val="tx1"/>
+        </a:solidFill>
+        <a:latin typeface="+mn-lt"/>
+        <a:ea typeface="+mn-ea"/>
+        <a:cs typeface="+mn-cs"/>
+      </a:defRPr>
+    </a:lvl6pPr>
+    <a:lvl7pPr marL="2743200" algn="l" defTabSz="914400" rtl="0" eaLnBrk="1" latinLnBrk="0" hangingPunct="1">
+      <a:defRPr sz="1800" kern="1200">
+        <a:solidFill>
+          <a:schemeClr val="tx1"/>
+        </a:solidFill>
+        <a:latin typeface="+mn-lt"/>
+        <a:ea typeface="+mn-ea"/>
+        <a:cs typeface="+mn-cs"/>
+      </a:defRPr>
+    </a:lvl7pPr>
+    <a:lvl8pPr marL="3200400" algn="l" defTabSz="914400" rtl="0" eaLnBrk="1" latinLnBrk="0" hangingPunct="1">
+      <a:defRPr sz="1800" kern="1200">
+        <a:solidFill>
+          <a:schemeClr val="tx1"/>
+        </a:solidFill>
+        <a:latin typeface="+mn-lt"/>
+        <a:ea typeface="+mn-ea"/>
+        <a:cs typeface="+mn-cs"/>
+      </a:defRPr>
+    </a:lvl8pPr>
+    <a:lvl9pPr marL="3657600" algn="l" defTabSz="914400" rtl="0" eaLnBrk="1" latinLnBrk="0" hangingPunct="1">
+      <a:defRPr sz="1800" kern="1200">
+        <a:solidFill>
+          <a:schemeClr val="tx1"/>
+        </a:solidFill>
+        <a:latin typeface="+mn-lt"/>
+        <a:ea typeface="+mn-ea"/>
+        <a:cs typeface="+mn-cs"/>
+      </a:defRPr>
+    </a:lvl9pPr>
+  </p:defaultTextStyle>
 </p:presentation>
 </file>
 
 <file path=ppt/slideLayouts/slideLayout1.xml><?xml version="1.0" encoding="utf-8"?>
-<p:sldLayout xmlns:a="http://schemas.openxmlformats.org/drawingml/2006/main" xmlns:p="http://schemas.openxmlformats.org/presentationml/2006/main" xmlns:r="http://schemas.openxmlformats.org/officeDocument/2006/relationships" xmlns:p14="http://schemas.microsoft.com/office/powerpoint/2010/main" xmlns:p15="http://schemas.microsoft.com/office/powerpoint/2012/main" xmlns:mc="http://schemas.openxmlformats.org/markup-compatibility/2006" type="blank" preserve="1">
+<p:sldLayout xmlns:a="http://schemas.openxmlformats.org/drawingml/2006/main" xmlns:r="http://schemas.openxmlformats.org/officeDocument/2006/relationships" xmlns:p="http://schemas.openxmlformats.org/presentationml/2006/main" type="blank" preserve="1">
   <p:cSld name="Blank Slide">
     <p:spTree>
       <p:nvGrpSpPr>
@@ -40,11 +135,14 @@
       </p:grpSpPr>
     </p:spTree>
   </p:cSld>
+  <p:clrMapOvr>
+    <a:masterClrMapping/>
+  </p:clrMapOvr>
 </p:sldLayout>
 </file>
 
 <file path=ppt/slideLayouts/slideLayout10.xml><?xml version="1.0" encoding="utf-8"?>
-<p:sldLayout xmlns:a="http://schemas.openxmlformats.org/drawingml/2006/main" xmlns:p="http://schemas.openxmlformats.org/presentationml/2006/main" xmlns:r="http://schemas.openxmlformats.org/officeDocument/2006/relationships" xmlns:p14="http://schemas.microsoft.com/office/powerpoint/2010/main" xmlns:p15="http://schemas.microsoft.com/office/powerpoint/2012/main" xmlns:mc="http://schemas.openxmlformats.org/markup-compatibility/2006" type="objOverTx" preserve="1">
+<p:sldLayout xmlns:a="http://schemas.openxmlformats.org/drawingml/2006/main" xmlns:r="http://schemas.openxmlformats.org/officeDocument/2006/relationships" xmlns:p="http://schemas.openxmlformats.org/presentationml/2006/main" type="objOverTx" preserve="1">
   <p:cSld name="Title, Content over Content">
     <p:spTree>
       <p:nvGrpSpPr>
@@ -80,9 +178,10 @@
           </a:prstGeom>
         </p:spPr>
         <p:txBody>
-          <a:bodyPr lIns="0" rIns="0" tIns="0" bIns="0" anchor="ctr"/>
-          <a:p>
-            <a:endParaRPr b="0" lang="cs-CZ" sz="1800" spc="-1" strike="noStrike">
+          <a:bodyPr lIns="0" tIns="0" rIns="0" bIns="0" anchor="ctr"/>
+          <a:lstStyle/>
+          <a:p>
+            <a:endParaRPr lang="cs-CZ" sz="1800" b="0" strike="noStrike" spc="-1">
               <a:solidFill>
                 <a:srgbClr val="000000"/>
               </a:solidFill>
@@ -111,11 +210,12 @@
           </a:prstGeom>
         </p:spPr>
         <p:txBody>
-          <a:bodyPr lIns="0" rIns="0" tIns="0" bIns="0">
+          <a:bodyPr lIns="0" tIns="0" rIns="0" bIns="0">
             <a:normAutofit/>
           </a:bodyPr>
-          <a:p>
-            <a:endParaRPr b="0" lang="cs-CZ" sz="2800" spc="-1" strike="noStrike">
+          <a:lstStyle/>
+          <a:p>
+            <a:endParaRPr lang="cs-CZ" sz="2800" b="0" strike="noStrike" spc="-1">
               <a:solidFill>
                 <a:srgbClr val="000000"/>
               </a:solidFill>
@@ -144,11 +244,12 @@
           </a:prstGeom>
         </p:spPr>
         <p:txBody>
-          <a:bodyPr lIns="0" rIns="0" tIns="0" bIns="0">
+          <a:bodyPr lIns="0" tIns="0" rIns="0" bIns="0">
             <a:normAutofit/>
           </a:bodyPr>
-          <a:p>
-            <a:endParaRPr b="0" lang="cs-CZ" sz="2800" spc="-1" strike="noStrike">
+          <a:lstStyle/>
+          <a:p>
+            <a:endParaRPr lang="cs-CZ" sz="2800" b="0" strike="noStrike" spc="-1">
               <a:solidFill>
                 <a:srgbClr val="000000"/>
               </a:solidFill>
@@ -159,11 +260,14 @@
       </p:sp>
     </p:spTree>
   </p:cSld>
+  <p:clrMapOvr>
+    <a:masterClrMapping/>
+  </p:clrMapOvr>
 </p:sldLayout>
 </file>
 
 <file path=ppt/slideLayouts/slideLayout11.xml><?xml version="1.0" encoding="utf-8"?>
-<p:sldLayout xmlns:a="http://schemas.openxmlformats.org/drawingml/2006/main" xmlns:p="http://schemas.openxmlformats.org/presentationml/2006/main" xmlns:r="http://schemas.openxmlformats.org/officeDocument/2006/relationships" xmlns:p14="http://schemas.microsoft.com/office/powerpoint/2010/main" xmlns:p15="http://schemas.microsoft.com/office/powerpoint/2012/main" xmlns:mc="http://schemas.openxmlformats.org/markup-compatibility/2006" type="fourObj" preserve="1">
+<p:sldLayout xmlns:a="http://schemas.openxmlformats.org/drawingml/2006/main" xmlns:r="http://schemas.openxmlformats.org/officeDocument/2006/relationships" xmlns:p="http://schemas.openxmlformats.org/presentationml/2006/main" type="fourObj" preserve="1">
   <p:cSld name="Title, 4 Content">
     <p:spTree>
       <p:nvGrpSpPr>
@@ -199,9 +303,10 @@
           </a:prstGeom>
         </p:spPr>
         <p:txBody>
-          <a:bodyPr lIns="0" rIns="0" tIns="0" bIns="0" anchor="ctr"/>
-          <a:p>
-            <a:endParaRPr b="0" lang="cs-CZ" sz="1800" spc="-1" strike="noStrike">
+          <a:bodyPr lIns="0" tIns="0" rIns="0" bIns="0" anchor="ctr"/>
+          <a:lstStyle/>
+          <a:p>
+            <a:endParaRPr lang="cs-CZ" sz="1800" b="0" strike="noStrike" spc="-1">
               <a:solidFill>
                 <a:srgbClr val="000000"/>
               </a:solidFill>
@@ -230,11 +335,12 @@
           </a:prstGeom>
         </p:spPr>
         <p:txBody>
-          <a:bodyPr lIns="0" rIns="0" tIns="0" bIns="0">
+          <a:bodyPr lIns="0" tIns="0" rIns="0" bIns="0">
             <a:normAutofit/>
           </a:bodyPr>
-          <a:p>
-            <a:endParaRPr b="0" lang="cs-CZ" sz="2800" spc="-1" strike="noStrike">
+          <a:lstStyle/>
+          <a:p>
+            <a:endParaRPr lang="cs-CZ" sz="2800" b="0" strike="noStrike" spc="-1">
               <a:solidFill>
                 <a:srgbClr val="000000"/>
               </a:solidFill>
@@ -263,11 +369,12 @@
           </a:prstGeom>
         </p:spPr>
         <p:txBody>
-          <a:bodyPr lIns="0" rIns="0" tIns="0" bIns="0">
+          <a:bodyPr lIns="0" tIns="0" rIns="0" bIns="0">
             <a:normAutofit/>
           </a:bodyPr>
-          <a:p>
-            <a:endParaRPr b="0" lang="cs-CZ" sz="2800" spc="-1" strike="noStrike">
+          <a:lstStyle/>
+          <a:p>
+            <a:endParaRPr lang="cs-CZ" sz="2800" b="0" strike="noStrike" spc="-1">
               <a:solidFill>
                 <a:srgbClr val="000000"/>
               </a:solidFill>
@@ -296,11 +403,12 @@
           </a:prstGeom>
         </p:spPr>
         <p:txBody>
-          <a:bodyPr lIns="0" rIns="0" tIns="0" bIns="0">
+          <a:bodyPr lIns="0" tIns="0" rIns="0" bIns="0">
             <a:normAutofit/>
           </a:bodyPr>
-          <a:p>
-            <a:endParaRPr b="0" lang="cs-CZ" sz="2800" spc="-1" strike="noStrike">
+          <a:lstStyle/>
+          <a:p>
+            <a:endParaRPr lang="cs-CZ" sz="2800" b="0" strike="noStrike" spc="-1">
               <a:solidFill>
                 <a:srgbClr val="000000"/>
               </a:solidFill>
@@ -329,11 +437,12 @@
           </a:prstGeom>
         </p:spPr>
         <p:txBody>
-          <a:bodyPr lIns="0" rIns="0" tIns="0" bIns="0">
+          <a:bodyPr lIns="0" tIns="0" rIns="0" bIns="0">
             <a:normAutofit/>
           </a:bodyPr>
-          <a:p>
-            <a:endParaRPr b="0" lang="cs-CZ" sz="2800" spc="-1" strike="noStrike">
+          <a:lstStyle/>
+          <a:p>
+            <a:endParaRPr lang="cs-CZ" sz="2800" b="0" strike="noStrike" spc="-1">
               <a:solidFill>
                 <a:srgbClr val="000000"/>
               </a:solidFill>
@@ -344,11 +453,14 @@
       </p:sp>
     </p:spTree>
   </p:cSld>
+  <p:clrMapOvr>
+    <a:masterClrMapping/>
+  </p:clrMapOvr>
 </p:sldLayout>
 </file>
 
 <file path=ppt/slideLayouts/slideLayout12.xml><?xml version="1.0" encoding="utf-8"?>
-<p:sldLayout xmlns:a="http://schemas.openxmlformats.org/drawingml/2006/main" xmlns:p="http://schemas.openxmlformats.org/presentationml/2006/main" xmlns:r="http://schemas.openxmlformats.org/officeDocument/2006/relationships" xmlns:p14="http://schemas.microsoft.com/office/powerpoint/2010/main" xmlns:p15="http://schemas.microsoft.com/office/powerpoint/2012/main" xmlns:mc="http://schemas.openxmlformats.org/markup-compatibility/2006" type="blank" preserve="1">
+<p:sldLayout xmlns:a="http://schemas.openxmlformats.org/drawingml/2006/main" xmlns:r="http://schemas.openxmlformats.org/officeDocument/2006/relationships" xmlns:p="http://schemas.openxmlformats.org/presentationml/2006/main" type="blank" preserve="1">
   <p:cSld name="Title, 6 Content">
     <p:spTree>
       <p:nvGrpSpPr>
@@ -384,9 +496,10 @@
           </a:prstGeom>
         </p:spPr>
         <p:txBody>
-          <a:bodyPr lIns="0" rIns="0" tIns="0" bIns="0" anchor="ctr"/>
-          <a:p>
-            <a:endParaRPr b="0" lang="cs-CZ" sz="1800" spc="-1" strike="noStrike">
+          <a:bodyPr lIns="0" tIns="0" rIns="0" bIns="0" anchor="ctr"/>
+          <a:lstStyle/>
+          <a:p>
+            <a:endParaRPr lang="cs-CZ" sz="1800" b="0" strike="noStrike" spc="-1">
               <a:solidFill>
                 <a:srgbClr val="000000"/>
               </a:solidFill>
@@ -415,11 +528,12 @@
           </a:prstGeom>
         </p:spPr>
         <p:txBody>
-          <a:bodyPr lIns="0" rIns="0" tIns="0" bIns="0">
+          <a:bodyPr lIns="0" tIns="0" rIns="0" bIns="0">
             <a:normAutofit/>
           </a:bodyPr>
-          <a:p>
-            <a:endParaRPr b="0" lang="cs-CZ" sz="2800" spc="-1" strike="noStrike">
+          <a:lstStyle/>
+          <a:p>
+            <a:endParaRPr lang="cs-CZ" sz="2800" b="0" strike="noStrike" spc="-1">
               <a:solidFill>
                 <a:srgbClr val="000000"/>
               </a:solidFill>
@@ -448,11 +562,12 @@
           </a:prstGeom>
         </p:spPr>
         <p:txBody>
-          <a:bodyPr lIns="0" rIns="0" tIns="0" bIns="0">
+          <a:bodyPr lIns="0" tIns="0" rIns="0" bIns="0">
             <a:normAutofit/>
           </a:bodyPr>
-          <a:p>
-            <a:endParaRPr b="0" lang="cs-CZ" sz="2800" spc="-1" strike="noStrike">
+          <a:lstStyle/>
+          <a:p>
+            <a:endParaRPr lang="cs-CZ" sz="2800" b="0" strike="noStrike" spc="-1">
               <a:solidFill>
                 <a:srgbClr val="000000"/>
               </a:solidFill>
@@ -481,11 +596,12 @@
           </a:prstGeom>
         </p:spPr>
         <p:txBody>
-          <a:bodyPr lIns="0" rIns="0" tIns="0" bIns="0">
+          <a:bodyPr lIns="0" tIns="0" rIns="0" bIns="0">
             <a:normAutofit/>
           </a:bodyPr>
-          <a:p>
-            <a:endParaRPr b="0" lang="cs-CZ" sz="2800" spc="-1" strike="noStrike">
+          <a:lstStyle/>
+          <a:p>
+            <a:endParaRPr lang="cs-CZ" sz="2800" b="0" strike="noStrike" spc="-1">
               <a:solidFill>
                 <a:srgbClr val="000000"/>
               </a:solidFill>
@@ -514,11 +630,12 @@
           </a:prstGeom>
         </p:spPr>
         <p:txBody>
-          <a:bodyPr lIns="0" rIns="0" tIns="0" bIns="0">
+          <a:bodyPr lIns="0" tIns="0" rIns="0" bIns="0">
             <a:normAutofit/>
           </a:bodyPr>
-          <a:p>
-            <a:endParaRPr b="0" lang="cs-CZ" sz="2800" spc="-1" strike="noStrike">
+          <a:lstStyle/>
+          <a:p>
+            <a:endParaRPr lang="cs-CZ" sz="2800" b="0" strike="noStrike" spc="-1">
               <a:solidFill>
                 <a:srgbClr val="000000"/>
               </a:solidFill>
@@ -547,11 +664,12 @@
           </a:prstGeom>
         </p:spPr>
         <p:txBody>
-          <a:bodyPr lIns="0" rIns="0" tIns="0" bIns="0">
+          <a:bodyPr lIns="0" tIns="0" rIns="0" bIns="0">
             <a:normAutofit/>
           </a:bodyPr>
-          <a:p>
-            <a:endParaRPr b="0" lang="cs-CZ" sz="2800" spc="-1" strike="noStrike">
+          <a:lstStyle/>
+          <a:p>
+            <a:endParaRPr lang="cs-CZ" sz="2800" b="0" strike="noStrike" spc="-1">
               <a:solidFill>
                 <a:srgbClr val="000000"/>
               </a:solidFill>
@@ -580,11 +698,12 @@
           </a:prstGeom>
         </p:spPr>
         <p:txBody>
-          <a:bodyPr lIns="0" rIns="0" tIns="0" bIns="0">
+          <a:bodyPr lIns="0" tIns="0" rIns="0" bIns="0">
             <a:normAutofit/>
           </a:bodyPr>
-          <a:p>
-            <a:endParaRPr b="0" lang="cs-CZ" sz="2800" spc="-1" strike="noStrike">
+          <a:lstStyle/>
+          <a:p>
+            <a:endParaRPr lang="cs-CZ" sz="2800" b="0" strike="noStrike" spc="-1">
               <a:solidFill>
                 <a:srgbClr val="000000"/>
               </a:solidFill>
@@ -595,11 +714,14 @@
       </p:sp>
     </p:spTree>
   </p:cSld>
+  <p:clrMapOvr>
+    <a:masterClrMapping/>
+  </p:clrMapOvr>
 </p:sldLayout>
 </file>
 
 <file path=ppt/slideLayouts/slideLayout13.xml><?xml version="1.0" encoding="utf-8"?>
-<p:sldLayout xmlns:a="http://schemas.openxmlformats.org/drawingml/2006/main" xmlns:p="http://schemas.openxmlformats.org/presentationml/2006/main" xmlns:r="http://schemas.openxmlformats.org/officeDocument/2006/relationships" xmlns:p14="http://schemas.microsoft.com/office/powerpoint/2010/main" xmlns:p15="http://schemas.microsoft.com/office/powerpoint/2012/main" xmlns:mc="http://schemas.openxmlformats.org/markup-compatibility/2006" type="blank" preserve="1">
+<p:sldLayout xmlns:a="http://schemas.openxmlformats.org/drawingml/2006/main" xmlns:r="http://schemas.openxmlformats.org/officeDocument/2006/relationships" xmlns:p="http://schemas.openxmlformats.org/presentationml/2006/main" type="blank" preserve="1">
   <p:cSld name="Blank Slide">
     <p:spTree>
       <p:nvGrpSpPr>
@@ -617,11 +739,14 @@
       </p:grpSpPr>
     </p:spTree>
   </p:cSld>
+  <p:clrMapOvr>
+    <a:masterClrMapping/>
+  </p:clrMapOvr>
 </p:sldLayout>
 </file>
 
 <file path=ppt/slideLayouts/slideLayout14.xml><?xml version="1.0" encoding="utf-8"?>
-<p:sldLayout xmlns:a="http://schemas.openxmlformats.org/drawingml/2006/main" xmlns:p="http://schemas.openxmlformats.org/presentationml/2006/main" xmlns:r="http://schemas.openxmlformats.org/officeDocument/2006/relationships" xmlns:p14="http://schemas.microsoft.com/office/powerpoint/2010/main" xmlns:p15="http://schemas.microsoft.com/office/powerpoint/2012/main" xmlns:mc="http://schemas.openxmlformats.org/markup-compatibility/2006" type="tx" preserve="1">
+<p:sldLayout xmlns:a="http://schemas.openxmlformats.org/drawingml/2006/main" xmlns:r="http://schemas.openxmlformats.org/officeDocument/2006/relationships" xmlns:p="http://schemas.openxmlformats.org/presentationml/2006/main" type="tx" preserve="1">
   <p:cSld name="Title Slide">
     <p:spTree>
       <p:nvGrpSpPr>
@@ -657,9 +782,10 @@
           </a:prstGeom>
         </p:spPr>
         <p:txBody>
-          <a:bodyPr lIns="0" rIns="0" tIns="0" bIns="0" anchor="ctr"/>
-          <a:p>
-            <a:endParaRPr b="0" lang="cs-CZ" sz="1800" spc="-1" strike="noStrike">
+          <a:bodyPr lIns="0" tIns="0" rIns="0" bIns="0" anchor="ctr"/>
+          <a:lstStyle/>
+          <a:p>
+            <a:endParaRPr lang="cs-CZ" sz="1800" b="0" strike="noStrike" spc="-1">
               <a:solidFill>
                 <a:srgbClr val="000000"/>
               </a:solidFill>
@@ -688,10 +814,11 @@
           </a:prstGeom>
         </p:spPr>
         <p:txBody>
-          <a:bodyPr lIns="0" rIns="0" tIns="0" bIns="0" anchor="ctr"/>
+          <a:bodyPr lIns="0" tIns="0" rIns="0" bIns="0" anchor="ctr"/>
+          <a:lstStyle/>
           <a:p>
             <a:pPr algn="ctr"/>
-            <a:endParaRPr b="0" lang="cs-CZ" sz="3200" spc="-1" strike="noStrike">
+            <a:endParaRPr lang="cs-CZ" sz="3200" b="0" strike="noStrike" spc="-1">
               <a:latin typeface="Arial"/>
             </a:endParaRPr>
           </a:p>
@@ -699,11 +826,14 @@
       </p:sp>
     </p:spTree>
   </p:cSld>
+  <p:clrMapOvr>
+    <a:masterClrMapping/>
+  </p:clrMapOvr>
 </p:sldLayout>
 </file>
 
 <file path=ppt/slideLayouts/slideLayout15.xml><?xml version="1.0" encoding="utf-8"?>
-<p:sldLayout xmlns:a="http://schemas.openxmlformats.org/drawingml/2006/main" xmlns:p="http://schemas.openxmlformats.org/presentationml/2006/main" xmlns:r="http://schemas.openxmlformats.org/officeDocument/2006/relationships" xmlns:p14="http://schemas.microsoft.com/office/powerpoint/2010/main" xmlns:p15="http://schemas.microsoft.com/office/powerpoint/2012/main" xmlns:mc="http://schemas.openxmlformats.org/markup-compatibility/2006" type="obj" preserve="1">
+<p:sldLayout xmlns:a="http://schemas.openxmlformats.org/drawingml/2006/main" xmlns:r="http://schemas.openxmlformats.org/officeDocument/2006/relationships" xmlns:p="http://schemas.openxmlformats.org/presentationml/2006/main" type="obj" preserve="1">
   <p:cSld name="Title, Content">
     <p:spTree>
       <p:nvGrpSpPr>
@@ -739,9 +869,10 @@
           </a:prstGeom>
         </p:spPr>
         <p:txBody>
-          <a:bodyPr lIns="0" rIns="0" tIns="0" bIns="0" anchor="ctr"/>
-          <a:p>
-            <a:endParaRPr b="0" lang="cs-CZ" sz="1800" spc="-1" strike="noStrike">
+          <a:bodyPr lIns="0" tIns="0" rIns="0" bIns="0" anchor="ctr"/>
+          <a:lstStyle/>
+          <a:p>
+            <a:endParaRPr lang="cs-CZ" sz="1800" b="0" strike="noStrike" spc="-1">
               <a:solidFill>
                 <a:srgbClr val="000000"/>
               </a:solidFill>
@@ -770,11 +901,12 @@
           </a:prstGeom>
         </p:spPr>
         <p:txBody>
-          <a:bodyPr lIns="0" rIns="0" tIns="0" bIns="0">
+          <a:bodyPr lIns="0" tIns="0" rIns="0" bIns="0">
             <a:normAutofit/>
           </a:bodyPr>
-          <a:p>
-            <a:endParaRPr b="0" lang="cs-CZ" sz="2800" spc="-1" strike="noStrike">
+          <a:lstStyle/>
+          <a:p>
+            <a:endParaRPr lang="cs-CZ" sz="2800" b="0" strike="noStrike" spc="-1">
               <a:solidFill>
                 <a:srgbClr val="000000"/>
               </a:solidFill>
@@ -785,11 +917,14 @@
       </p:sp>
     </p:spTree>
   </p:cSld>
+  <p:clrMapOvr>
+    <a:masterClrMapping/>
+  </p:clrMapOvr>
 </p:sldLayout>
 </file>
 
 <file path=ppt/slideLayouts/slideLayout16.xml><?xml version="1.0" encoding="utf-8"?>
-<p:sldLayout xmlns:a="http://schemas.openxmlformats.org/drawingml/2006/main" xmlns:p="http://schemas.openxmlformats.org/presentationml/2006/main" xmlns:r="http://schemas.openxmlformats.org/officeDocument/2006/relationships" xmlns:p14="http://schemas.microsoft.com/office/powerpoint/2010/main" xmlns:p15="http://schemas.microsoft.com/office/powerpoint/2012/main" xmlns:mc="http://schemas.openxmlformats.org/markup-compatibility/2006" type="twoObj" preserve="1">
+<p:sldLayout xmlns:a="http://schemas.openxmlformats.org/drawingml/2006/main" xmlns:r="http://schemas.openxmlformats.org/officeDocument/2006/relationships" xmlns:p="http://schemas.openxmlformats.org/presentationml/2006/main" type="twoObj" preserve="1">
   <p:cSld name="Title, 2 Content">
     <p:spTree>
       <p:nvGrpSpPr>
@@ -825,9 +960,10 @@
           </a:prstGeom>
         </p:spPr>
         <p:txBody>
-          <a:bodyPr lIns="0" rIns="0" tIns="0" bIns="0" anchor="ctr"/>
-          <a:p>
-            <a:endParaRPr b="0" lang="cs-CZ" sz="1800" spc="-1" strike="noStrike">
+          <a:bodyPr lIns="0" tIns="0" rIns="0" bIns="0" anchor="ctr"/>
+          <a:lstStyle/>
+          <a:p>
+            <a:endParaRPr lang="cs-CZ" sz="1800" b="0" strike="noStrike" spc="-1">
               <a:solidFill>
                 <a:srgbClr val="000000"/>
               </a:solidFill>
@@ -856,11 +992,12 @@
           </a:prstGeom>
         </p:spPr>
         <p:txBody>
-          <a:bodyPr lIns="0" rIns="0" tIns="0" bIns="0">
+          <a:bodyPr lIns="0" tIns="0" rIns="0" bIns="0">
             <a:normAutofit/>
           </a:bodyPr>
-          <a:p>
-            <a:endParaRPr b="0" lang="cs-CZ" sz="2800" spc="-1" strike="noStrike">
+          <a:lstStyle/>
+          <a:p>
+            <a:endParaRPr lang="cs-CZ" sz="2800" b="0" strike="noStrike" spc="-1">
               <a:solidFill>
                 <a:srgbClr val="000000"/>
               </a:solidFill>
@@ -889,11 +1026,12 @@
           </a:prstGeom>
         </p:spPr>
         <p:txBody>
-          <a:bodyPr lIns="0" rIns="0" tIns="0" bIns="0">
+          <a:bodyPr lIns="0" tIns="0" rIns="0" bIns="0">
             <a:normAutofit/>
           </a:bodyPr>
-          <a:p>
-            <a:endParaRPr b="0" lang="cs-CZ" sz="2800" spc="-1" strike="noStrike">
+          <a:lstStyle/>
+          <a:p>
+            <a:endParaRPr lang="cs-CZ" sz="2800" b="0" strike="noStrike" spc="-1">
               <a:solidFill>
                 <a:srgbClr val="000000"/>
               </a:solidFill>
@@ -904,11 +1042,14 @@
       </p:sp>
     </p:spTree>
   </p:cSld>
+  <p:clrMapOvr>
+    <a:masterClrMapping/>
+  </p:clrMapOvr>
 </p:sldLayout>
 </file>
 
 <file path=ppt/slideLayouts/slideLayout17.xml><?xml version="1.0" encoding="utf-8"?>
-<p:sldLayout xmlns:a="http://schemas.openxmlformats.org/drawingml/2006/main" xmlns:p="http://schemas.openxmlformats.org/presentationml/2006/main" xmlns:r="http://schemas.openxmlformats.org/officeDocument/2006/relationships" xmlns:p14="http://schemas.microsoft.com/office/powerpoint/2010/main" xmlns:p15="http://schemas.microsoft.com/office/powerpoint/2012/main" xmlns:mc="http://schemas.openxmlformats.org/markup-compatibility/2006" type="titleOnly" preserve="1">
+<p:sldLayout xmlns:a="http://schemas.openxmlformats.org/drawingml/2006/main" xmlns:r="http://schemas.openxmlformats.org/officeDocument/2006/relationships" xmlns:p="http://schemas.openxmlformats.org/presentationml/2006/main" type="titleOnly" preserve="1">
   <p:cSld name="Title Only">
     <p:spTree>
       <p:nvGrpSpPr>
@@ -944,9 +1085,10 @@
           </a:prstGeom>
         </p:spPr>
         <p:txBody>
-          <a:bodyPr lIns="0" rIns="0" tIns="0" bIns="0" anchor="ctr"/>
-          <a:p>
-            <a:endParaRPr b="0" lang="cs-CZ" sz="1800" spc="-1" strike="noStrike">
+          <a:bodyPr lIns="0" tIns="0" rIns="0" bIns="0" anchor="ctr"/>
+          <a:lstStyle/>
+          <a:p>
+            <a:endParaRPr lang="cs-CZ" sz="1800" b="0" strike="noStrike" spc="-1">
               <a:solidFill>
                 <a:srgbClr val="000000"/>
               </a:solidFill>
@@ -957,11 +1099,14 @@
       </p:sp>
     </p:spTree>
   </p:cSld>
+  <p:clrMapOvr>
+    <a:masterClrMapping/>
+  </p:clrMapOvr>
 </p:sldLayout>
 </file>
 
 <file path=ppt/slideLayouts/slideLayout18.xml><?xml version="1.0" encoding="utf-8"?>
-<p:sldLayout xmlns:a="http://schemas.openxmlformats.org/drawingml/2006/main" xmlns:p="http://schemas.openxmlformats.org/presentationml/2006/main" xmlns:r="http://schemas.openxmlformats.org/officeDocument/2006/relationships" xmlns:p14="http://schemas.microsoft.com/office/powerpoint/2010/main" xmlns:p15="http://schemas.microsoft.com/office/powerpoint/2012/main" xmlns:mc="http://schemas.openxmlformats.org/markup-compatibility/2006" type="objOnly" preserve="1">
+<p:sldLayout xmlns:a="http://schemas.openxmlformats.org/drawingml/2006/main" xmlns:r="http://schemas.openxmlformats.org/officeDocument/2006/relationships" xmlns:p="http://schemas.openxmlformats.org/presentationml/2006/main" type="objOnly" preserve="1">
   <p:cSld name="Centered Text">
     <p:spTree>
       <p:nvGrpSpPr>
@@ -997,10 +1142,11 @@
           </a:prstGeom>
         </p:spPr>
         <p:txBody>
-          <a:bodyPr lIns="0" rIns="0" tIns="0" bIns="0" anchor="ctr"/>
+          <a:bodyPr lIns="0" tIns="0" rIns="0" bIns="0" anchor="ctr"/>
+          <a:lstStyle/>
           <a:p>
             <a:pPr algn="ctr"/>
-            <a:endParaRPr b="0" lang="cs-CZ" sz="3200" spc="-1" strike="noStrike">
+            <a:endParaRPr lang="cs-CZ" sz="3200" b="0" strike="noStrike" spc="-1">
               <a:latin typeface="Arial"/>
             </a:endParaRPr>
           </a:p>
@@ -1008,11 +1154,14 @@
       </p:sp>
     </p:spTree>
   </p:cSld>
+  <p:clrMapOvr>
+    <a:masterClrMapping/>
+  </p:clrMapOvr>
 </p:sldLayout>
 </file>
 
 <file path=ppt/slideLayouts/slideLayout19.xml><?xml version="1.0" encoding="utf-8"?>
-<p:sldLayout xmlns:a="http://schemas.openxmlformats.org/drawingml/2006/main" xmlns:p="http://schemas.openxmlformats.org/presentationml/2006/main" xmlns:r="http://schemas.openxmlformats.org/officeDocument/2006/relationships" xmlns:p14="http://schemas.microsoft.com/office/powerpoint/2010/main" xmlns:p15="http://schemas.microsoft.com/office/powerpoint/2012/main" xmlns:mc="http://schemas.openxmlformats.org/markup-compatibility/2006" type="twoObjAndObj" preserve="1">
+<p:sldLayout xmlns:a="http://schemas.openxmlformats.org/drawingml/2006/main" xmlns:r="http://schemas.openxmlformats.org/officeDocument/2006/relationships" xmlns:p="http://schemas.openxmlformats.org/presentationml/2006/main" type="twoObjAndObj" preserve="1">
   <p:cSld name="Title, 2 Content and Content">
     <p:spTree>
       <p:nvGrpSpPr>
@@ -1048,9 +1197,10 @@
           </a:prstGeom>
         </p:spPr>
         <p:txBody>
-          <a:bodyPr lIns="0" rIns="0" tIns="0" bIns="0" anchor="ctr"/>
-          <a:p>
-            <a:endParaRPr b="0" lang="cs-CZ" sz="1800" spc="-1" strike="noStrike">
+          <a:bodyPr lIns="0" tIns="0" rIns="0" bIns="0" anchor="ctr"/>
+          <a:lstStyle/>
+          <a:p>
+            <a:endParaRPr lang="cs-CZ" sz="1800" b="0" strike="noStrike" spc="-1">
               <a:solidFill>
                 <a:srgbClr val="000000"/>
               </a:solidFill>
@@ -1079,11 +1229,12 @@
           </a:prstGeom>
         </p:spPr>
         <p:txBody>
-          <a:bodyPr lIns="0" rIns="0" tIns="0" bIns="0">
+          <a:bodyPr lIns="0" tIns="0" rIns="0" bIns="0">
             <a:normAutofit/>
           </a:bodyPr>
-          <a:p>
-            <a:endParaRPr b="0" lang="cs-CZ" sz="2800" spc="-1" strike="noStrike">
+          <a:lstStyle/>
+          <a:p>
+            <a:endParaRPr lang="cs-CZ" sz="2800" b="0" strike="noStrike" spc="-1">
               <a:solidFill>
                 <a:srgbClr val="000000"/>
               </a:solidFill>
@@ -1112,11 +1263,12 @@
           </a:prstGeom>
         </p:spPr>
         <p:txBody>
-          <a:bodyPr lIns="0" rIns="0" tIns="0" bIns="0">
+          <a:bodyPr lIns="0" tIns="0" rIns="0" bIns="0">
             <a:normAutofit/>
           </a:bodyPr>
-          <a:p>
-            <a:endParaRPr b="0" lang="cs-CZ" sz="2800" spc="-1" strike="noStrike">
+          <a:lstStyle/>
+          <a:p>
+            <a:endParaRPr lang="cs-CZ" sz="2800" b="0" strike="noStrike" spc="-1">
               <a:solidFill>
                 <a:srgbClr val="000000"/>
               </a:solidFill>
@@ -1145,11 +1297,12 @@
           </a:prstGeom>
         </p:spPr>
         <p:txBody>
-          <a:bodyPr lIns="0" rIns="0" tIns="0" bIns="0">
+          <a:bodyPr lIns="0" tIns="0" rIns="0" bIns="0">
             <a:normAutofit/>
           </a:bodyPr>
-          <a:p>
-            <a:endParaRPr b="0" lang="cs-CZ" sz="2800" spc="-1" strike="noStrike">
+          <a:lstStyle/>
+          <a:p>
+            <a:endParaRPr lang="cs-CZ" sz="2800" b="0" strike="noStrike" spc="-1">
               <a:solidFill>
                 <a:srgbClr val="000000"/>
               </a:solidFill>
@@ -1160,11 +1313,14 @@
       </p:sp>
     </p:spTree>
   </p:cSld>
+  <p:clrMapOvr>
+    <a:masterClrMapping/>
+  </p:clrMapOvr>
 </p:sldLayout>
 </file>
 
 <file path=ppt/slideLayouts/slideLayout2.xml><?xml version="1.0" encoding="utf-8"?>
-<p:sldLayout xmlns:a="http://schemas.openxmlformats.org/drawingml/2006/main" xmlns:p="http://schemas.openxmlformats.org/presentationml/2006/main" xmlns:r="http://schemas.openxmlformats.org/officeDocument/2006/relationships" xmlns:p14="http://schemas.microsoft.com/office/powerpoint/2010/main" xmlns:p15="http://schemas.microsoft.com/office/powerpoint/2012/main" xmlns:mc="http://schemas.openxmlformats.org/markup-compatibility/2006" type="tx" preserve="1">
+<p:sldLayout xmlns:a="http://schemas.openxmlformats.org/drawingml/2006/main" xmlns:r="http://schemas.openxmlformats.org/officeDocument/2006/relationships" xmlns:p="http://schemas.openxmlformats.org/presentationml/2006/main" type="tx" preserve="1">
   <p:cSld name="Title Slide">
     <p:spTree>
       <p:nvGrpSpPr>
@@ -1200,9 +1356,10 @@
           </a:prstGeom>
         </p:spPr>
         <p:txBody>
-          <a:bodyPr lIns="0" rIns="0" tIns="0" bIns="0" anchor="ctr"/>
-          <a:p>
-            <a:endParaRPr b="0" lang="cs-CZ" sz="1800" spc="-1" strike="noStrike">
+          <a:bodyPr lIns="0" tIns="0" rIns="0" bIns="0" anchor="ctr"/>
+          <a:lstStyle/>
+          <a:p>
+            <a:endParaRPr lang="cs-CZ" sz="1800" b="0" strike="noStrike" spc="-1">
               <a:solidFill>
                 <a:srgbClr val="000000"/>
               </a:solidFill>
@@ -1231,10 +1388,11 @@
           </a:prstGeom>
         </p:spPr>
         <p:txBody>
-          <a:bodyPr lIns="0" rIns="0" tIns="0" bIns="0" anchor="ctr"/>
+          <a:bodyPr lIns="0" tIns="0" rIns="0" bIns="0" anchor="ctr"/>
+          <a:lstStyle/>
           <a:p>
             <a:pPr algn="ctr"/>
-            <a:endParaRPr b="0" lang="cs-CZ" sz="3200" spc="-1" strike="noStrike">
+            <a:endParaRPr lang="cs-CZ" sz="3200" b="0" strike="noStrike" spc="-1">
               <a:latin typeface="Arial"/>
             </a:endParaRPr>
           </a:p>
@@ -1242,11 +1400,14 @@
       </p:sp>
     </p:spTree>
   </p:cSld>
+  <p:clrMapOvr>
+    <a:masterClrMapping/>
+  </p:clrMapOvr>
 </p:sldLayout>
 </file>
 
 <file path=ppt/slideLayouts/slideLayout20.xml><?xml version="1.0" encoding="utf-8"?>
-<p:sldLayout xmlns:a="http://schemas.openxmlformats.org/drawingml/2006/main" xmlns:p="http://schemas.openxmlformats.org/presentationml/2006/main" xmlns:r="http://schemas.openxmlformats.org/officeDocument/2006/relationships" xmlns:p14="http://schemas.microsoft.com/office/powerpoint/2010/main" xmlns:p15="http://schemas.microsoft.com/office/powerpoint/2012/main" xmlns:mc="http://schemas.openxmlformats.org/markup-compatibility/2006" type="objAndTwoObj" preserve="1">
+<p:sldLayout xmlns:a="http://schemas.openxmlformats.org/drawingml/2006/main" xmlns:r="http://schemas.openxmlformats.org/officeDocument/2006/relationships" xmlns:p="http://schemas.openxmlformats.org/presentationml/2006/main" type="objAndTwoObj" preserve="1">
   <p:cSld name="Title Content and 2 Content">
     <p:spTree>
       <p:nvGrpSpPr>
@@ -1282,9 +1443,10 @@
           </a:prstGeom>
         </p:spPr>
         <p:txBody>
-          <a:bodyPr lIns="0" rIns="0" tIns="0" bIns="0" anchor="ctr"/>
-          <a:p>
-            <a:endParaRPr b="0" lang="cs-CZ" sz="1800" spc="-1" strike="noStrike">
+          <a:bodyPr lIns="0" tIns="0" rIns="0" bIns="0" anchor="ctr"/>
+          <a:lstStyle/>
+          <a:p>
+            <a:endParaRPr lang="cs-CZ" sz="1800" b="0" strike="noStrike" spc="-1">
               <a:solidFill>
                 <a:srgbClr val="000000"/>
               </a:solidFill>
@@ -1313,11 +1475,12 @@
           </a:prstGeom>
         </p:spPr>
         <p:txBody>
-          <a:bodyPr lIns="0" rIns="0" tIns="0" bIns="0">
+          <a:bodyPr lIns="0" tIns="0" rIns="0" bIns="0">
             <a:normAutofit/>
           </a:bodyPr>
-          <a:p>
-            <a:endParaRPr b="0" lang="cs-CZ" sz="2800" spc="-1" strike="noStrike">
+          <a:lstStyle/>
+          <a:p>
+            <a:endParaRPr lang="cs-CZ" sz="2800" b="0" strike="noStrike" spc="-1">
               <a:solidFill>
                 <a:srgbClr val="000000"/>
               </a:solidFill>
@@ -1346,11 +1509,12 @@
           </a:prstGeom>
         </p:spPr>
         <p:txBody>
-          <a:bodyPr lIns="0" rIns="0" tIns="0" bIns="0">
+          <a:bodyPr lIns="0" tIns="0" rIns="0" bIns="0">
             <a:normAutofit/>
           </a:bodyPr>
-          <a:p>
-            <a:endParaRPr b="0" lang="cs-CZ" sz="2800" spc="-1" strike="noStrike">
+          <a:lstStyle/>
+          <a:p>
+            <a:endParaRPr lang="cs-CZ" sz="2800" b="0" strike="noStrike" spc="-1">
               <a:solidFill>
                 <a:srgbClr val="000000"/>
               </a:solidFill>
@@ -1379,11 +1543,12 @@
           </a:prstGeom>
         </p:spPr>
         <p:txBody>
-          <a:bodyPr lIns="0" rIns="0" tIns="0" bIns="0">
+          <a:bodyPr lIns="0" tIns="0" rIns="0" bIns="0">
             <a:normAutofit/>
           </a:bodyPr>
-          <a:p>
-            <a:endParaRPr b="0" lang="cs-CZ" sz="2800" spc="-1" strike="noStrike">
+          <a:lstStyle/>
+          <a:p>
+            <a:endParaRPr lang="cs-CZ" sz="2800" b="0" strike="noStrike" spc="-1">
               <a:solidFill>
                 <a:srgbClr val="000000"/>
               </a:solidFill>
@@ -1394,11 +1559,14 @@
       </p:sp>
     </p:spTree>
   </p:cSld>
+  <p:clrMapOvr>
+    <a:masterClrMapping/>
+  </p:clrMapOvr>
 </p:sldLayout>
 </file>
 
 <file path=ppt/slideLayouts/slideLayout21.xml><?xml version="1.0" encoding="utf-8"?>
-<p:sldLayout xmlns:a="http://schemas.openxmlformats.org/drawingml/2006/main" xmlns:p="http://schemas.openxmlformats.org/presentationml/2006/main" xmlns:r="http://schemas.openxmlformats.org/officeDocument/2006/relationships" xmlns:p14="http://schemas.microsoft.com/office/powerpoint/2010/main" xmlns:p15="http://schemas.microsoft.com/office/powerpoint/2012/main" xmlns:mc="http://schemas.openxmlformats.org/markup-compatibility/2006" type="twoObjOverTx" preserve="1">
+<p:sldLayout xmlns:a="http://schemas.openxmlformats.org/drawingml/2006/main" xmlns:r="http://schemas.openxmlformats.org/officeDocument/2006/relationships" xmlns:p="http://schemas.openxmlformats.org/presentationml/2006/main" type="twoObjOverTx" preserve="1">
   <p:cSld name="Title, 2 Content over Content">
     <p:spTree>
       <p:nvGrpSpPr>
@@ -1434,9 +1602,10 @@
           </a:prstGeom>
         </p:spPr>
         <p:txBody>
-          <a:bodyPr lIns="0" rIns="0" tIns="0" bIns="0" anchor="ctr"/>
-          <a:p>
-            <a:endParaRPr b="0" lang="cs-CZ" sz="1800" spc="-1" strike="noStrike">
+          <a:bodyPr lIns="0" tIns="0" rIns="0" bIns="0" anchor="ctr"/>
+          <a:lstStyle/>
+          <a:p>
+            <a:endParaRPr lang="cs-CZ" sz="1800" b="0" strike="noStrike" spc="-1">
               <a:solidFill>
                 <a:srgbClr val="000000"/>
               </a:solidFill>
@@ -1465,11 +1634,12 @@
           </a:prstGeom>
         </p:spPr>
         <p:txBody>
-          <a:bodyPr lIns="0" rIns="0" tIns="0" bIns="0">
+          <a:bodyPr lIns="0" tIns="0" rIns="0" bIns="0">
             <a:normAutofit/>
           </a:bodyPr>
-          <a:p>
-            <a:endParaRPr b="0" lang="cs-CZ" sz="2800" spc="-1" strike="noStrike">
+          <a:lstStyle/>
+          <a:p>
+            <a:endParaRPr lang="cs-CZ" sz="2800" b="0" strike="noStrike" spc="-1">
               <a:solidFill>
                 <a:srgbClr val="000000"/>
               </a:solidFill>
@@ -1498,11 +1668,12 @@
           </a:prstGeom>
         </p:spPr>
         <p:txBody>
-          <a:bodyPr lIns="0" rIns="0" tIns="0" bIns="0">
+          <a:bodyPr lIns="0" tIns="0" rIns="0" bIns="0">
             <a:normAutofit/>
           </a:bodyPr>
-          <a:p>
-            <a:endParaRPr b="0" lang="cs-CZ" sz="2800" spc="-1" strike="noStrike">
+          <a:lstStyle/>
+          <a:p>
+            <a:endParaRPr lang="cs-CZ" sz="2800" b="0" strike="noStrike" spc="-1">
               <a:solidFill>
                 <a:srgbClr val="000000"/>
               </a:solidFill>
@@ -1531,11 +1702,12 @@
           </a:prstGeom>
         </p:spPr>
         <p:txBody>
-          <a:bodyPr lIns="0" rIns="0" tIns="0" bIns="0">
+          <a:bodyPr lIns="0" tIns="0" rIns="0" bIns="0">
             <a:normAutofit/>
           </a:bodyPr>
-          <a:p>
-            <a:endParaRPr b="0" lang="cs-CZ" sz="2800" spc="-1" strike="noStrike">
+          <a:lstStyle/>
+          <a:p>
+            <a:endParaRPr lang="cs-CZ" sz="2800" b="0" strike="noStrike" spc="-1">
               <a:solidFill>
                 <a:srgbClr val="000000"/>
               </a:solidFill>
@@ -1546,11 +1718,14 @@
       </p:sp>
     </p:spTree>
   </p:cSld>
+  <p:clrMapOvr>
+    <a:masterClrMapping/>
+  </p:clrMapOvr>
 </p:sldLayout>
 </file>
 
 <file path=ppt/slideLayouts/slideLayout22.xml><?xml version="1.0" encoding="utf-8"?>
-<p:sldLayout xmlns:a="http://schemas.openxmlformats.org/drawingml/2006/main" xmlns:p="http://schemas.openxmlformats.org/presentationml/2006/main" xmlns:r="http://schemas.openxmlformats.org/officeDocument/2006/relationships" xmlns:p14="http://schemas.microsoft.com/office/powerpoint/2010/main" xmlns:p15="http://schemas.microsoft.com/office/powerpoint/2012/main" xmlns:mc="http://schemas.openxmlformats.org/markup-compatibility/2006" type="objOverTx" preserve="1">
+<p:sldLayout xmlns:a="http://schemas.openxmlformats.org/drawingml/2006/main" xmlns:r="http://schemas.openxmlformats.org/officeDocument/2006/relationships" xmlns:p="http://schemas.openxmlformats.org/presentationml/2006/main" type="objOverTx" preserve="1">
   <p:cSld name="Title, Content over Content">
     <p:spTree>
       <p:nvGrpSpPr>
@@ -1586,9 +1761,10 @@
           </a:prstGeom>
         </p:spPr>
         <p:txBody>
-          <a:bodyPr lIns="0" rIns="0" tIns="0" bIns="0" anchor="ctr"/>
-          <a:p>
-            <a:endParaRPr b="0" lang="cs-CZ" sz="1800" spc="-1" strike="noStrike">
+          <a:bodyPr lIns="0" tIns="0" rIns="0" bIns="0" anchor="ctr"/>
+          <a:lstStyle/>
+          <a:p>
+            <a:endParaRPr lang="cs-CZ" sz="1800" b="0" strike="noStrike" spc="-1">
               <a:solidFill>
                 <a:srgbClr val="000000"/>
               </a:solidFill>
@@ -1617,11 +1793,12 @@
           </a:prstGeom>
         </p:spPr>
         <p:txBody>
-          <a:bodyPr lIns="0" rIns="0" tIns="0" bIns="0">
+          <a:bodyPr lIns="0" tIns="0" rIns="0" bIns="0">
             <a:normAutofit/>
           </a:bodyPr>
-          <a:p>
-            <a:endParaRPr b="0" lang="cs-CZ" sz="2800" spc="-1" strike="noStrike">
+          <a:lstStyle/>
+          <a:p>
+            <a:endParaRPr lang="cs-CZ" sz="2800" b="0" strike="noStrike" spc="-1">
               <a:solidFill>
                 <a:srgbClr val="000000"/>
               </a:solidFill>
@@ -1650,11 +1827,12 @@
           </a:prstGeom>
         </p:spPr>
         <p:txBody>
-          <a:bodyPr lIns="0" rIns="0" tIns="0" bIns="0">
+          <a:bodyPr lIns="0" tIns="0" rIns="0" bIns="0">
             <a:normAutofit/>
           </a:bodyPr>
-          <a:p>
-            <a:endParaRPr b="0" lang="cs-CZ" sz="2800" spc="-1" strike="noStrike">
+          <a:lstStyle/>
+          <a:p>
+            <a:endParaRPr lang="cs-CZ" sz="2800" b="0" strike="noStrike" spc="-1">
               <a:solidFill>
                 <a:srgbClr val="000000"/>
               </a:solidFill>
@@ -1665,11 +1843,14 @@
       </p:sp>
     </p:spTree>
   </p:cSld>
+  <p:clrMapOvr>
+    <a:masterClrMapping/>
+  </p:clrMapOvr>
 </p:sldLayout>
 </file>
 
 <file path=ppt/slideLayouts/slideLayout23.xml><?xml version="1.0" encoding="utf-8"?>
-<p:sldLayout xmlns:a="http://schemas.openxmlformats.org/drawingml/2006/main" xmlns:p="http://schemas.openxmlformats.org/presentationml/2006/main" xmlns:r="http://schemas.openxmlformats.org/officeDocument/2006/relationships" xmlns:p14="http://schemas.microsoft.com/office/powerpoint/2010/main" xmlns:p15="http://schemas.microsoft.com/office/powerpoint/2012/main" xmlns:mc="http://schemas.openxmlformats.org/markup-compatibility/2006" type="fourObj" preserve="1">
+<p:sldLayout xmlns:a="http://schemas.openxmlformats.org/drawingml/2006/main" xmlns:r="http://schemas.openxmlformats.org/officeDocument/2006/relationships" xmlns:p="http://schemas.openxmlformats.org/presentationml/2006/main" type="fourObj" preserve="1">
   <p:cSld name="Title, 4 Content">
     <p:spTree>
       <p:nvGrpSpPr>
@@ -1705,9 +1886,10 @@
           </a:prstGeom>
         </p:spPr>
         <p:txBody>
-          <a:bodyPr lIns="0" rIns="0" tIns="0" bIns="0" anchor="ctr"/>
-          <a:p>
-            <a:endParaRPr b="0" lang="cs-CZ" sz="1800" spc="-1" strike="noStrike">
+          <a:bodyPr lIns="0" tIns="0" rIns="0" bIns="0" anchor="ctr"/>
+          <a:lstStyle/>
+          <a:p>
+            <a:endParaRPr lang="cs-CZ" sz="1800" b="0" strike="noStrike" spc="-1">
               <a:solidFill>
                 <a:srgbClr val="000000"/>
               </a:solidFill>
@@ -1736,11 +1918,12 @@
           </a:prstGeom>
         </p:spPr>
         <p:txBody>
-          <a:bodyPr lIns="0" rIns="0" tIns="0" bIns="0">
+          <a:bodyPr lIns="0" tIns="0" rIns="0" bIns="0">
             <a:normAutofit/>
           </a:bodyPr>
-          <a:p>
-            <a:endParaRPr b="0" lang="cs-CZ" sz="2800" spc="-1" strike="noStrike">
+          <a:lstStyle/>
+          <a:p>
+            <a:endParaRPr lang="cs-CZ" sz="2800" b="0" strike="noStrike" spc="-1">
               <a:solidFill>
                 <a:srgbClr val="000000"/>
               </a:solidFill>
@@ -1769,11 +1952,12 @@
           </a:prstGeom>
         </p:spPr>
         <p:txBody>
-          <a:bodyPr lIns="0" rIns="0" tIns="0" bIns="0">
+          <a:bodyPr lIns="0" tIns="0" rIns="0" bIns="0">
             <a:normAutofit/>
           </a:bodyPr>
-          <a:p>
-            <a:endParaRPr b="0" lang="cs-CZ" sz="2800" spc="-1" strike="noStrike">
+          <a:lstStyle/>
+          <a:p>
+            <a:endParaRPr lang="cs-CZ" sz="2800" b="0" strike="noStrike" spc="-1">
               <a:solidFill>
                 <a:srgbClr val="000000"/>
               </a:solidFill>
@@ -1802,11 +1986,12 @@
           </a:prstGeom>
         </p:spPr>
         <p:txBody>
-          <a:bodyPr lIns="0" rIns="0" tIns="0" bIns="0">
+          <a:bodyPr lIns="0" tIns="0" rIns="0" bIns="0">
             <a:normAutofit/>
           </a:bodyPr>
-          <a:p>
-            <a:endParaRPr b="0" lang="cs-CZ" sz="2800" spc="-1" strike="noStrike">
+          <a:lstStyle/>
+          <a:p>
+            <a:endParaRPr lang="cs-CZ" sz="2800" b="0" strike="noStrike" spc="-1">
               <a:solidFill>
                 <a:srgbClr val="000000"/>
               </a:solidFill>
@@ -1835,11 +2020,12 @@
           </a:prstGeom>
         </p:spPr>
         <p:txBody>
-          <a:bodyPr lIns="0" rIns="0" tIns="0" bIns="0">
+          <a:bodyPr lIns="0" tIns="0" rIns="0" bIns="0">
             <a:normAutofit/>
           </a:bodyPr>
-          <a:p>
-            <a:endParaRPr b="0" lang="cs-CZ" sz="2800" spc="-1" strike="noStrike">
+          <a:lstStyle/>
+          <a:p>
+            <a:endParaRPr lang="cs-CZ" sz="2800" b="0" strike="noStrike" spc="-1">
               <a:solidFill>
                 <a:srgbClr val="000000"/>
               </a:solidFill>
@@ -1850,11 +2036,14 @@
       </p:sp>
     </p:spTree>
   </p:cSld>
+  <p:clrMapOvr>
+    <a:masterClrMapping/>
+  </p:clrMapOvr>
 </p:sldLayout>
 </file>
 
 <file path=ppt/slideLayouts/slideLayout24.xml><?xml version="1.0" encoding="utf-8"?>
-<p:sldLayout xmlns:a="http://schemas.openxmlformats.org/drawingml/2006/main" xmlns:p="http://schemas.openxmlformats.org/presentationml/2006/main" xmlns:r="http://schemas.openxmlformats.org/officeDocument/2006/relationships" xmlns:p14="http://schemas.microsoft.com/office/powerpoint/2010/main" xmlns:p15="http://schemas.microsoft.com/office/powerpoint/2012/main" xmlns:mc="http://schemas.openxmlformats.org/markup-compatibility/2006" type="blank" preserve="1">
+<p:sldLayout xmlns:a="http://schemas.openxmlformats.org/drawingml/2006/main" xmlns:r="http://schemas.openxmlformats.org/officeDocument/2006/relationships" xmlns:p="http://schemas.openxmlformats.org/presentationml/2006/main" type="blank" preserve="1">
   <p:cSld name="Title, 6 Content">
     <p:spTree>
       <p:nvGrpSpPr>
@@ -1890,9 +2079,10 @@
           </a:prstGeom>
         </p:spPr>
         <p:txBody>
-          <a:bodyPr lIns="0" rIns="0" tIns="0" bIns="0" anchor="ctr"/>
-          <a:p>
-            <a:endParaRPr b="0" lang="cs-CZ" sz="1800" spc="-1" strike="noStrike">
+          <a:bodyPr lIns="0" tIns="0" rIns="0" bIns="0" anchor="ctr"/>
+          <a:lstStyle/>
+          <a:p>
+            <a:endParaRPr lang="cs-CZ" sz="1800" b="0" strike="noStrike" spc="-1">
               <a:solidFill>
                 <a:srgbClr val="000000"/>
               </a:solidFill>
@@ -1921,11 +2111,12 @@
           </a:prstGeom>
         </p:spPr>
         <p:txBody>
-          <a:bodyPr lIns="0" rIns="0" tIns="0" bIns="0">
+          <a:bodyPr lIns="0" tIns="0" rIns="0" bIns="0">
             <a:normAutofit/>
           </a:bodyPr>
-          <a:p>
-            <a:endParaRPr b="0" lang="cs-CZ" sz="2800" spc="-1" strike="noStrike">
+          <a:lstStyle/>
+          <a:p>
+            <a:endParaRPr lang="cs-CZ" sz="2800" b="0" strike="noStrike" spc="-1">
               <a:solidFill>
                 <a:srgbClr val="000000"/>
               </a:solidFill>
@@ -1954,11 +2145,12 @@
           </a:prstGeom>
         </p:spPr>
         <p:txBody>
-          <a:bodyPr lIns="0" rIns="0" tIns="0" bIns="0">
+          <a:bodyPr lIns="0" tIns="0" rIns="0" bIns="0">
             <a:normAutofit/>
           </a:bodyPr>
-          <a:p>
-            <a:endParaRPr b="0" lang="cs-CZ" sz="2800" spc="-1" strike="noStrike">
+          <a:lstStyle/>
+          <a:p>
+            <a:endParaRPr lang="cs-CZ" sz="2800" b="0" strike="noStrike" spc="-1">
               <a:solidFill>
                 <a:srgbClr val="000000"/>
               </a:solidFill>
@@ -1987,11 +2179,12 @@
           </a:prstGeom>
         </p:spPr>
         <p:txBody>
-          <a:bodyPr lIns="0" rIns="0" tIns="0" bIns="0">
+          <a:bodyPr lIns="0" tIns="0" rIns="0" bIns="0">
             <a:normAutofit/>
           </a:bodyPr>
-          <a:p>
-            <a:endParaRPr b="0" lang="cs-CZ" sz="2800" spc="-1" strike="noStrike">
+          <a:lstStyle/>
+          <a:p>
+            <a:endParaRPr lang="cs-CZ" sz="2800" b="0" strike="noStrike" spc="-1">
               <a:solidFill>
                 <a:srgbClr val="000000"/>
               </a:solidFill>
@@ -2020,11 +2213,12 @@
           </a:prstGeom>
         </p:spPr>
         <p:txBody>
-          <a:bodyPr lIns="0" rIns="0" tIns="0" bIns="0">
+          <a:bodyPr lIns="0" tIns="0" rIns="0" bIns="0">
             <a:normAutofit/>
           </a:bodyPr>
-          <a:p>
-            <a:endParaRPr b="0" lang="cs-CZ" sz="2800" spc="-1" strike="noStrike">
+          <a:lstStyle/>
+          <a:p>
+            <a:endParaRPr lang="cs-CZ" sz="2800" b="0" strike="noStrike" spc="-1">
               <a:solidFill>
                 <a:srgbClr val="000000"/>
               </a:solidFill>
@@ -2053,11 +2247,12 @@
           </a:prstGeom>
         </p:spPr>
         <p:txBody>
-          <a:bodyPr lIns="0" rIns="0" tIns="0" bIns="0">
+          <a:bodyPr lIns="0" tIns="0" rIns="0" bIns="0">
             <a:normAutofit/>
           </a:bodyPr>
-          <a:p>
-            <a:endParaRPr b="0" lang="cs-CZ" sz="2800" spc="-1" strike="noStrike">
+          <a:lstStyle/>
+          <a:p>
+            <a:endParaRPr lang="cs-CZ" sz="2800" b="0" strike="noStrike" spc="-1">
               <a:solidFill>
                 <a:srgbClr val="000000"/>
               </a:solidFill>
@@ -2086,11 +2281,12 @@
           </a:prstGeom>
         </p:spPr>
         <p:txBody>
-          <a:bodyPr lIns="0" rIns="0" tIns="0" bIns="0">
+          <a:bodyPr lIns="0" tIns="0" rIns="0" bIns="0">
             <a:normAutofit/>
           </a:bodyPr>
-          <a:p>
-            <a:endParaRPr b="0" lang="cs-CZ" sz="2800" spc="-1" strike="noStrike">
+          <a:lstStyle/>
+          <a:p>
+            <a:endParaRPr lang="cs-CZ" sz="2800" b="0" strike="noStrike" spc="-1">
               <a:solidFill>
                 <a:srgbClr val="000000"/>
               </a:solidFill>
@@ -2101,11 +2297,14 @@
       </p:sp>
     </p:spTree>
   </p:cSld>
+  <p:clrMapOvr>
+    <a:masterClrMapping/>
+  </p:clrMapOvr>
 </p:sldLayout>
 </file>
 
 <file path=ppt/slideLayouts/slideLayout25.xml><?xml version="1.0" encoding="utf-8"?>
-<p:sldLayout xmlns:a="http://schemas.openxmlformats.org/drawingml/2006/main" xmlns:p="http://schemas.openxmlformats.org/presentationml/2006/main" xmlns:r="http://schemas.openxmlformats.org/officeDocument/2006/relationships" xmlns:p14="http://schemas.microsoft.com/office/powerpoint/2010/main" xmlns:p15="http://schemas.microsoft.com/office/powerpoint/2012/main" xmlns:mc="http://schemas.openxmlformats.org/markup-compatibility/2006" type="blank" preserve="1">
+<p:sldLayout xmlns:a="http://schemas.openxmlformats.org/drawingml/2006/main" xmlns:r="http://schemas.openxmlformats.org/officeDocument/2006/relationships" xmlns:p="http://schemas.openxmlformats.org/presentationml/2006/main" type="blank" preserve="1">
   <p:cSld name="Blank Slide">
     <p:spTree>
       <p:nvGrpSpPr>
@@ -2123,11 +2322,14 @@
       </p:grpSpPr>
     </p:spTree>
   </p:cSld>
+  <p:clrMapOvr>
+    <a:masterClrMapping/>
+  </p:clrMapOvr>
 </p:sldLayout>
 </file>
 
 <file path=ppt/slideLayouts/slideLayout26.xml><?xml version="1.0" encoding="utf-8"?>
-<p:sldLayout xmlns:a="http://schemas.openxmlformats.org/drawingml/2006/main" xmlns:p="http://schemas.openxmlformats.org/presentationml/2006/main" xmlns:r="http://schemas.openxmlformats.org/officeDocument/2006/relationships" xmlns:p14="http://schemas.microsoft.com/office/powerpoint/2010/main" xmlns:p15="http://schemas.microsoft.com/office/powerpoint/2012/main" xmlns:mc="http://schemas.openxmlformats.org/markup-compatibility/2006" type="tx" preserve="1">
+<p:sldLayout xmlns:a="http://schemas.openxmlformats.org/drawingml/2006/main" xmlns:r="http://schemas.openxmlformats.org/officeDocument/2006/relationships" xmlns:p="http://schemas.openxmlformats.org/presentationml/2006/main" type="tx" preserve="1">
   <p:cSld name="Title Slide">
     <p:spTree>
       <p:nvGrpSpPr>
@@ -2163,9 +2365,10 @@
           </a:prstGeom>
         </p:spPr>
         <p:txBody>
-          <a:bodyPr lIns="0" rIns="0" tIns="0" bIns="0" anchor="ctr"/>
-          <a:p>
-            <a:endParaRPr b="0" lang="cs-CZ" sz="1800" spc="-1" strike="noStrike">
+          <a:bodyPr lIns="0" tIns="0" rIns="0" bIns="0" anchor="ctr"/>
+          <a:lstStyle/>
+          <a:p>
+            <a:endParaRPr lang="cs-CZ" sz="1800" b="0" strike="noStrike" spc="-1">
               <a:solidFill>
                 <a:srgbClr val="000000"/>
               </a:solidFill>
@@ -2194,10 +2397,11 @@
           </a:prstGeom>
         </p:spPr>
         <p:txBody>
-          <a:bodyPr lIns="0" rIns="0" tIns="0" bIns="0" anchor="ctr"/>
+          <a:bodyPr lIns="0" tIns="0" rIns="0" bIns="0" anchor="ctr"/>
+          <a:lstStyle/>
           <a:p>
             <a:pPr algn="ctr"/>
-            <a:endParaRPr b="0" lang="cs-CZ" sz="3200" spc="-1" strike="noStrike">
+            <a:endParaRPr lang="cs-CZ" sz="3200" b="0" strike="noStrike" spc="-1">
               <a:latin typeface="Arial"/>
             </a:endParaRPr>
           </a:p>
@@ -2205,11 +2409,14 @@
       </p:sp>
     </p:spTree>
   </p:cSld>
+  <p:clrMapOvr>
+    <a:masterClrMapping/>
+  </p:clrMapOvr>
 </p:sldLayout>
 </file>
 
 <file path=ppt/slideLayouts/slideLayout27.xml><?xml version="1.0" encoding="utf-8"?>
-<p:sldLayout xmlns:a="http://schemas.openxmlformats.org/drawingml/2006/main" xmlns:p="http://schemas.openxmlformats.org/presentationml/2006/main" xmlns:r="http://schemas.openxmlformats.org/officeDocument/2006/relationships" xmlns:p14="http://schemas.microsoft.com/office/powerpoint/2010/main" xmlns:p15="http://schemas.microsoft.com/office/powerpoint/2012/main" xmlns:mc="http://schemas.openxmlformats.org/markup-compatibility/2006" type="obj" preserve="1">
+<p:sldLayout xmlns:a="http://schemas.openxmlformats.org/drawingml/2006/main" xmlns:r="http://schemas.openxmlformats.org/officeDocument/2006/relationships" xmlns:p="http://schemas.openxmlformats.org/presentationml/2006/main" type="obj" preserve="1">
   <p:cSld name="Title, Content">
     <p:spTree>
       <p:nvGrpSpPr>
@@ -2245,9 +2452,10 @@
           </a:prstGeom>
         </p:spPr>
         <p:txBody>
-          <a:bodyPr lIns="0" rIns="0" tIns="0" bIns="0" anchor="ctr"/>
-          <a:p>
-            <a:endParaRPr b="0" lang="cs-CZ" sz="1800" spc="-1" strike="noStrike">
+          <a:bodyPr lIns="0" tIns="0" rIns="0" bIns="0" anchor="ctr"/>
+          <a:lstStyle/>
+          <a:p>
+            <a:endParaRPr lang="cs-CZ" sz="1800" b="0" strike="noStrike" spc="-1">
               <a:solidFill>
                 <a:srgbClr val="000000"/>
               </a:solidFill>
@@ -2276,11 +2484,12 @@
           </a:prstGeom>
         </p:spPr>
         <p:txBody>
-          <a:bodyPr lIns="0" rIns="0" tIns="0" bIns="0">
+          <a:bodyPr lIns="0" tIns="0" rIns="0" bIns="0">
             <a:normAutofit/>
           </a:bodyPr>
-          <a:p>
-            <a:endParaRPr b="0" lang="cs-CZ" sz="2800" spc="-1" strike="noStrike">
+          <a:lstStyle/>
+          <a:p>
+            <a:endParaRPr lang="cs-CZ" sz="2800" b="0" strike="noStrike" spc="-1">
               <a:solidFill>
                 <a:srgbClr val="000000"/>
               </a:solidFill>
@@ -2291,11 +2500,14 @@
       </p:sp>
     </p:spTree>
   </p:cSld>
+  <p:clrMapOvr>
+    <a:masterClrMapping/>
+  </p:clrMapOvr>
 </p:sldLayout>
 </file>
 
 <file path=ppt/slideLayouts/slideLayout28.xml><?xml version="1.0" encoding="utf-8"?>
-<p:sldLayout xmlns:a="http://schemas.openxmlformats.org/drawingml/2006/main" xmlns:p="http://schemas.openxmlformats.org/presentationml/2006/main" xmlns:r="http://schemas.openxmlformats.org/officeDocument/2006/relationships" xmlns:p14="http://schemas.microsoft.com/office/powerpoint/2010/main" xmlns:p15="http://schemas.microsoft.com/office/powerpoint/2012/main" xmlns:mc="http://schemas.openxmlformats.org/markup-compatibility/2006" type="twoObj" preserve="1">
+<p:sldLayout xmlns:a="http://schemas.openxmlformats.org/drawingml/2006/main" xmlns:r="http://schemas.openxmlformats.org/officeDocument/2006/relationships" xmlns:p="http://schemas.openxmlformats.org/presentationml/2006/main" type="twoObj" preserve="1">
   <p:cSld name="Title, 2 Content">
     <p:spTree>
       <p:nvGrpSpPr>
@@ -2331,9 +2543,10 @@
           </a:prstGeom>
         </p:spPr>
         <p:txBody>
-          <a:bodyPr lIns="0" rIns="0" tIns="0" bIns="0" anchor="ctr"/>
-          <a:p>
-            <a:endParaRPr b="0" lang="cs-CZ" sz="1800" spc="-1" strike="noStrike">
+          <a:bodyPr lIns="0" tIns="0" rIns="0" bIns="0" anchor="ctr"/>
+          <a:lstStyle/>
+          <a:p>
+            <a:endParaRPr lang="cs-CZ" sz="1800" b="0" strike="noStrike" spc="-1">
               <a:solidFill>
                 <a:srgbClr val="000000"/>
               </a:solidFill>
@@ -2362,11 +2575,12 @@
           </a:prstGeom>
         </p:spPr>
         <p:txBody>
-          <a:bodyPr lIns="0" rIns="0" tIns="0" bIns="0">
+          <a:bodyPr lIns="0" tIns="0" rIns="0" bIns="0">
             <a:normAutofit/>
           </a:bodyPr>
-          <a:p>
-            <a:endParaRPr b="0" lang="cs-CZ" sz="2800" spc="-1" strike="noStrike">
+          <a:lstStyle/>
+          <a:p>
+            <a:endParaRPr lang="cs-CZ" sz="2800" b="0" strike="noStrike" spc="-1">
               <a:solidFill>
                 <a:srgbClr val="000000"/>
               </a:solidFill>
@@ -2395,11 +2609,12 @@
           </a:prstGeom>
         </p:spPr>
         <p:txBody>
-          <a:bodyPr lIns="0" rIns="0" tIns="0" bIns="0">
+          <a:bodyPr lIns="0" tIns="0" rIns="0" bIns="0">
             <a:normAutofit/>
           </a:bodyPr>
-          <a:p>
-            <a:endParaRPr b="0" lang="cs-CZ" sz="2800" spc="-1" strike="noStrike">
+          <a:lstStyle/>
+          <a:p>
+            <a:endParaRPr lang="cs-CZ" sz="2800" b="0" strike="noStrike" spc="-1">
               <a:solidFill>
                 <a:srgbClr val="000000"/>
               </a:solidFill>
@@ -2410,11 +2625,14 @@
       </p:sp>
     </p:spTree>
   </p:cSld>
+  <p:clrMapOvr>
+    <a:masterClrMapping/>
+  </p:clrMapOvr>
 </p:sldLayout>
 </file>
 
 <file path=ppt/slideLayouts/slideLayout29.xml><?xml version="1.0" encoding="utf-8"?>
-<p:sldLayout xmlns:a="http://schemas.openxmlformats.org/drawingml/2006/main" xmlns:p="http://schemas.openxmlformats.org/presentationml/2006/main" xmlns:r="http://schemas.openxmlformats.org/officeDocument/2006/relationships" xmlns:p14="http://schemas.microsoft.com/office/powerpoint/2010/main" xmlns:p15="http://schemas.microsoft.com/office/powerpoint/2012/main" xmlns:mc="http://schemas.openxmlformats.org/markup-compatibility/2006" type="titleOnly" preserve="1">
+<p:sldLayout xmlns:a="http://schemas.openxmlformats.org/drawingml/2006/main" xmlns:r="http://schemas.openxmlformats.org/officeDocument/2006/relationships" xmlns:p="http://schemas.openxmlformats.org/presentationml/2006/main" type="titleOnly" preserve="1">
   <p:cSld name="Title Only">
     <p:spTree>
       <p:nvGrpSpPr>
@@ -2450,9 +2668,10 @@
           </a:prstGeom>
         </p:spPr>
         <p:txBody>
-          <a:bodyPr lIns="0" rIns="0" tIns="0" bIns="0" anchor="ctr"/>
-          <a:p>
-            <a:endParaRPr b="0" lang="cs-CZ" sz="1800" spc="-1" strike="noStrike">
+          <a:bodyPr lIns="0" tIns="0" rIns="0" bIns="0" anchor="ctr"/>
+          <a:lstStyle/>
+          <a:p>
+            <a:endParaRPr lang="cs-CZ" sz="1800" b="0" strike="noStrike" spc="-1">
               <a:solidFill>
                 <a:srgbClr val="000000"/>
               </a:solidFill>
@@ -2463,11 +2682,14 @@
       </p:sp>
     </p:spTree>
   </p:cSld>
+  <p:clrMapOvr>
+    <a:masterClrMapping/>
+  </p:clrMapOvr>
 </p:sldLayout>
 </file>
 
 <file path=ppt/slideLayouts/slideLayout3.xml><?xml version="1.0" encoding="utf-8"?>
-<p:sldLayout xmlns:a="http://schemas.openxmlformats.org/drawingml/2006/main" xmlns:p="http://schemas.openxmlformats.org/presentationml/2006/main" xmlns:r="http://schemas.openxmlformats.org/officeDocument/2006/relationships" xmlns:p14="http://schemas.microsoft.com/office/powerpoint/2010/main" xmlns:p15="http://schemas.microsoft.com/office/powerpoint/2012/main" xmlns:mc="http://schemas.openxmlformats.org/markup-compatibility/2006" type="obj" preserve="1">
+<p:sldLayout xmlns:a="http://schemas.openxmlformats.org/drawingml/2006/main" xmlns:r="http://schemas.openxmlformats.org/officeDocument/2006/relationships" xmlns:p="http://schemas.openxmlformats.org/presentationml/2006/main" type="obj" preserve="1">
   <p:cSld name="Title, Content">
     <p:spTree>
       <p:nvGrpSpPr>
@@ -2503,9 +2725,10 @@
           </a:prstGeom>
         </p:spPr>
         <p:txBody>
-          <a:bodyPr lIns="0" rIns="0" tIns="0" bIns="0" anchor="ctr"/>
-          <a:p>
-            <a:endParaRPr b="0" lang="cs-CZ" sz="1800" spc="-1" strike="noStrike">
+          <a:bodyPr lIns="0" tIns="0" rIns="0" bIns="0" anchor="ctr"/>
+          <a:lstStyle/>
+          <a:p>
+            <a:endParaRPr lang="cs-CZ" sz="1800" b="0" strike="noStrike" spc="-1">
               <a:solidFill>
                 <a:srgbClr val="000000"/>
               </a:solidFill>
@@ -2534,11 +2757,12 @@
           </a:prstGeom>
         </p:spPr>
         <p:txBody>
-          <a:bodyPr lIns="0" rIns="0" tIns="0" bIns="0">
+          <a:bodyPr lIns="0" tIns="0" rIns="0" bIns="0">
             <a:normAutofit/>
           </a:bodyPr>
-          <a:p>
-            <a:endParaRPr b="0" lang="cs-CZ" sz="2800" spc="-1" strike="noStrike">
+          <a:lstStyle/>
+          <a:p>
+            <a:endParaRPr lang="cs-CZ" sz="2800" b="0" strike="noStrike" spc="-1">
               <a:solidFill>
                 <a:srgbClr val="000000"/>
               </a:solidFill>
@@ -2549,11 +2773,14 @@
       </p:sp>
     </p:spTree>
   </p:cSld>
+  <p:clrMapOvr>
+    <a:masterClrMapping/>
+  </p:clrMapOvr>
 </p:sldLayout>
 </file>
 
 <file path=ppt/slideLayouts/slideLayout30.xml><?xml version="1.0" encoding="utf-8"?>
-<p:sldLayout xmlns:a="http://schemas.openxmlformats.org/drawingml/2006/main" xmlns:p="http://schemas.openxmlformats.org/presentationml/2006/main" xmlns:r="http://schemas.openxmlformats.org/officeDocument/2006/relationships" xmlns:p14="http://schemas.microsoft.com/office/powerpoint/2010/main" xmlns:p15="http://schemas.microsoft.com/office/powerpoint/2012/main" xmlns:mc="http://schemas.openxmlformats.org/markup-compatibility/2006" type="objOnly" preserve="1">
+<p:sldLayout xmlns:a="http://schemas.openxmlformats.org/drawingml/2006/main" xmlns:r="http://schemas.openxmlformats.org/officeDocument/2006/relationships" xmlns:p="http://schemas.openxmlformats.org/presentationml/2006/main" type="objOnly" preserve="1">
   <p:cSld name="Centered Text">
     <p:spTree>
       <p:nvGrpSpPr>
@@ -2589,10 +2816,11 @@
           </a:prstGeom>
         </p:spPr>
         <p:txBody>
-          <a:bodyPr lIns="0" rIns="0" tIns="0" bIns="0" anchor="ctr"/>
+          <a:bodyPr lIns="0" tIns="0" rIns="0" bIns="0" anchor="ctr"/>
+          <a:lstStyle/>
           <a:p>
             <a:pPr algn="ctr"/>
-            <a:endParaRPr b="0" lang="cs-CZ" sz="3200" spc="-1" strike="noStrike">
+            <a:endParaRPr lang="cs-CZ" sz="3200" b="0" strike="noStrike" spc="-1">
               <a:latin typeface="Arial"/>
             </a:endParaRPr>
           </a:p>
@@ -2600,11 +2828,14 @@
       </p:sp>
     </p:spTree>
   </p:cSld>
+  <p:clrMapOvr>
+    <a:masterClrMapping/>
+  </p:clrMapOvr>
 </p:sldLayout>
 </file>
 
 <file path=ppt/slideLayouts/slideLayout31.xml><?xml version="1.0" encoding="utf-8"?>
-<p:sldLayout xmlns:a="http://schemas.openxmlformats.org/drawingml/2006/main" xmlns:p="http://schemas.openxmlformats.org/presentationml/2006/main" xmlns:r="http://schemas.openxmlformats.org/officeDocument/2006/relationships" xmlns:p14="http://schemas.microsoft.com/office/powerpoint/2010/main" xmlns:p15="http://schemas.microsoft.com/office/powerpoint/2012/main" xmlns:mc="http://schemas.openxmlformats.org/markup-compatibility/2006" type="twoObjAndObj" preserve="1">
+<p:sldLayout xmlns:a="http://schemas.openxmlformats.org/drawingml/2006/main" xmlns:r="http://schemas.openxmlformats.org/officeDocument/2006/relationships" xmlns:p="http://schemas.openxmlformats.org/presentationml/2006/main" type="twoObjAndObj" preserve="1">
   <p:cSld name="Title, 2 Content and Content">
     <p:spTree>
       <p:nvGrpSpPr>
@@ -2640,9 +2871,10 @@
           </a:prstGeom>
         </p:spPr>
         <p:txBody>
-          <a:bodyPr lIns="0" rIns="0" tIns="0" bIns="0" anchor="ctr"/>
-          <a:p>
-            <a:endParaRPr b="0" lang="cs-CZ" sz="1800" spc="-1" strike="noStrike">
+          <a:bodyPr lIns="0" tIns="0" rIns="0" bIns="0" anchor="ctr"/>
+          <a:lstStyle/>
+          <a:p>
+            <a:endParaRPr lang="cs-CZ" sz="1800" b="0" strike="noStrike" spc="-1">
               <a:solidFill>
                 <a:srgbClr val="000000"/>
               </a:solidFill>
@@ -2671,11 +2903,12 @@
           </a:prstGeom>
         </p:spPr>
         <p:txBody>
-          <a:bodyPr lIns="0" rIns="0" tIns="0" bIns="0">
+          <a:bodyPr lIns="0" tIns="0" rIns="0" bIns="0">
             <a:normAutofit/>
           </a:bodyPr>
-          <a:p>
-            <a:endParaRPr b="0" lang="cs-CZ" sz="2800" spc="-1" strike="noStrike">
+          <a:lstStyle/>
+          <a:p>
+            <a:endParaRPr lang="cs-CZ" sz="2800" b="0" strike="noStrike" spc="-1">
               <a:solidFill>
                 <a:srgbClr val="000000"/>
               </a:solidFill>
@@ -2704,11 +2937,12 @@
           </a:prstGeom>
         </p:spPr>
         <p:txBody>
-          <a:bodyPr lIns="0" rIns="0" tIns="0" bIns="0">
+          <a:bodyPr lIns="0" tIns="0" rIns="0" bIns="0">
             <a:normAutofit/>
           </a:bodyPr>
-          <a:p>
-            <a:endParaRPr b="0" lang="cs-CZ" sz="2800" spc="-1" strike="noStrike">
+          <a:lstStyle/>
+          <a:p>
+            <a:endParaRPr lang="cs-CZ" sz="2800" b="0" strike="noStrike" spc="-1">
               <a:solidFill>
                 <a:srgbClr val="000000"/>
               </a:solidFill>
@@ -2737,11 +2971,12 @@
           </a:prstGeom>
         </p:spPr>
         <p:txBody>
-          <a:bodyPr lIns="0" rIns="0" tIns="0" bIns="0">
+          <a:bodyPr lIns="0" tIns="0" rIns="0" bIns="0">
             <a:normAutofit/>
           </a:bodyPr>
-          <a:p>
-            <a:endParaRPr b="0" lang="cs-CZ" sz="2800" spc="-1" strike="noStrike">
+          <a:lstStyle/>
+          <a:p>
+            <a:endParaRPr lang="cs-CZ" sz="2800" b="0" strike="noStrike" spc="-1">
               <a:solidFill>
                 <a:srgbClr val="000000"/>
               </a:solidFill>
@@ -2752,11 +2987,14 @@
       </p:sp>
     </p:spTree>
   </p:cSld>
+  <p:clrMapOvr>
+    <a:masterClrMapping/>
+  </p:clrMapOvr>
 </p:sldLayout>
 </file>
 
 <file path=ppt/slideLayouts/slideLayout32.xml><?xml version="1.0" encoding="utf-8"?>
-<p:sldLayout xmlns:a="http://schemas.openxmlformats.org/drawingml/2006/main" xmlns:p="http://schemas.openxmlformats.org/presentationml/2006/main" xmlns:r="http://schemas.openxmlformats.org/officeDocument/2006/relationships" xmlns:p14="http://schemas.microsoft.com/office/powerpoint/2010/main" xmlns:p15="http://schemas.microsoft.com/office/powerpoint/2012/main" xmlns:mc="http://schemas.openxmlformats.org/markup-compatibility/2006" type="objAndTwoObj" preserve="1">
+<p:sldLayout xmlns:a="http://schemas.openxmlformats.org/drawingml/2006/main" xmlns:r="http://schemas.openxmlformats.org/officeDocument/2006/relationships" xmlns:p="http://schemas.openxmlformats.org/presentationml/2006/main" type="objAndTwoObj" preserve="1">
   <p:cSld name="Title Content and 2 Content">
     <p:spTree>
       <p:nvGrpSpPr>
@@ -2792,9 +3030,10 @@
           </a:prstGeom>
         </p:spPr>
         <p:txBody>
-          <a:bodyPr lIns="0" rIns="0" tIns="0" bIns="0" anchor="ctr"/>
-          <a:p>
-            <a:endParaRPr b="0" lang="cs-CZ" sz="1800" spc="-1" strike="noStrike">
+          <a:bodyPr lIns="0" tIns="0" rIns="0" bIns="0" anchor="ctr"/>
+          <a:lstStyle/>
+          <a:p>
+            <a:endParaRPr lang="cs-CZ" sz="1800" b="0" strike="noStrike" spc="-1">
               <a:solidFill>
                 <a:srgbClr val="000000"/>
               </a:solidFill>
@@ -2823,11 +3062,12 @@
           </a:prstGeom>
         </p:spPr>
         <p:txBody>
-          <a:bodyPr lIns="0" rIns="0" tIns="0" bIns="0">
+          <a:bodyPr lIns="0" tIns="0" rIns="0" bIns="0">
             <a:normAutofit/>
           </a:bodyPr>
-          <a:p>
-            <a:endParaRPr b="0" lang="cs-CZ" sz="2800" spc="-1" strike="noStrike">
+          <a:lstStyle/>
+          <a:p>
+            <a:endParaRPr lang="cs-CZ" sz="2800" b="0" strike="noStrike" spc="-1">
               <a:solidFill>
                 <a:srgbClr val="000000"/>
               </a:solidFill>
@@ -2856,11 +3096,12 @@
           </a:prstGeom>
         </p:spPr>
         <p:txBody>
-          <a:bodyPr lIns="0" rIns="0" tIns="0" bIns="0">
+          <a:bodyPr lIns="0" tIns="0" rIns="0" bIns="0">
             <a:normAutofit/>
           </a:bodyPr>
-          <a:p>
-            <a:endParaRPr b="0" lang="cs-CZ" sz="2800" spc="-1" strike="noStrike">
+          <a:lstStyle/>
+          <a:p>
+            <a:endParaRPr lang="cs-CZ" sz="2800" b="0" strike="noStrike" spc="-1">
               <a:solidFill>
                 <a:srgbClr val="000000"/>
               </a:solidFill>
@@ -2889,11 +3130,12 @@
           </a:prstGeom>
         </p:spPr>
         <p:txBody>
-          <a:bodyPr lIns="0" rIns="0" tIns="0" bIns="0">
+          <a:bodyPr lIns="0" tIns="0" rIns="0" bIns="0">
             <a:normAutofit/>
           </a:bodyPr>
-          <a:p>
-            <a:endParaRPr b="0" lang="cs-CZ" sz="2800" spc="-1" strike="noStrike">
+          <a:lstStyle/>
+          <a:p>
+            <a:endParaRPr lang="cs-CZ" sz="2800" b="0" strike="noStrike" spc="-1">
               <a:solidFill>
                 <a:srgbClr val="000000"/>
               </a:solidFill>
@@ -2904,11 +3146,14 @@
       </p:sp>
     </p:spTree>
   </p:cSld>
+  <p:clrMapOvr>
+    <a:masterClrMapping/>
+  </p:clrMapOvr>
 </p:sldLayout>
 </file>
 
 <file path=ppt/slideLayouts/slideLayout33.xml><?xml version="1.0" encoding="utf-8"?>
-<p:sldLayout xmlns:a="http://schemas.openxmlformats.org/drawingml/2006/main" xmlns:p="http://schemas.openxmlformats.org/presentationml/2006/main" xmlns:r="http://schemas.openxmlformats.org/officeDocument/2006/relationships" xmlns:p14="http://schemas.microsoft.com/office/powerpoint/2010/main" xmlns:p15="http://schemas.microsoft.com/office/powerpoint/2012/main" xmlns:mc="http://schemas.openxmlformats.org/markup-compatibility/2006" type="twoObjOverTx" preserve="1">
+<p:sldLayout xmlns:a="http://schemas.openxmlformats.org/drawingml/2006/main" xmlns:r="http://schemas.openxmlformats.org/officeDocument/2006/relationships" xmlns:p="http://schemas.openxmlformats.org/presentationml/2006/main" type="twoObjOverTx" preserve="1">
   <p:cSld name="Title, 2 Content over Content">
     <p:spTree>
       <p:nvGrpSpPr>
@@ -2944,9 +3189,10 @@
           </a:prstGeom>
         </p:spPr>
         <p:txBody>
-          <a:bodyPr lIns="0" rIns="0" tIns="0" bIns="0" anchor="ctr"/>
-          <a:p>
-            <a:endParaRPr b="0" lang="cs-CZ" sz="1800" spc="-1" strike="noStrike">
+          <a:bodyPr lIns="0" tIns="0" rIns="0" bIns="0" anchor="ctr"/>
+          <a:lstStyle/>
+          <a:p>
+            <a:endParaRPr lang="cs-CZ" sz="1800" b="0" strike="noStrike" spc="-1">
               <a:solidFill>
                 <a:srgbClr val="000000"/>
               </a:solidFill>
@@ -2975,11 +3221,12 @@
           </a:prstGeom>
         </p:spPr>
         <p:txBody>
-          <a:bodyPr lIns="0" rIns="0" tIns="0" bIns="0">
+          <a:bodyPr lIns="0" tIns="0" rIns="0" bIns="0">
             <a:normAutofit/>
           </a:bodyPr>
-          <a:p>
-            <a:endParaRPr b="0" lang="cs-CZ" sz="2800" spc="-1" strike="noStrike">
+          <a:lstStyle/>
+          <a:p>
+            <a:endParaRPr lang="cs-CZ" sz="2800" b="0" strike="noStrike" spc="-1">
               <a:solidFill>
                 <a:srgbClr val="000000"/>
               </a:solidFill>
@@ -3008,11 +3255,12 @@
           </a:prstGeom>
         </p:spPr>
         <p:txBody>
-          <a:bodyPr lIns="0" rIns="0" tIns="0" bIns="0">
+          <a:bodyPr lIns="0" tIns="0" rIns="0" bIns="0">
             <a:normAutofit/>
           </a:bodyPr>
-          <a:p>
-            <a:endParaRPr b="0" lang="cs-CZ" sz="2800" spc="-1" strike="noStrike">
+          <a:lstStyle/>
+          <a:p>
+            <a:endParaRPr lang="cs-CZ" sz="2800" b="0" strike="noStrike" spc="-1">
               <a:solidFill>
                 <a:srgbClr val="000000"/>
               </a:solidFill>
@@ -3041,11 +3289,12 @@
           </a:prstGeom>
         </p:spPr>
         <p:txBody>
-          <a:bodyPr lIns="0" rIns="0" tIns="0" bIns="0">
+          <a:bodyPr lIns="0" tIns="0" rIns="0" bIns="0">
             <a:normAutofit/>
           </a:bodyPr>
-          <a:p>
-            <a:endParaRPr b="0" lang="cs-CZ" sz="2800" spc="-1" strike="noStrike">
+          <a:lstStyle/>
+          <a:p>
+            <a:endParaRPr lang="cs-CZ" sz="2800" b="0" strike="noStrike" spc="-1">
               <a:solidFill>
                 <a:srgbClr val="000000"/>
               </a:solidFill>
@@ -3056,11 +3305,14 @@
       </p:sp>
     </p:spTree>
   </p:cSld>
+  <p:clrMapOvr>
+    <a:masterClrMapping/>
+  </p:clrMapOvr>
 </p:sldLayout>
 </file>
 
 <file path=ppt/slideLayouts/slideLayout34.xml><?xml version="1.0" encoding="utf-8"?>
-<p:sldLayout xmlns:a="http://schemas.openxmlformats.org/drawingml/2006/main" xmlns:p="http://schemas.openxmlformats.org/presentationml/2006/main" xmlns:r="http://schemas.openxmlformats.org/officeDocument/2006/relationships" xmlns:p14="http://schemas.microsoft.com/office/powerpoint/2010/main" xmlns:p15="http://schemas.microsoft.com/office/powerpoint/2012/main" xmlns:mc="http://schemas.openxmlformats.org/markup-compatibility/2006" type="objOverTx" preserve="1">
+<p:sldLayout xmlns:a="http://schemas.openxmlformats.org/drawingml/2006/main" xmlns:r="http://schemas.openxmlformats.org/officeDocument/2006/relationships" xmlns:p="http://schemas.openxmlformats.org/presentationml/2006/main" type="objOverTx" preserve="1">
   <p:cSld name="Title, Content over Content">
     <p:spTree>
       <p:nvGrpSpPr>
@@ -3096,9 +3348,10 @@
           </a:prstGeom>
         </p:spPr>
         <p:txBody>
-          <a:bodyPr lIns="0" rIns="0" tIns="0" bIns="0" anchor="ctr"/>
-          <a:p>
-            <a:endParaRPr b="0" lang="cs-CZ" sz="1800" spc="-1" strike="noStrike">
+          <a:bodyPr lIns="0" tIns="0" rIns="0" bIns="0" anchor="ctr"/>
+          <a:lstStyle/>
+          <a:p>
+            <a:endParaRPr lang="cs-CZ" sz="1800" b="0" strike="noStrike" spc="-1">
               <a:solidFill>
                 <a:srgbClr val="000000"/>
               </a:solidFill>
@@ -3127,11 +3380,12 @@
           </a:prstGeom>
         </p:spPr>
         <p:txBody>
-          <a:bodyPr lIns="0" rIns="0" tIns="0" bIns="0">
+          <a:bodyPr lIns="0" tIns="0" rIns="0" bIns="0">
             <a:normAutofit/>
           </a:bodyPr>
-          <a:p>
-            <a:endParaRPr b="0" lang="cs-CZ" sz="2800" spc="-1" strike="noStrike">
+          <a:lstStyle/>
+          <a:p>
+            <a:endParaRPr lang="cs-CZ" sz="2800" b="0" strike="noStrike" spc="-1">
               <a:solidFill>
                 <a:srgbClr val="000000"/>
               </a:solidFill>
@@ -3160,11 +3414,12 @@
           </a:prstGeom>
         </p:spPr>
         <p:txBody>
-          <a:bodyPr lIns="0" rIns="0" tIns="0" bIns="0">
+          <a:bodyPr lIns="0" tIns="0" rIns="0" bIns="0">
             <a:normAutofit/>
           </a:bodyPr>
-          <a:p>
-            <a:endParaRPr b="0" lang="cs-CZ" sz="2800" spc="-1" strike="noStrike">
+          <a:lstStyle/>
+          <a:p>
+            <a:endParaRPr lang="cs-CZ" sz="2800" b="0" strike="noStrike" spc="-1">
               <a:solidFill>
                 <a:srgbClr val="000000"/>
               </a:solidFill>
@@ -3175,11 +3430,14 @@
       </p:sp>
     </p:spTree>
   </p:cSld>
+  <p:clrMapOvr>
+    <a:masterClrMapping/>
+  </p:clrMapOvr>
 </p:sldLayout>
 </file>
 
 <file path=ppt/slideLayouts/slideLayout35.xml><?xml version="1.0" encoding="utf-8"?>
-<p:sldLayout xmlns:a="http://schemas.openxmlformats.org/drawingml/2006/main" xmlns:p="http://schemas.openxmlformats.org/presentationml/2006/main" xmlns:r="http://schemas.openxmlformats.org/officeDocument/2006/relationships" xmlns:p14="http://schemas.microsoft.com/office/powerpoint/2010/main" xmlns:p15="http://schemas.microsoft.com/office/powerpoint/2012/main" xmlns:mc="http://schemas.openxmlformats.org/markup-compatibility/2006" type="fourObj" preserve="1">
+<p:sldLayout xmlns:a="http://schemas.openxmlformats.org/drawingml/2006/main" xmlns:r="http://schemas.openxmlformats.org/officeDocument/2006/relationships" xmlns:p="http://schemas.openxmlformats.org/presentationml/2006/main" type="fourObj" preserve="1">
   <p:cSld name="Title, 4 Content">
     <p:spTree>
       <p:nvGrpSpPr>
@@ -3215,9 +3473,10 @@
           </a:prstGeom>
         </p:spPr>
         <p:txBody>
-          <a:bodyPr lIns="0" rIns="0" tIns="0" bIns="0" anchor="ctr"/>
-          <a:p>
-            <a:endParaRPr b="0" lang="cs-CZ" sz="1800" spc="-1" strike="noStrike">
+          <a:bodyPr lIns="0" tIns="0" rIns="0" bIns="0" anchor="ctr"/>
+          <a:lstStyle/>
+          <a:p>
+            <a:endParaRPr lang="cs-CZ" sz="1800" b="0" strike="noStrike" spc="-1">
               <a:solidFill>
                 <a:srgbClr val="000000"/>
               </a:solidFill>
@@ -3246,11 +3505,12 @@
           </a:prstGeom>
         </p:spPr>
         <p:txBody>
-          <a:bodyPr lIns="0" rIns="0" tIns="0" bIns="0">
+          <a:bodyPr lIns="0" tIns="0" rIns="0" bIns="0">
             <a:normAutofit/>
           </a:bodyPr>
-          <a:p>
-            <a:endParaRPr b="0" lang="cs-CZ" sz="2800" spc="-1" strike="noStrike">
+          <a:lstStyle/>
+          <a:p>
+            <a:endParaRPr lang="cs-CZ" sz="2800" b="0" strike="noStrike" spc="-1">
               <a:solidFill>
                 <a:srgbClr val="000000"/>
               </a:solidFill>
@@ -3279,11 +3539,12 @@
           </a:prstGeom>
         </p:spPr>
         <p:txBody>
-          <a:bodyPr lIns="0" rIns="0" tIns="0" bIns="0">
+          <a:bodyPr lIns="0" tIns="0" rIns="0" bIns="0">
             <a:normAutofit/>
           </a:bodyPr>
-          <a:p>
-            <a:endParaRPr b="0" lang="cs-CZ" sz="2800" spc="-1" strike="noStrike">
+          <a:lstStyle/>
+          <a:p>
+            <a:endParaRPr lang="cs-CZ" sz="2800" b="0" strike="noStrike" spc="-1">
               <a:solidFill>
                 <a:srgbClr val="000000"/>
               </a:solidFill>
@@ -3312,11 +3573,12 @@
           </a:prstGeom>
         </p:spPr>
         <p:txBody>
-          <a:bodyPr lIns="0" rIns="0" tIns="0" bIns="0">
+          <a:bodyPr lIns="0" tIns="0" rIns="0" bIns="0">
             <a:normAutofit/>
           </a:bodyPr>
-          <a:p>
-            <a:endParaRPr b="0" lang="cs-CZ" sz="2800" spc="-1" strike="noStrike">
+          <a:lstStyle/>
+          <a:p>
+            <a:endParaRPr lang="cs-CZ" sz="2800" b="0" strike="noStrike" spc="-1">
               <a:solidFill>
                 <a:srgbClr val="000000"/>
               </a:solidFill>
@@ -3345,11 +3607,12 @@
           </a:prstGeom>
         </p:spPr>
         <p:txBody>
-          <a:bodyPr lIns="0" rIns="0" tIns="0" bIns="0">
+          <a:bodyPr lIns="0" tIns="0" rIns="0" bIns="0">
             <a:normAutofit/>
           </a:bodyPr>
-          <a:p>
-            <a:endParaRPr b="0" lang="cs-CZ" sz="2800" spc="-1" strike="noStrike">
+          <a:lstStyle/>
+          <a:p>
+            <a:endParaRPr lang="cs-CZ" sz="2800" b="0" strike="noStrike" spc="-1">
               <a:solidFill>
                 <a:srgbClr val="000000"/>
               </a:solidFill>
@@ -3360,11 +3623,14 @@
       </p:sp>
     </p:spTree>
   </p:cSld>
+  <p:clrMapOvr>
+    <a:masterClrMapping/>
+  </p:clrMapOvr>
 </p:sldLayout>
 </file>
 
 <file path=ppt/slideLayouts/slideLayout36.xml><?xml version="1.0" encoding="utf-8"?>
-<p:sldLayout xmlns:a="http://schemas.openxmlformats.org/drawingml/2006/main" xmlns:p="http://schemas.openxmlformats.org/presentationml/2006/main" xmlns:r="http://schemas.openxmlformats.org/officeDocument/2006/relationships" xmlns:p14="http://schemas.microsoft.com/office/powerpoint/2010/main" xmlns:p15="http://schemas.microsoft.com/office/powerpoint/2012/main" xmlns:mc="http://schemas.openxmlformats.org/markup-compatibility/2006" type="blank" preserve="1">
+<p:sldLayout xmlns:a="http://schemas.openxmlformats.org/drawingml/2006/main" xmlns:r="http://schemas.openxmlformats.org/officeDocument/2006/relationships" xmlns:p="http://schemas.openxmlformats.org/presentationml/2006/main" type="blank" preserve="1">
   <p:cSld name="Title, 6 Content">
     <p:spTree>
       <p:nvGrpSpPr>
@@ -3400,9 +3666,10 @@
           </a:prstGeom>
         </p:spPr>
         <p:txBody>
-          <a:bodyPr lIns="0" rIns="0" tIns="0" bIns="0" anchor="ctr"/>
-          <a:p>
-            <a:endParaRPr b="0" lang="cs-CZ" sz="1800" spc="-1" strike="noStrike">
+          <a:bodyPr lIns="0" tIns="0" rIns="0" bIns="0" anchor="ctr"/>
+          <a:lstStyle/>
+          <a:p>
+            <a:endParaRPr lang="cs-CZ" sz="1800" b="0" strike="noStrike" spc="-1">
               <a:solidFill>
                 <a:srgbClr val="000000"/>
               </a:solidFill>
@@ -3431,11 +3698,12 @@
           </a:prstGeom>
         </p:spPr>
         <p:txBody>
-          <a:bodyPr lIns="0" rIns="0" tIns="0" bIns="0">
+          <a:bodyPr lIns="0" tIns="0" rIns="0" bIns="0">
             <a:normAutofit/>
           </a:bodyPr>
-          <a:p>
-            <a:endParaRPr b="0" lang="cs-CZ" sz="2800" spc="-1" strike="noStrike">
+          <a:lstStyle/>
+          <a:p>
+            <a:endParaRPr lang="cs-CZ" sz="2800" b="0" strike="noStrike" spc="-1">
               <a:solidFill>
                 <a:srgbClr val="000000"/>
               </a:solidFill>
@@ -3464,11 +3732,12 @@
           </a:prstGeom>
         </p:spPr>
         <p:txBody>
-          <a:bodyPr lIns="0" rIns="0" tIns="0" bIns="0">
+          <a:bodyPr lIns="0" tIns="0" rIns="0" bIns="0">
             <a:normAutofit/>
           </a:bodyPr>
-          <a:p>
-            <a:endParaRPr b="0" lang="cs-CZ" sz="2800" spc="-1" strike="noStrike">
+          <a:lstStyle/>
+          <a:p>
+            <a:endParaRPr lang="cs-CZ" sz="2800" b="0" strike="noStrike" spc="-1">
               <a:solidFill>
                 <a:srgbClr val="000000"/>
               </a:solidFill>
@@ -3497,11 +3766,12 @@
           </a:prstGeom>
         </p:spPr>
         <p:txBody>
-          <a:bodyPr lIns="0" rIns="0" tIns="0" bIns="0">
+          <a:bodyPr lIns="0" tIns="0" rIns="0" bIns="0">
             <a:normAutofit/>
           </a:bodyPr>
-          <a:p>
-            <a:endParaRPr b="0" lang="cs-CZ" sz="2800" spc="-1" strike="noStrike">
+          <a:lstStyle/>
+          <a:p>
+            <a:endParaRPr lang="cs-CZ" sz="2800" b="0" strike="noStrike" spc="-1">
               <a:solidFill>
                 <a:srgbClr val="000000"/>
               </a:solidFill>
@@ -3530,11 +3800,12 @@
           </a:prstGeom>
         </p:spPr>
         <p:txBody>
-          <a:bodyPr lIns="0" rIns="0" tIns="0" bIns="0">
+          <a:bodyPr lIns="0" tIns="0" rIns="0" bIns="0">
             <a:normAutofit/>
           </a:bodyPr>
-          <a:p>
-            <a:endParaRPr b="0" lang="cs-CZ" sz="2800" spc="-1" strike="noStrike">
+          <a:lstStyle/>
+          <a:p>
+            <a:endParaRPr lang="cs-CZ" sz="2800" b="0" strike="noStrike" spc="-1">
               <a:solidFill>
                 <a:srgbClr val="000000"/>
               </a:solidFill>
@@ -3563,11 +3834,12 @@
           </a:prstGeom>
         </p:spPr>
         <p:txBody>
-          <a:bodyPr lIns="0" rIns="0" tIns="0" bIns="0">
+          <a:bodyPr lIns="0" tIns="0" rIns="0" bIns="0">
             <a:normAutofit/>
           </a:bodyPr>
-          <a:p>
-            <a:endParaRPr b="0" lang="cs-CZ" sz="2800" spc="-1" strike="noStrike">
+          <a:lstStyle/>
+          <a:p>
+            <a:endParaRPr lang="cs-CZ" sz="2800" b="0" strike="noStrike" spc="-1">
               <a:solidFill>
                 <a:srgbClr val="000000"/>
               </a:solidFill>
@@ -3596,11 +3868,12 @@
           </a:prstGeom>
         </p:spPr>
         <p:txBody>
-          <a:bodyPr lIns="0" rIns="0" tIns="0" bIns="0">
+          <a:bodyPr lIns="0" tIns="0" rIns="0" bIns="0">
             <a:normAutofit/>
           </a:bodyPr>
-          <a:p>
-            <a:endParaRPr b="0" lang="cs-CZ" sz="2800" spc="-1" strike="noStrike">
+          <a:lstStyle/>
+          <a:p>
+            <a:endParaRPr lang="cs-CZ" sz="2800" b="0" strike="noStrike" spc="-1">
               <a:solidFill>
                 <a:srgbClr val="000000"/>
               </a:solidFill>
@@ -3611,11 +3884,14 @@
       </p:sp>
     </p:spTree>
   </p:cSld>
+  <p:clrMapOvr>
+    <a:masterClrMapping/>
+  </p:clrMapOvr>
 </p:sldLayout>
 </file>
 
 <file path=ppt/slideLayouts/slideLayout4.xml><?xml version="1.0" encoding="utf-8"?>
-<p:sldLayout xmlns:a="http://schemas.openxmlformats.org/drawingml/2006/main" xmlns:p="http://schemas.openxmlformats.org/presentationml/2006/main" xmlns:r="http://schemas.openxmlformats.org/officeDocument/2006/relationships" xmlns:p14="http://schemas.microsoft.com/office/powerpoint/2010/main" xmlns:p15="http://schemas.microsoft.com/office/powerpoint/2012/main" xmlns:mc="http://schemas.openxmlformats.org/markup-compatibility/2006" type="twoObj" preserve="1">
+<p:sldLayout xmlns:a="http://schemas.openxmlformats.org/drawingml/2006/main" xmlns:r="http://schemas.openxmlformats.org/officeDocument/2006/relationships" xmlns:p="http://schemas.openxmlformats.org/presentationml/2006/main" type="twoObj" preserve="1">
   <p:cSld name="Title, 2 Content">
     <p:spTree>
       <p:nvGrpSpPr>
@@ -3651,9 +3927,10 @@
           </a:prstGeom>
         </p:spPr>
         <p:txBody>
-          <a:bodyPr lIns="0" rIns="0" tIns="0" bIns="0" anchor="ctr"/>
-          <a:p>
-            <a:endParaRPr b="0" lang="cs-CZ" sz="1800" spc="-1" strike="noStrike">
+          <a:bodyPr lIns="0" tIns="0" rIns="0" bIns="0" anchor="ctr"/>
+          <a:lstStyle/>
+          <a:p>
+            <a:endParaRPr lang="cs-CZ" sz="1800" b="0" strike="noStrike" spc="-1">
               <a:solidFill>
                 <a:srgbClr val="000000"/>
               </a:solidFill>
@@ -3682,11 +3959,12 @@
           </a:prstGeom>
         </p:spPr>
         <p:txBody>
-          <a:bodyPr lIns="0" rIns="0" tIns="0" bIns="0">
+          <a:bodyPr lIns="0" tIns="0" rIns="0" bIns="0">
             <a:normAutofit/>
           </a:bodyPr>
-          <a:p>
-            <a:endParaRPr b="0" lang="cs-CZ" sz="2800" spc="-1" strike="noStrike">
+          <a:lstStyle/>
+          <a:p>
+            <a:endParaRPr lang="cs-CZ" sz="2800" b="0" strike="noStrike" spc="-1">
               <a:solidFill>
                 <a:srgbClr val="000000"/>
               </a:solidFill>
@@ -3715,11 +3993,12 @@
           </a:prstGeom>
         </p:spPr>
         <p:txBody>
-          <a:bodyPr lIns="0" rIns="0" tIns="0" bIns="0">
+          <a:bodyPr lIns="0" tIns="0" rIns="0" bIns="0">
             <a:normAutofit/>
           </a:bodyPr>
-          <a:p>
-            <a:endParaRPr b="0" lang="cs-CZ" sz="2800" spc="-1" strike="noStrike">
+          <a:lstStyle/>
+          <a:p>
+            <a:endParaRPr lang="cs-CZ" sz="2800" b="0" strike="noStrike" spc="-1">
               <a:solidFill>
                 <a:srgbClr val="000000"/>
               </a:solidFill>
@@ -3730,11 +4009,14 @@
       </p:sp>
     </p:spTree>
   </p:cSld>
+  <p:clrMapOvr>
+    <a:masterClrMapping/>
+  </p:clrMapOvr>
 </p:sldLayout>
 </file>
 
 <file path=ppt/slideLayouts/slideLayout5.xml><?xml version="1.0" encoding="utf-8"?>
-<p:sldLayout xmlns:a="http://schemas.openxmlformats.org/drawingml/2006/main" xmlns:p="http://schemas.openxmlformats.org/presentationml/2006/main" xmlns:r="http://schemas.openxmlformats.org/officeDocument/2006/relationships" xmlns:p14="http://schemas.microsoft.com/office/powerpoint/2010/main" xmlns:p15="http://schemas.microsoft.com/office/powerpoint/2012/main" xmlns:mc="http://schemas.openxmlformats.org/markup-compatibility/2006" type="titleOnly" preserve="1">
+<p:sldLayout xmlns:a="http://schemas.openxmlformats.org/drawingml/2006/main" xmlns:r="http://schemas.openxmlformats.org/officeDocument/2006/relationships" xmlns:p="http://schemas.openxmlformats.org/presentationml/2006/main" type="titleOnly" preserve="1">
   <p:cSld name="Title Only">
     <p:spTree>
       <p:nvGrpSpPr>
@@ -3770,9 +4052,10 @@
           </a:prstGeom>
         </p:spPr>
         <p:txBody>
-          <a:bodyPr lIns="0" rIns="0" tIns="0" bIns="0" anchor="ctr"/>
-          <a:p>
-            <a:endParaRPr b="0" lang="cs-CZ" sz="1800" spc="-1" strike="noStrike">
+          <a:bodyPr lIns="0" tIns="0" rIns="0" bIns="0" anchor="ctr"/>
+          <a:lstStyle/>
+          <a:p>
+            <a:endParaRPr lang="cs-CZ" sz="1800" b="0" strike="noStrike" spc="-1">
               <a:solidFill>
                 <a:srgbClr val="000000"/>
               </a:solidFill>
@@ -3783,11 +4066,14 @@
       </p:sp>
     </p:spTree>
   </p:cSld>
+  <p:clrMapOvr>
+    <a:masterClrMapping/>
+  </p:clrMapOvr>
 </p:sldLayout>
 </file>
 
 <file path=ppt/slideLayouts/slideLayout6.xml><?xml version="1.0" encoding="utf-8"?>
-<p:sldLayout xmlns:a="http://schemas.openxmlformats.org/drawingml/2006/main" xmlns:p="http://schemas.openxmlformats.org/presentationml/2006/main" xmlns:r="http://schemas.openxmlformats.org/officeDocument/2006/relationships" xmlns:p14="http://schemas.microsoft.com/office/powerpoint/2010/main" xmlns:p15="http://schemas.microsoft.com/office/powerpoint/2012/main" xmlns:mc="http://schemas.openxmlformats.org/markup-compatibility/2006" type="objOnly" preserve="1">
+<p:sldLayout xmlns:a="http://schemas.openxmlformats.org/drawingml/2006/main" xmlns:r="http://schemas.openxmlformats.org/officeDocument/2006/relationships" xmlns:p="http://schemas.openxmlformats.org/presentationml/2006/main" type="objOnly" preserve="1">
   <p:cSld name="Centered Text">
     <p:spTree>
       <p:nvGrpSpPr>
@@ -3823,10 +4109,11 @@
           </a:prstGeom>
         </p:spPr>
         <p:txBody>
-          <a:bodyPr lIns="0" rIns="0" tIns="0" bIns="0" anchor="ctr"/>
+          <a:bodyPr lIns="0" tIns="0" rIns="0" bIns="0" anchor="ctr"/>
+          <a:lstStyle/>
           <a:p>
             <a:pPr algn="ctr"/>
-            <a:endParaRPr b="0" lang="cs-CZ" sz="3200" spc="-1" strike="noStrike">
+            <a:endParaRPr lang="cs-CZ" sz="3200" b="0" strike="noStrike" spc="-1">
               <a:latin typeface="Arial"/>
             </a:endParaRPr>
           </a:p>
@@ -3834,11 +4121,14 @@
       </p:sp>
     </p:spTree>
   </p:cSld>
+  <p:clrMapOvr>
+    <a:masterClrMapping/>
+  </p:clrMapOvr>
 </p:sldLayout>
 </file>
 
 <file path=ppt/slideLayouts/slideLayout7.xml><?xml version="1.0" encoding="utf-8"?>
-<p:sldLayout xmlns:a="http://schemas.openxmlformats.org/drawingml/2006/main" xmlns:p="http://schemas.openxmlformats.org/presentationml/2006/main" xmlns:r="http://schemas.openxmlformats.org/officeDocument/2006/relationships" xmlns:p14="http://schemas.microsoft.com/office/powerpoint/2010/main" xmlns:p15="http://schemas.microsoft.com/office/powerpoint/2012/main" xmlns:mc="http://schemas.openxmlformats.org/markup-compatibility/2006" type="twoObjAndObj" preserve="1">
+<p:sldLayout xmlns:a="http://schemas.openxmlformats.org/drawingml/2006/main" xmlns:r="http://schemas.openxmlformats.org/officeDocument/2006/relationships" xmlns:p="http://schemas.openxmlformats.org/presentationml/2006/main" type="twoObjAndObj" preserve="1">
   <p:cSld name="Title, 2 Content and Content">
     <p:spTree>
       <p:nvGrpSpPr>
@@ -3874,9 +4164,10 @@
           </a:prstGeom>
         </p:spPr>
         <p:txBody>
-          <a:bodyPr lIns="0" rIns="0" tIns="0" bIns="0" anchor="ctr"/>
-          <a:p>
-            <a:endParaRPr b="0" lang="cs-CZ" sz="1800" spc="-1" strike="noStrike">
+          <a:bodyPr lIns="0" tIns="0" rIns="0" bIns="0" anchor="ctr"/>
+          <a:lstStyle/>
+          <a:p>
+            <a:endParaRPr lang="cs-CZ" sz="1800" b="0" strike="noStrike" spc="-1">
               <a:solidFill>
                 <a:srgbClr val="000000"/>
               </a:solidFill>
@@ -3905,11 +4196,12 @@
           </a:prstGeom>
         </p:spPr>
         <p:txBody>
-          <a:bodyPr lIns="0" rIns="0" tIns="0" bIns="0">
+          <a:bodyPr lIns="0" tIns="0" rIns="0" bIns="0">
             <a:normAutofit/>
           </a:bodyPr>
-          <a:p>
-            <a:endParaRPr b="0" lang="cs-CZ" sz="2800" spc="-1" strike="noStrike">
+          <a:lstStyle/>
+          <a:p>
+            <a:endParaRPr lang="cs-CZ" sz="2800" b="0" strike="noStrike" spc="-1">
               <a:solidFill>
                 <a:srgbClr val="000000"/>
               </a:solidFill>
@@ -3938,11 +4230,12 @@
           </a:prstGeom>
         </p:spPr>
         <p:txBody>
-          <a:bodyPr lIns="0" rIns="0" tIns="0" bIns="0">
+          <a:bodyPr lIns="0" tIns="0" rIns="0" bIns="0">
             <a:normAutofit/>
           </a:bodyPr>
-          <a:p>
-            <a:endParaRPr b="0" lang="cs-CZ" sz="2800" spc="-1" strike="noStrike">
+          <a:lstStyle/>
+          <a:p>
+            <a:endParaRPr lang="cs-CZ" sz="2800" b="0" strike="noStrike" spc="-1">
               <a:solidFill>
                 <a:srgbClr val="000000"/>
               </a:solidFill>
@@ -3971,11 +4264,12 @@
           </a:prstGeom>
         </p:spPr>
         <p:txBody>
-          <a:bodyPr lIns="0" rIns="0" tIns="0" bIns="0">
+          <a:bodyPr lIns="0" tIns="0" rIns="0" bIns="0">
             <a:normAutofit/>
           </a:bodyPr>
-          <a:p>
-            <a:endParaRPr b="0" lang="cs-CZ" sz="2800" spc="-1" strike="noStrike">
+          <a:lstStyle/>
+          <a:p>
+            <a:endParaRPr lang="cs-CZ" sz="2800" b="0" strike="noStrike" spc="-1">
               <a:solidFill>
                 <a:srgbClr val="000000"/>
               </a:solidFill>
@@ -3986,11 +4280,14 @@
       </p:sp>
     </p:spTree>
   </p:cSld>
+  <p:clrMapOvr>
+    <a:masterClrMapping/>
+  </p:clrMapOvr>
 </p:sldLayout>
 </file>
 
 <file path=ppt/slideLayouts/slideLayout8.xml><?xml version="1.0" encoding="utf-8"?>
-<p:sldLayout xmlns:a="http://schemas.openxmlformats.org/drawingml/2006/main" xmlns:p="http://schemas.openxmlformats.org/presentationml/2006/main" xmlns:r="http://schemas.openxmlformats.org/officeDocument/2006/relationships" xmlns:p14="http://schemas.microsoft.com/office/powerpoint/2010/main" xmlns:p15="http://schemas.microsoft.com/office/powerpoint/2012/main" xmlns:mc="http://schemas.openxmlformats.org/markup-compatibility/2006" type="objAndTwoObj" preserve="1">
+<p:sldLayout xmlns:a="http://schemas.openxmlformats.org/drawingml/2006/main" xmlns:r="http://schemas.openxmlformats.org/officeDocument/2006/relationships" xmlns:p="http://schemas.openxmlformats.org/presentationml/2006/main" type="objAndTwoObj" preserve="1">
   <p:cSld name="Title Content and 2 Content">
     <p:spTree>
       <p:nvGrpSpPr>
@@ -4026,9 +4323,10 @@
           </a:prstGeom>
         </p:spPr>
         <p:txBody>
-          <a:bodyPr lIns="0" rIns="0" tIns="0" bIns="0" anchor="ctr"/>
-          <a:p>
-            <a:endParaRPr b="0" lang="cs-CZ" sz="1800" spc="-1" strike="noStrike">
+          <a:bodyPr lIns="0" tIns="0" rIns="0" bIns="0" anchor="ctr"/>
+          <a:lstStyle/>
+          <a:p>
+            <a:endParaRPr lang="cs-CZ" sz="1800" b="0" strike="noStrike" spc="-1">
               <a:solidFill>
                 <a:srgbClr val="000000"/>
               </a:solidFill>
@@ -4057,11 +4355,12 @@
           </a:prstGeom>
         </p:spPr>
         <p:txBody>
-          <a:bodyPr lIns="0" rIns="0" tIns="0" bIns="0">
+          <a:bodyPr lIns="0" tIns="0" rIns="0" bIns="0">
             <a:normAutofit/>
           </a:bodyPr>
-          <a:p>
-            <a:endParaRPr b="0" lang="cs-CZ" sz="2800" spc="-1" strike="noStrike">
+          <a:lstStyle/>
+          <a:p>
+            <a:endParaRPr lang="cs-CZ" sz="2800" b="0" strike="noStrike" spc="-1">
               <a:solidFill>
                 <a:srgbClr val="000000"/>
               </a:solidFill>
@@ -4090,11 +4389,12 @@
           </a:prstGeom>
         </p:spPr>
         <p:txBody>
-          <a:bodyPr lIns="0" rIns="0" tIns="0" bIns="0">
+          <a:bodyPr lIns="0" tIns="0" rIns="0" bIns="0">
             <a:normAutofit/>
           </a:bodyPr>
-          <a:p>
-            <a:endParaRPr b="0" lang="cs-CZ" sz="2800" spc="-1" strike="noStrike">
+          <a:lstStyle/>
+          <a:p>
+            <a:endParaRPr lang="cs-CZ" sz="2800" b="0" strike="noStrike" spc="-1">
               <a:solidFill>
                 <a:srgbClr val="000000"/>
               </a:solidFill>
@@ -4123,11 +4423,12 @@
           </a:prstGeom>
         </p:spPr>
         <p:txBody>
-          <a:bodyPr lIns="0" rIns="0" tIns="0" bIns="0">
+          <a:bodyPr lIns="0" tIns="0" rIns="0" bIns="0">
             <a:normAutofit/>
           </a:bodyPr>
-          <a:p>
-            <a:endParaRPr b="0" lang="cs-CZ" sz="2800" spc="-1" strike="noStrike">
+          <a:lstStyle/>
+          <a:p>
+            <a:endParaRPr lang="cs-CZ" sz="2800" b="0" strike="noStrike" spc="-1">
               <a:solidFill>
                 <a:srgbClr val="000000"/>
               </a:solidFill>
@@ -4138,11 +4439,14 @@
       </p:sp>
     </p:spTree>
   </p:cSld>
+  <p:clrMapOvr>
+    <a:masterClrMapping/>
+  </p:clrMapOvr>
 </p:sldLayout>
 </file>
 
 <file path=ppt/slideLayouts/slideLayout9.xml><?xml version="1.0" encoding="utf-8"?>
-<p:sldLayout xmlns:a="http://schemas.openxmlformats.org/drawingml/2006/main" xmlns:p="http://schemas.openxmlformats.org/presentationml/2006/main" xmlns:r="http://schemas.openxmlformats.org/officeDocument/2006/relationships" xmlns:p14="http://schemas.microsoft.com/office/powerpoint/2010/main" xmlns:p15="http://schemas.microsoft.com/office/powerpoint/2012/main" xmlns:mc="http://schemas.openxmlformats.org/markup-compatibility/2006" type="twoObjOverTx" preserve="1">
+<p:sldLayout xmlns:a="http://schemas.openxmlformats.org/drawingml/2006/main" xmlns:r="http://schemas.openxmlformats.org/officeDocument/2006/relationships" xmlns:p="http://schemas.openxmlformats.org/presentationml/2006/main" type="twoObjOverTx" preserve="1">
   <p:cSld name="Title, 2 Content over Content">
     <p:spTree>
       <p:nvGrpSpPr>
@@ -4178,9 +4482,10 @@
           </a:prstGeom>
         </p:spPr>
         <p:txBody>
-          <a:bodyPr lIns="0" rIns="0" tIns="0" bIns="0" anchor="ctr"/>
-          <a:p>
-            <a:endParaRPr b="0" lang="cs-CZ" sz="1800" spc="-1" strike="noStrike">
+          <a:bodyPr lIns="0" tIns="0" rIns="0" bIns="0" anchor="ctr"/>
+          <a:lstStyle/>
+          <a:p>
+            <a:endParaRPr lang="cs-CZ" sz="1800" b="0" strike="noStrike" spc="-1">
               <a:solidFill>
                 <a:srgbClr val="000000"/>
               </a:solidFill>
@@ -4209,11 +4514,12 @@
           </a:prstGeom>
         </p:spPr>
         <p:txBody>
-          <a:bodyPr lIns="0" rIns="0" tIns="0" bIns="0">
+          <a:bodyPr lIns="0" tIns="0" rIns="0" bIns="0">
             <a:normAutofit/>
           </a:bodyPr>
-          <a:p>
-            <a:endParaRPr b="0" lang="cs-CZ" sz="2800" spc="-1" strike="noStrike">
+          <a:lstStyle/>
+          <a:p>
+            <a:endParaRPr lang="cs-CZ" sz="2800" b="0" strike="noStrike" spc="-1">
               <a:solidFill>
                 <a:srgbClr val="000000"/>
               </a:solidFill>
@@ -4242,11 +4548,12 @@
           </a:prstGeom>
         </p:spPr>
         <p:txBody>
-          <a:bodyPr lIns="0" rIns="0" tIns="0" bIns="0">
+          <a:bodyPr lIns="0" tIns="0" rIns="0" bIns="0">
             <a:normAutofit/>
           </a:bodyPr>
-          <a:p>
-            <a:endParaRPr b="0" lang="cs-CZ" sz="2800" spc="-1" strike="noStrike">
+          <a:lstStyle/>
+          <a:p>
+            <a:endParaRPr lang="cs-CZ" sz="2800" b="0" strike="noStrike" spc="-1">
               <a:solidFill>
                 <a:srgbClr val="000000"/>
               </a:solidFill>
@@ -4275,11 +4582,12 @@
           </a:prstGeom>
         </p:spPr>
         <p:txBody>
-          <a:bodyPr lIns="0" rIns="0" tIns="0" bIns="0">
+          <a:bodyPr lIns="0" tIns="0" rIns="0" bIns="0">
             <a:normAutofit/>
           </a:bodyPr>
-          <a:p>
-            <a:endParaRPr b="0" lang="cs-CZ" sz="2800" spc="-1" strike="noStrike">
+          <a:lstStyle/>
+          <a:p>
+            <a:endParaRPr lang="cs-CZ" sz="2800" b="0" strike="noStrike" spc="-1">
               <a:solidFill>
                 <a:srgbClr val="000000"/>
               </a:solidFill>
@@ -4290,20 +4598,24 @@
       </p:sp>
     </p:spTree>
   </p:cSld>
+  <p:clrMapOvr>
+    <a:masterClrMapping/>
+  </p:clrMapOvr>
 </p:sldLayout>
 </file>
 
 <file path=ppt/slideMasters/slideMaster1.xml><?xml version="1.0" encoding="utf-8"?>
-<p:sldMaster xmlns:a="http://schemas.openxmlformats.org/drawingml/2006/main" xmlns:p="http://schemas.openxmlformats.org/presentationml/2006/main" xmlns:r="http://schemas.openxmlformats.org/officeDocument/2006/relationships" xmlns:p14="http://schemas.microsoft.com/office/powerpoint/2010/main" xmlns:p15="http://schemas.microsoft.com/office/powerpoint/2012/main" xmlns:mc="http://schemas.openxmlformats.org/markup-compatibility/2006">
+<p:sldMaster xmlns:a="http://schemas.openxmlformats.org/drawingml/2006/main" xmlns:r="http://schemas.openxmlformats.org/officeDocument/2006/relationships" xmlns:p="http://schemas.openxmlformats.org/presentationml/2006/main">
   <p:cSld>
     <p:bg>
       <p:bgPr>
         <a:blipFill rotWithShape="0">
-          <a:blip r:embed="rId2"/>
+          <a:blip r:embed="rId14"/>
           <a:stretch>
             <a:fillRect/>
           </a:stretch>
         </a:blipFill>
+        <a:effectLst/>
       </p:bgPr>
     </p:bg>
     <p:spTree>
@@ -4322,7 +4634,7 @@
       </p:grpSpPr>
       <p:sp>
         <p:nvSpPr>
-          <p:cNvPr id="0" name="PlaceHolder 1"/>
+          <p:cNvPr id="2" name="PlaceHolder 1"/>
           <p:cNvSpPr>
             <a:spLocks noGrp="1"/>
           </p:cNvSpPr>
@@ -4340,38 +4652,24 @@
           </a:prstGeom>
         </p:spPr>
         <p:txBody>
-          <a:bodyPr lIns="0" rIns="0" tIns="0" bIns="0" anchor="ctr"/>
-          <a:p>
-            <a:r>
-              <a:rPr b="0" lang="cs-CZ" sz="4400" spc="-1" strike="noStrike">
+          <a:bodyPr lIns="0" tIns="0" rIns="0" bIns="0" anchor="ctr"/>
+          <a:lstStyle/>
+          <a:p>
+            <a:r>
+              <a:rPr lang="cs-CZ" sz="4400" b="0" strike="noStrike" spc="-1">
                 <a:solidFill>
                   <a:srgbClr val="000000"/>
                 </a:solidFill>
                 <a:latin typeface="Arial"/>
               </a:rPr>
-              <a:t>Klikněte pro úpravu formátu textu </a:t>
-            </a:r>
-            <a:r>
-              <a:rPr b="0" lang="cs-CZ" sz="4400" spc="-1" strike="noStrike">
-                <a:solidFill>
-                  <a:srgbClr val="000000"/>
-                </a:solidFill>
-                <a:latin typeface="Arial"/>
-              </a:rPr>
-              <a:t>nadpisu</a:t>
-            </a:r>
-            <a:endParaRPr b="0" lang="cs-CZ" sz="4400" spc="-1" strike="noStrike">
-              <a:solidFill>
-                <a:srgbClr val="000000"/>
-              </a:solidFill>
-              <a:latin typeface="Arial"/>
-            </a:endParaRPr>
-          </a:p>
-        </p:txBody>
-      </p:sp>
-      <p:sp>
-        <p:nvSpPr>
-          <p:cNvPr id="1" name="PlaceHolder 2"/>
+              <a:t>Klikněte pro úpravu formátu textu nadpisu</a:t>
+            </a:r>
+          </a:p>
+        </p:txBody>
+      </p:sp>
+      <p:sp>
+        <p:nvSpPr>
+          <p:cNvPr id="3" name="PlaceHolder 2"/>
           <p:cNvSpPr>
             <a:spLocks noGrp="1"/>
           </p:cNvSpPr>
@@ -4389,9 +4687,10 @@
           </a:prstGeom>
         </p:spPr>
         <p:txBody>
-          <a:bodyPr lIns="0" rIns="0" tIns="0" bIns="0">
+          <a:bodyPr lIns="0" tIns="0" rIns="0" bIns="0">
             <a:normAutofit/>
           </a:bodyPr>
+          <a:lstStyle/>
           <a:p>
             <a:pPr marL="432000" indent="-324000">
               <a:spcBef>
@@ -4405,7 +4704,7 @@
               <a:buChar char=""/>
             </a:pPr>
             <a:r>
-              <a:rPr b="0" lang="cs-CZ" sz="2800" spc="-1" strike="noStrike">
+              <a:rPr lang="cs-CZ" sz="2800" b="0" strike="noStrike" spc="-1">
                 <a:solidFill>
                   <a:srgbClr val="000000"/>
                 </a:solidFill>
@@ -4413,15 +4712,9 @@
               </a:rPr>
               <a:t>Klikněte pro úpravu formátu textu osnovy</a:t>
             </a:r>
-            <a:endParaRPr b="0" lang="cs-CZ" sz="2800" spc="-1" strike="noStrike">
-              <a:solidFill>
-                <a:srgbClr val="000000"/>
-              </a:solidFill>
-              <a:latin typeface="Arial"/>
-            </a:endParaRPr>
-          </a:p>
-          <a:p>
-            <a:pPr lvl="1" marL="864000" indent="-324000">
+          </a:p>
+          <a:p>
+            <a:pPr marL="864000" lvl="1" indent="-324000">
               <a:spcBef>
                 <a:spcPts val="1134"/>
               </a:spcBef>
@@ -4433,7 +4726,7 @@
               <a:buChar char=""/>
             </a:pPr>
             <a:r>
-              <a:rPr b="0" lang="cs-CZ" sz="2000" spc="-1" strike="noStrike">
+              <a:rPr lang="cs-CZ" sz="2000" b="0" strike="noStrike" spc="-1">
                 <a:solidFill>
                   <a:srgbClr val="000000"/>
                 </a:solidFill>
@@ -4441,15 +4734,9 @@
               </a:rPr>
               <a:t>Druhá úroveň</a:t>
             </a:r>
-            <a:endParaRPr b="0" lang="cs-CZ" sz="2000" spc="-1" strike="noStrike">
-              <a:solidFill>
-                <a:srgbClr val="000000"/>
-              </a:solidFill>
-              <a:latin typeface="Arial"/>
-            </a:endParaRPr>
-          </a:p>
-          <a:p>
-            <a:pPr lvl="2" marL="1296000" indent="-288000">
+          </a:p>
+          <a:p>
+            <a:pPr marL="1296000" lvl="2" indent="-288000">
               <a:spcBef>
                 <a:spcPts val="850"/>
               </a:spcBef>
@@ -4461,7 +4748,7 @@
               <a:buChar char=""/>
             </a:pPr>
             <a:r>
-              <a:rPr b="0" lang="cs-CZ" sz="1800" spc="-1" strike="noStrike">
+              <a:rPr lang="cs-CZ" sz="1800" b="0" strike="noStrike" spc="-1">
                 <a:solidFill>
                   <a:srgbClr val="000000"/>
                 </a:solidFill>
@@ -4469,15 +4756,9 @@
               </a:rPr>
               <a:t>Třetí úroveň</a:t>
             </a:r>
-            <a:endParaRPr b="0" lang="cs-CZ" sz="1800" spc="-1" strike="noStrike">
-              <a:solidFill>
-                <a:srgbClr val="000000"/>
-              </a:solidFill>
-              <a:latin typeface="Arial"/>
-            </a:endParaRPr>
-          </a:p>
-          <a:p>
-            <a:pPr lvl="3" marL="1728000" indent="-216000">
+          </a:p>
+          <a:p>
+            <a:pPr marL="1728000" lvl="3" indent="-216000">
               <a:spcBef>
                 <a:spcPts val="567"/>
               </a:spcBef>
@@ -4489,7 +4770,7 @@
               <a:buChar char=""/>
             </a:pPr>
             <a:r>
-              <a:rPr b="0" lang="cs-CZ" sz="1800" spc="-1" strike="noStrike">
+              <a:rPr lang="cs-CZ" sz="1800" b="0" strike="noStrike" spc="-1">
                 <a:solidFill>
                   <a:srgbClr val="000000"/>
                 </a:solidFill>
@@ -4497,15 +4778,9 @@
               </a:rPr>
               <a:t>Čtvrtá úroveň osnovy</a:t>
             </a:r>
-            <a:endParaRPr b="0" lang="cs-CZ" sz="1800" spc="-1" strike="noStrike">
-              <a:solidFill>
-                <a:srgbClr val="000000"/>
-              </a:solidFill>
-              <a:latin typeface="Arial"/>
-            </a:endParaRPr>
-          </a:p>
-          <a:p>
-            <a:pPr lvl="4" marL="2160000" indent="-216000">
+          </a:p>
+          <a:p>
+            <a:pPr marL="2160000" lvl="4" indent="-216000">
               <a:spcBef>
                 <a:spcPts val="283"/>
               </a:spcBef>
@@ -4517,7 +4792,7 @@
               <a:buChar char=""/>
             </a:pPr>
             <a:r>
-              <a:rPr b="0" lang="cs-CZ" sz="2000" spc="-1" strike="noStrike">
+              <a:rPr lang="cs-CZ" sz="2000" b="0" strike="noStrike" spc="-1">
                 <a:solidFill>
                   <a:srgbClr val="000000"/>
                 </a:solidFill>
@@ -4525,15 +4800,9 @@
               </a:rPr>
               <a:t>Pátá úroveň osnovy</a:t>
             </a:r>
-            <a:endParaRPr b="0" lang="cs-CZ" sz="2000" spc="-1" strike="noStrike">
-              <a:solidFill>
-                <a:srgbClr val="000000"/>
-              </a:solidFill>
-              <a:latin typeface="Arial"/>
-            </a:endParaRPr>
-          </a:p>
-          <a:p>
-            <a:pPr lvl="5" marL="2592000" indent="-216000">
+          </a:p>
+          <a:p>
+            <a:pPr marL="2592000" lvl="5" indent="-216000">
               <a:spcBef>
                 <a:spcPts val="283"/>
               </a:spcBef>
@@ -4545,7 +4814,7 @@
               <a:buChar char=""/>
             </a:pPr>
             <a:r>
-              <a:rPr b="0" lang="cs-CZ" sz="2000" spc="-1" strike="noStrike">
+              <a:rPr lang="cs-CZ" sz="2000" b="0" strike="noStrike" spc="-1">
                 <a:solidFill>
                   <a:srgbClr val="000000"/>
                 </a:solidFill>
@@ -4553,15 +4822,9 @@
               </a:rPr>
               <a:t>Šestá úroveň</a:t>
             </a:r>
-            <a:endParaRPr b="0" lang="cs-CZ" sz="2000" spc="-1" strike="noStrike">
-              <a:solidFill>
-                <a:srgbClr val="000000"/>
-              </a:solidFill>
-              <a:latin typeface="Arial"/>
-            </a:endParaRPr>
-          </a:p>
-          <a:p>
-            <a:pPr lvl="6" marL="3024000" indent="-216000">
+          </a:p>
+          <a:p>
+            <a:pPr marL="3024000" lvl="6" indent="-216000">
               <a:spcBef>
                 <a:spcPts val="283"/>
               </a:spcBef>
@@ -4573,7 +4836,7 @@
               <a:buChar char=""/>
             </a:pPr>
             <a:r>
-              <a:rPr b="0" lang="cs-CZ" sz="2000" spc="-1" strike="noStrike">
+              <a:rPr lang="cs-CZ" sz="2000" b="0" strike="noStrike" spc="-1">
                 <a:solidFill>
                   <a:srgbClr val="000000"/>
                 </a:solidFill>
@@ -4581,46 +4844,321 @@
               </a:rPr>
               <a:t>Sedmá úroveň</a:t>
             </a:r>
-            <a:endParaRPr b="0" lang="cs-CZ" sz="2000" spc="-1" strike="noStrike">
-              <a:solidFill>
-                <a:srgbClr val="000000"/>
-              </a:solidFill>
-              <a:latin typeface="Arial"/>
-            </a:endParaRPr>
           </a:p>
         </p:txBody>
       </p:sp>
     </p:spTree>
   </p:cSld>
-  <p:clrMap bg1="lt1" bg2="lt2" tx1="dk1" tx2="dk2" accent1="accent1" accent2="accent2" accent3="accent3" accent4="accent4" accent5="accent5" accent6="accent6" hlink="hlink" folHlink="folHlink"/>
+  <p:clrMap bg1="lt1" tx1="dk1" bg2="lt2" tx2="dk2" accent1="accent1" accent2="accent2" accent3="accent3" accent4="accent4" accent5="accent5" accent6="accent6" hlink="hlink" folHlink="folHlink"/>
   <p:sldLayoutIdLst>
-    <p:sldLayoutId id="2147483649" r:id="rId3"/>
-    <p:sldLayoutId id="2147483650" r:id="rId4"/>
-    <p:sldLayoutId id="2147483651" r:id="rId5"/>
-    <p:sldLayoutId id="2147483652" r:id="rId6"/>
-    <p:sldLayoutId id="2147483653" r:id="rId7"/>
-    <p:sldLayoutId id="2147483654" r:id="rId8"/>
-    <p:sldLayoutId id="2147483655" r:id="rId9"/>
-    <p:sldLayoutId id="2147483656" r:id="rId10"/>
-    <p:sldLayoutId id="2147483657" r:id="rId11"/>
-    <p:sldLayoutId id="2147483658" r:id="rId12"/>
-    <p:sldLayoutId id="2147483659" r:id="rId13"/>
-    <p:sldLayoutId id="2147483660" r:id="rId14"/>
+    <p:sldLayoutId id="2147483649" r:id="rId1"/>
+    <p:sldLayoutId id="2147483650" r:id="rId2"/>
+    <p:sldLayoutId id="2147483651" r:id="rId3"/>
+    <p:sldLayoutId id="2147483652" r:id="rId4"/>
+    <p:sldLayoutId id="2147483653" r:id="rId5"/>
+    <p:sldLayoutId id="2147483654" r:id="rId6"/>
+    <p:sldLayoutId id="2147483655" r:id="rId7"/>
+    <p:sldLayoutId id="2147483656" r:id="rId8"/>
+    <p:sldLayoutId id="2147483657" r:id="rId9"/>
+    <p:sldLayoutId id="2147483658" r:id="rId10"/>
+    <p:sldLayoutId id="2147483659" r:id="rId11"/>
+    <p:sldLayoutId id="2147483660" r:id="rId12"/>
   </p:sldLayoutIdLst>
+  <p:txStyles>
+    <p:titleStyle>
+      <a:lvl1pPr algn="l" defTabSz="914400" rtl="0" eaLnBrk="1" latinLnBrk="0" hangingPunct="1">
+        <a:lnSpc>
+          <a:spcPct val="90000"/>
+        </a:lnSpc>
+        <a:spcBef>
+          <a:spcPct val="0"/>
+        </a:spcBef>
+        <a:buNone/>
+        <a:defRPr sz="4400" kern="1200">
+          <a:solidFill>
+            <a:schemeClr val="tx1"/>
+          </a:solidFill>
+          <a:latin typeface="+mj-lt"/>
+          <a:ea typeface="+mj-ea"/>
+          <a:cs typeface="+mj-cs"/>
+        </a:defRPr>
+      </a:lvl1pPr>
+    </p:titleStyle>
+    <p:bodyStyle>
+      <a:lvl1pPr marL="228600" indent="-228600" algn="l" defTabSz="914400" rtl="0" eaLnBrk="1" latinLnBrk="0" hangingPunct="1">
+        <a:lnSpc>
+          <a:spcPct val="90000"/>
+        </a:lnSpc>
+        <a:spcBef>
+          <a:spcPts val="1000"/>
+        </a:spcBef>
+        <a:buFont typeface="Arial" panose="020B0604020202020204" pitchFamily="34" charset="0"/>
+        <a:buChar char="•"/>
+        <a:defRPr sz="2800" kern="1200">
+          <a:solidFill>
+            <a:schemeClr val="tx1"/>
+          </a:solidFill>
+          <a:latin typeface="+mn-lt"/>
+          <a:ea typeface="+mn-ea"/>
+          <a:cs typeface="+mn-cs"/>
+        </a:defRPr>
+      </a:lvl1pPr>
+      <a:lvl2pPr marL="685800" indent="-228600" algn="l" defTabSz="914400" rtl="0" eaLnBrk="1" latinLnBrk="0" hangingPunct="1">
+        <a:lnSpc>
+          <a:spcPct val="90000"/>
+        </a:lnSpc>
+        <a:spcBef>
+          <a:spcPts val="500"/>
+        </a:spcBef>
+        <a:buFont typeface="Arial" panose="020B0604020202020204" pitchFamily="34" charset="0"/>
+        <a:buChar char="•"/>
+        <a:defRPr sz="2400" kern="1200">
+          <a:solidFill>
+            <a:schemeClr val="tx1"/>
+          </a:solidFill>
+          <a:latin typeface="+mn-lt"/>
+          <a:ea typeface="+mn-ea"/>
+          <a:cs typeface="+mn-cs"/>
+        </a:defRPr>
+      </a:lvl2pPr>
+      <a:lvl3pPr marL="1143000" indent="-228600" algn="l" defTabSz="914400" rtl="0" eaLnBrk="1" latinLnBrk="0" hangingPunct="1">
+        <a:lnSpc>
+          <a:spcPct val="90000"/>
+        </a:lnSpc>
+        <a:spcBef>
+          <a:spcPts val="500"/>
+        </a:spcBef>
+        <a:buFont typeface="Arial" panose="020B0604020202020204" pitchFamily="34" charset="0"/>
+        <a:buChar char="•"/>
+        <a:defRPr sz="2000" kern="1200">
+          <a:solidFill>
+            <a:schemeClr val="tx1"/>
+          </a:solidFill>
+          <a:latin typeface="+mn-lt"/>
+          <a:ea typeface="+mn-ea"/>
+          <a:cs typeface="+mn-cs"/>
+        </a:defRPr>
+      </a:lvl3pPr>
+      <a:lvl4pPr marL="1600200" indent="-228600" algn="l" defTabSz="914400" rtl="0" eaLnBrk="1" latinLnBrk="0" hangingPunct="1">
+        <a:lnSpc>
+          <a:spcPct val="90000"/>
+        </a:lnSpc>
+        <a:spcBef>
+          <a:spcPts val="500"/>
+        </a:spcBef>
+        <a:buFont typeface="Arial" panose="020B0604020202020204" pitchFamily="34" charset="0"/>
+        <a:buChar char="•"/>
+        <a:defRPr sz="1800" kern="1200">
+          <a:solidFill>
+            <a:schemeClr val="tx1"/>
+          </a:solidFill>
+          <a:latin typeface="+mn-lt"/>
+          <a:ea typeface="+mn-ea"/>
+          <a:cs typeface="+mn-cs"/>
+        </a:defRPr>
+      </a:lvl4pPr>
+      <a:lvl5pPr marL="2057400" indent="-228600" algn="l" defTabSz="914400" rtl="0" eaLnBrk="1" latinLnBrk="0" hangingPunct="1">
+        <a:lnSpc>
+          <a:spcPct val="90000"/>
+        </a:lnSpc>
+        <a:spcBef>
+          <a:spcPts val="500"/>
+        </a:spcBef>
+        <a:buFont typeface="Arial" panose="020B0604020202020204" pitchFamily="34" charset="0"/>
+        <a:buChar char="•"/>
+        <a:defRPr sz="1800" kern="1200">
+          <a:solidFill>
+            <a:schemeClr val="tx1"/>
+          </a:solidFill>
+          <a:latin typeface="+mn-lt"/>
+          <a:ea typeface="+mn-ea"/>
+          <a:cs typeface="+mn-cs"/>
+        </a:defRPr>
+      </a:lvl5pPr>
+      <a:lvl6pPr marL="2514600" indent="-228600" algn="l" defTabSz="914400" rtl="0" eaLnBrk="1" latinLnBrk="0" hangingPunct="1">
+        <a:lnSpc>
+          <a:spcPct val="90000"/>
+        </a:lnSpc>
+        <a:spcBef>
+          <a:spcPts val="500"/>
+        </a:spcBef>
+        <a:buFont typeface="Arial" panose="020B0604020202020204" pitchFamily="34" charset="0"/>
+        <a:buChar char="•"/>
+        <a:defRPr sz="1800" kern="1200">
+          <a:solidFill>
+            <a:schemeClr val="tx1"/>
+          </a:solidFill>
+          <a:latin typeface="+mn-lt"/>
+          <a:ea typeface="+mn-ea"/>
+          <a:cs typeface="+mn-cs"/>
+        </a:defRPr>
+      </a:lvl6pPr>
+      <a:lvl7pPr marL="2971800" indent="-228600" algn="l" defTabSz="914400" rtl="0" eaLnBrk="1" latinLnBrk="0" hangingPunct="1">
+        <a:lnSpc>
+          <a:spcPct val="90000"/>
+        </a:lnSpc>
+        <a:spcBef>
+          <a:spcPts val="500"/>
+        </a:spcBef>
+        <a:buFont typeface="Arial" panose="020B0604020202020204" pitchFamily="34" charset="0"/>
+        <a:buChar char="•"/>
+        <a:defRPr sz="1800" kern="1200">
+          <a:solidFill>
+            <a:schemeClr val="tx1"/>
+          </a:solidFill>
+          <a:latin typeface="+mn-lt"/>
+          <a:ea typeface="+mn-ea"/>
+          <a:cs typeface="+mn-cs"/>
+        </a:defRPr>
+      </a:lvl7pPr>
+      <a:lvl8pPr marL="3429000" indent="-228600" algn="l" defTabSz="914400" rtl="0" eaLnBrk="1" latinLnBrk="0" hangingPunct="1">
+        <a:lnSpc>
+          <a:spcPct val="90000"/>
+        </a:lnSpc>
+        <a:spcBef>
+          <a:spcPts val="500"/>
+        </a:spcBef>
+        <a:buFont typeface="Arial" panose="020B0604020202020204" pitchFamily="34" charset="0"/>
+        <a:buChar char="•"/>
+        <a:defRPr sz="1800" kern="1200">
+          <a:solidFill>
+            <a:schemeClr val="tx1"/>
+          </a:solidFill>
+          <a:latin typeface="+mn-lt"/>
+          <a:ea typeface="+mn-ea"/>
+          <a:cs typeface="+mn-cs"/>
+        </a:defRPr>
+      </a:lvl8pPr>
+      <a:lvl9pPr marL="3886200" indent="-228600" algn="l" defTabSz="914400" rtl="0" eaLnBrk="1" latinLnBrk="0" hangingPunct="1">
+        <a:lnSpc>
+          <a:spcPct val="90000"/>
+        </a:lnSpc>
+        <a:spcBef>
+          <a:spcPts val="500"/>
+        </a:spcBef>
+        <a:buFont typeface="Arial" panose="020B0604020202020204" pitchFamily="34" charset="0"/>
+        <a:buChar char="•"/>
+        <a:defRPr sz="1800" kern="1200">
+          <a:solidFill>
+            <a:schemeClr val="tx1"/>
+          </a:solidFill>
+          <a:latin typeface="+mn-lt"/>
+          <a:ea typeface="+mn-ea"/>
+          <a:cs typeface="+mn-cs"/>
+        </a:defRPr>
+      </a:lvl9pPr>
+    </p:bodyStyle>
+    <p:otherStyle>
+      <a:defPPr>
+        <a:defRPr lang="cs-CZ"/>
+      </a:defPPr>
+      <a:lvl1pPr marL="0" algn="l" defTabSz="914400" rtl="0" eaLnBrk="1" latinLnBrk="0" hangingPunct="1">
+        <a:defRPr sz="1800" kern="1200">
+          <a:solidFill>
+            <a:schemeClr val="tx1"/>
+          </a:solidFill>
+          <a:latin typeface="+mn-lt"/>
+          <a:ea typeface="+mn-ea"/>
+          <a:cs typeface="+mn-cs"/>
+        </a:defRPr>
+      </a:lvl1pPr>
+      <a:lvl2pPr marL="457200" algn="l" defTabSz="914400" rtl="0" eaLnBrk="1" latinLnBrk="0" hangingPunct="1">
+        <a:defRPr sz="1800" kern="1200">
+          <a:solidFill>
+            <a:schemeClr val="tx1"/>
+          </a:solidFill>
+          <a:latin typeface="+mn-lt"/>
+          <a:ea typeface="+mn-ea"/>
+          <a:cs typeface="+mn-cs"/>
+        </a:defRPr>
+      </a:lvl2pPr>
+      <a:lvl3pPr marL="914400" algn="l" defTabSz="914400" rtl="0" eaLnBrk="1" latinLnBrk="0" hangingPunct="1">
+        <a:defRPr sz="1800" kern="1200">
+          <a:solidFill>
+            <a:schemeClr val="tx1"/>
+          </a:solidFill>
+          <a:latin typeface="+mn-lt"/>
+          <a:ea typeface="+mn-ea"/>
+          <a:cs typeface="+mn-cs"/>
+        </a:defRPr>
+      </a:lvl3pPr>
+      <a:lvl4pPr marL="1371600" algn="l" defTabSz="914400" rtl="0" eaLnBrk="1" latinLnBrk="0" hangingPunct="1">
+        <a:defRPr sz="1800" kern="1200">
+          <a:solidFill>
+            <a:schemeClr val="tx1"/>
+          </a:solidFill>
+          <a:latin typeface="+mn-lt"/>
+          <a:ea typeface="+mn-ea"/>
+          <a:cs typeface="+mn-cs"/>
+        </a:defRPr>
+      </a:lvl4pPr>
+      <a:lvl5pPr marL="1828800" algn="l" defTabSz="914400" rtl="0" eaLnBrk="1" latinLnBrk="0" hangingPunct="1">
+        <a:defRPr sz="1800" kern="1200">
+          <a:solidFill>
+            <a:schemeClr val="tx1"/>
+          </a:solidFill>
+          <a:latin typeface="+mn-lt"/>
+          <a:ea typeface="+mn-ea"/>
+          <a:cs typeface="+mn-cs"/>
+        </a:defRPr>
+      </a:lvl5pPr>
+      <a:lvl6pPr marL="2286000" algn="l" defTabSz="914400" rtl="0" eaLnBrk="1" latinLnBrk="0" hangingPunct="1">
+        <a:defRPr sz="1800" kern="1200">
+          <a:solidFill>
+            <a:schemeClr val="tx1"/>
+          </a:solidFill>
+          <a:latin typeface="+mn-lt"/>
+          <a:ea typeface="+mn-ea"/>
+          <a:cs typeface="+mn-cs"/>
+        </a:defRPr>
+      </a:lvl6pPr>
+      <a:lvl7pPr marL="2743200" algn="l" defTabSz="914400" rtl="0" eaLnBrk="1" latinLnBrk="0" hangingPunct="1">
+        <a:defRPr sz="1800" kern="1200">
+          <a:solidFill>
+            <a:schemeClr val="tx1"/>
+          </a:solidFill>
+          <a:latin typeface="+mn-lt"/>
+          <a:ea typeface="+mn-ea"/>
+          <a:cs typeface="+mn-cs"/>
+        </a:defRPr>
+      </a:lvl7pPr>
+      <a:lvl8pPr marL="3200400" algn="l" defTabSz="914400" rtl="0" eaLnBrk="1" latinLnBrk="0" hangingPunct="1">
+        <a:defRPr sz="1800" kern="1200">
+          <a:solidFill>
+            <a:schemeClr val="tx1"/>
+          </a:solidFill>
+          <a:latin typeface="+mn-lt"/>
+          <a:ea typeface="+mn-ea"/>
+          <a:cs typeface="+mn-cs"/>
+        </a:defRPr>
+      </a:lvl8pPr>
+      <a:lvl9pPr marL="3657600" algn="l" defTabSz="914400" rtl="0" eaLnBrk="1" latinLnBrk="0" hangingPunct="1">
+        <a:defRPr sz="1800" kern="1200">
+          <a:solidFill>
+            <a:schemeClr val="tx1"/>
+          </a:solidFill>
+          <a:latin typeface="+mn-lt"/>
+          <a:ea typeface="+mn-ea"/>
+          <a:cs typeface="+mn-cs"/>
+        </a:defRPr>
+      </a:lvl9pPr>
+    </p:otherStyle>
+  </p:txStyles>
 </p:sldMaster>
 </file>
 
 <file path=ppt/slideMasters/slideMaster2.xml><?xml version="1.0" encoding="utf-8"?>
-<p:sldMaster xmlns:a="http://schemas.openxmlformats.org/drawingml/2006/main" xmlns:p="http://schemas.openxmlformats.org/presentationml/2006/main" xmlns:r="http://schemas.openxmlformats.org/officeDocument/2006/relationships" xmlns:p14="http://schemas.microsoft.com/office/powerpoint/2010/main" xmlns:p15="http://schemas.microsoft.com/office/powerpoint/2012/main" xmlns:mc="http://schemas.openxmlformats.org/markup-compatibility/2006">
+<p:sldMaster xmlns:a="http://schemas.openxmlformats.org/drawingml/2006/main" xmlns:r="http://schemas.openxmlformats.org/officeDocument/2006/relationships" xmlns:p="http://schemas.openxmlformats.org/presentationml/2006/main">
   <p:cSld>
     <p:bg>
       <p:bgPr>
         <a:blipFill rotWithShape="0">
-          <a:blip r:embed="rId2"/>
+          <a:blip r:embed="rId14"/>
           <a:stretch>
             <a:fillRect/>
           </a:stretch>
         </a:blipFill>
+        <a:effectLst/>
       </p:bgPr>
     </p:bg>
     <p:spTree>
@@ -4657,10 +5195,11 @@
           </a:prstGeom>
         </p:spPr>
         <p:txBody>
-          <a:bodyPr lIns="0" rIns="0" tIns="0" bIns="0" anchor="ctr"/>
-          <a:p>
-            <a:r>
-              <a:rPr b="0" lang="cs-CZ" sz="1800" spc="-1" strike="noStrike">
+          <a:bodyPr lIns="0" tIns="0" rIns="0" bIns="0" anchor="ctr"/>
+          <a:lstStyle/>
+          <a:p>
+            <a:r>
+              <a:rPr lang="cs-CZ" sz="1800" b="0" strike="noStrike" spc="-1">
                 <a:solidFill>
                   <a:srgbClr val="000000"/>
                 </a:solidFill>
@@ -4668,12 +5207,6 @@
               </a:rPr>
               <a:t>Klikněte pro úpravu formátu textu nadpisu</a:t>
             </a:r>
-            <a:endParaRPr b="0" lang="cs-CZ" sz="1800" spc="-1" strike="noStrike">
-              <a:solidFill>
-                <a:srgbClr val="000000"/>
-              </a:solidFill>
-              <a:latin typeface="Arial"/>
-            </a:endParaRPr>
           </a:p>
         </p:txBody>
       </p:sp>
@@ -4697,9 +5230,10 @@
           </a:prstGeom>
         </p:spPr>
         <p:txBody>
-          <a:bodyPr lIns="0" rIns="0" tIns="0" bIns="0">
+          <a:bodyPr lIns="0" tIns="0" rIns="0" bIns="0">
             <a:normAutofit/>
           </a:bodyPr>
+          <a:lstStyle/>
           <a:p>
             <a:pPr marL="432000" indent="-324000">
               <a:spcBef>
@@ -4713,7 +5247,7 @@
               <a:buChar char=""/>
             </a:pPr>
             <a:r>
-              <a:rPr b="0" lang="cs-CZ" sz="2800" spc="-1" strike="noStrike">
+              <a:rPr lang="cs-CZ" sz="2800" b="0" strike="noStrike" spc="-1">
                 <a:solidFill>
                   <a:srgbClr val="000000"/>
                 </a:solidFill>
@@ -4721,15 +5255,9 @@
               </a:rPr>
               <a:t>Klikněte pro úpravu formátu textu osnovy</a:t>
             </a:r>
-            <a:endParaRPr b="0" lang="cs-CZ" sz="2800" spc="-1" strike="noStrike">
-              <a:solidFill>
-                <a:srgbClr val="000000"/>
-              </a:solidFill>
-              <a:latin typeface="Arial"/>
-            </a:endParaRPr>
-          </a:p>
-          <a:p>
-            <a:pPr lvl="1" marL="864000" indent="-324000">
+          </a:p>
+          <a:p>
+            <a:pPr marL="864000" lvl="1" indent="-324000">
               <a:spcBef>
                 <a:spcPts val="1134"/>
               </a:spcBef>
@@ -4741,7 +5269,7 @@
               <a:buChar char=""/>
             </a:pPr>
             <a:r>
-              <a:rPr b="0" lang="cs-CZ" sz="2000" spc="-1" strike="noStrike">
+              <a:rPr lang="cs-CZ" sz="2000" b="0" strike="noStrike" spc="-1">
                 <a:solidFill>
                   <a:srgbClr val="000000"/>
                 </a:solidFill>
@@ -4749,15 +5277,9 @@
               </a:rPr>
               <a:t>Druhá úroveň</a:t>
             </a:r>
-            <a:endParaRPr b="0" lang="cs-CZ" sz="2000" spc="-1" strike="noStrike">
-              <a:solidFill>
-                <a:srgbClr val="000000"/>
-              </a:solidFill>
-              <a:latin typeface="Arial"/>
-            </a:endParaRPr>
-          </a:p>
-          <a:p>
-            <a:pPr lvl="2" marL="1296000" indent="-288000">
+          </a:p>
+          <a:p>
+            <a:pPr marL="1296000" lvl="2" indent="-288000">
               <a:spcBef>
                 <a:spcPts val="850"/>
               </a:spcBef>
@@ -4769,7 +5291,7 @@
               <a:buChar char=""/>
             </a:pPr>
             <a:r>
-              <a:rPr b="0" lang="cs-CZ" sz="1800" spc="-1" strike="noStrike">
+              <a:rPr lang="cs-CZ" sz="1800" b="0" strike="noStrike" spc="-1">
                 <a:solidFill>
                   <a:srgbClr val="000000"/>
                 </a:solidFill>
@@ -4777,15 +5299,9 @@
               </a:rPr>
               <a:t>Třetí úroveň</a:t>
             </a:r>
-            <a:endParaRPr b="0" lang="cs-CZ" sz="1800" spc="-1" strike="noStrike">
-              <a:solidFill>
-                <a:srgbClr val="000000"/>
-              </a:solidFill>
-              <a:latin typeface="Arial"/>
-            </a:endParaRPr>
-          </a:p>
-          <a:p>
-            <a:pPr lvl="3" marL="1728000" indent="-216000">
+          </a:p>
+          <a:p>
+            <a:pPr marL="1728000" lvl="3" indent="-216000">
               <a:spcBef>
                 <a:spcPts val="567"/>
               </a:spcBef>
@@ -4797,7 +5313,7 @@
               <a:buChar char=""/>
             </a:pPr>
             <a:r>
-              <a:rPr b="0" lang="cs-CZ" sz="1800" spc="-1" strike="noStrike">
+              <a:rPr lang="cs-CZ" sz="1800" b="0" strike="noStrike" spc="-1">
                 <a:solidFill>
                   <a:srgbClr val="000000"/>
                 </a:solidFill>
@@ -4805,15 +5321,9 @@
               </a:rPr>
               <a:t>Čtvrtá úroveň osnovy</a:t>
             </a:r>
-            <a:endParaRPr b="0" lang="cs-CZ" sz="1800" spc="-1" strike="noStrike">
-              <a:solidFill>
-                <a:srgbClr val="000000"/>
-              </a:solidFill>
-              <a:latin typeface="Arial"/>
-            </a:endParaRPr>
-          </a:p>
-          <a:p>
-            <a:pPr lvl="4" marL="2160000" indent="-216000">
+          </a:p>
+          <a:p>
+            <a:pPr marL="2160000" lvl="4" indent="-216000">
               <a:spcBef>
                 <a:spcPts val="283"/>
               </a:spcBef>
@@ -4825,7 +5335,7 @@
               <a:buChar char=""/>
             </a:pPr>
             <a:r>
-              <a:rPr b="0" lang="cs-CZ" sz="2000" spc="-1" strike="noStrike">
+              <a:rPr lang="cs-CZ" sz="2000" b="0" strike="noStrike" spc="-1">
                 <a:solidFill>
                   <a:srgbClr val="000000"/>
                 </a:solidFill>
@@ -4833,15 +5343,9 @@
               </a:rPr>
               <a:t>Pátá úroveň osnovy</a:t>
             </a:r>
-            <a:endParaRPr b="0" lang="cs-CZ" sz="2000" spc="-1" strike="noStrike">
-              <a:solidFill>
-                <a:srgbClr val="000000"/>
-              </a:solidFill>
-              <a:latin typeface="Arial"/>
-            </a:endParaRPr>
-          </a:p>
-          <a:p>
-            <a:pPr lvl="5" marL="2592000" indent="-216000">
+          </a:p>
+          <a:p>
+            <a:pPr marL="2592000" lvl="5" indent="-216000">
               <a:spcBef>
                 <a:spcPts val="283"/>
               </a:spcBef>
@@ -4853,7 +5357,7 @@
               <a:buChar char=""/>
             </a:pPr>
             <a:r>
-              <a:rPr b="0" lang="cs-CZ" sz="2000" spc="-1" strike="noStrike">
+              <a:rPr lang="cs-CZ" sz="2000" b="0" strike="noStrike" spc="-1">
                 <a:solidFill>
                   <a:srgbClr val="000000"/>
                 </a:solidFill>
@@ -4861,15 +5365,9 @@
               </a:rPr>
               <a:t>Šestá úroveň</a:t>
             </a:r>
-            <a:endParaRPr b="0" lang="cs-CZ" sz="2000" spc="-1" strike="noStrike">
-              <a:solidFill>
-                <a:srgbClr val="000000"/>
-              </a:solidFill>
-              <a:latin typeface="Arial"/>
-            </a:endParaRPr>
-          </a:p>
-          <a:p>
-            <a:pPr lvl="6" marL="3024000" indent="-216000">
+          </a:p>
+          <a:p>
+            <a:pPr marL="3024000" lvl="6" indent="-216000">
               <a:spcBef>
                 <a:spcPts val="283"/>
               </a:spcBef>
@@ -4881,7 +5379,7 @@
               <a:buChar char=""/>
             </a:pPr>
             <a:r>
-              <a:rPr b="0" lang="cs-CZ" sz="2000" spc="-1" strike="noStrike">
+              <a:rPr lang="cs-CZ" sz="2000" b="0" strike="noStrike" spc="-1">
                 <a:solidFill>
                   <a:srgbClr val="000000"/>
                 </a:solidFill>
@@ -4889,46 +5387,321 @@
               </a:rPr>
               <a:t>Sedmá úroveň</a:t>
             </a:r>
-            <a:endParaRPr b="0" lang="cs-CZ" sz="2000" spc="-1" strike="noStrike">
-              <a:solidFill>
-                <a:srgbClr val="000000"/>
-              </a:solidFill>
-              <a:latin typeface="Arial"/>
-            </a:endParaRPr>
           </a:p>
         </p:txBody>
       </p:sp>
     </p:spTree>
   </p:cSld>
-  <p:clrMap bg1="lt1" bg2="lt2" tx1="dk1" tx2="dk2" accent1="accent1" accent2="accent2" accent3="accent3" accent4="accent4" accent5="accent5" accent6="accent6" hlink="hlink" folHlink="folHlink"/>
+  <p:clrMap bg1="lt1" tx1="dk1" bg2="lt2" tx2="dk2" accent1="accent1" accent2="accent2" accent3="accent3" accent4="accent4" accent5="accent5" accent6="accent6" hlink="hlink" folHlink="folHlink"/>
   <p:sldLayoutIdLst>
-    <p:sldLayoutId id="2147483662" r:id="rId3"/>
-    <p:sldLayoutId id="2147483663" r:id="rId4"/>
-    <p:sldLayoutId id="2147483664" r:id="rId5"/>
-    <p:sldLayoutId id="2147483665" r:id="rId6"/>
-    <p:sldLayoutId id="2147483666" r:id="rId7"/>
-    <p:sldLayoutId id="2147483667" r:id="rId8"/>
-    <p:sldLayoutId id="2147483668" r:id="rId9"/>
-    <p:sldLayoutId id="2147483669" r:id="rId10"/>
-    <p:sldLayoutId id="2147483670" r:id="rId11"/>
-    <p:sldLayoutId id="2147483671" r:id="rId12"/>
-    <p:sldLayoutId id="2147483672" r:id="rId13"/>
-    <p:sldLayoutId id="2147483673" r:id="rId14"/>
+    <p:sldLayoutId id="2147483662" r:id="rId1"/>
+    <p:sldLayoutId id="2147483663" r:id="rId2"/>
+    <p:sldLayoutId id="2147483664" r:id="rId3"/>
+    <p:sldLayoutId id="2147483665" r:id="rId4"/>
+    <p:sldLayoutId id="2147483666" r:id="rId5"/>
+    <p:sldLayoutId id="2147483667" r:id="rId6"/>
+    <p:sldLayoutId id="2147483668" r:id="rId7"/>
+    <p:sldLayoutId id="2147483669" r:id="rId8"/>
+    <p:sldLayoutId id="2147483670" r:id="rId9"/>
+    <p:sldLayoutId id="2147483671" r:id="rId10"/>
+    <p:sldLayoutId id="2147483672" r:id="rId11"/>
+    <p:sldLayoutId id="2147483673" r:id="rId12"/>
   </p:sldLayoutIdLst>
+  <p:txStyles>
+    <p:titleStyle>
+      <a:lvl1pPr algn="l" defTabSz="914400" rtl="0" eaLnBrk="1" latinLnBrk="0" hangingPunct="1">
+        <a:lnSpc>
+          <a:spcPct val="90000"/>
+        </a:lnSpc>
+        <a:spcBef>
+          <a:spcPct val="0"/>
+        </a:spcBef>
+        <a:buNone/>
+        <a:defRPr sz="4400" kern="1200">
+          <a:solidFill>
+            <a:schemeClr val="tx1"/>
+          </a:solidFill>
+          <a:latin typeface="+mj-lt"/>
+          <a:ea typeface="+mj-ea"/>
+          <a:cs typeface="+mj-cs"/>
+        </a:defRPr>
+      </a:lvl1pPr>
+    </p:titleStyle>
+    <p:bodyStyle>
+      <a:lvl1pPr marL="228600" indent="-228600" algn="l" defTabSz="914400" rtl="0" eaLnBrk="1" latinLnBrk="0" hangingPunct="1">
+        <a:lnSpc>
+          <a:spcPct val="90000"/>
+        </a:lnSpc>
+        <a:spcBef>
+          <a:spcPts val="1000"/>
+        </a:spcBef>
+        <a:buFont typeface="Arial" panose="020B0604020202020204" pitchFamily="34" charset="0"/>
+        <a:buChar char="•"/>
+        <a:defRPr sz="2800" kern="1200">
+          <a:solidFill>
+            <a:schemeClr val="tx1"/>
+          </a:solidFill>
+          <a:latin typeface="+mn-lt"/>
+          <a:ea typeface="+mn-ea"/>
+          <a:cs typeface="+mn-cs"/>
+        </a:defRPr>
+      </a:lvl1pPr>
+      <a:lvl2pPr marL="685800" indent="-228600" algn="l" defTabSz="914400" rtl="0" eaLnBrk="1" latinLnBrk="0" hangingPunct="1">
+        <a:lnSpc>
+          <a:spcPct val="90000"/>
+        </a:lnSpc>
+        <a:spcBef>
+          <a:spcPts val="500"/>
+        </a:spcBef>
+        <a:buFont typeface="Arial" panose="020B0604020202020204" pitchFamily="34" charset="0"/>
+        <a:buChar char="•"/>
+        <a:defRPr sz="2400" kern="1200">
+          <a:solidFill>
+            <a:schemeClr val="tx1"/>
+          </a:solidFill>
+          <a:latin typeface="+mn-lt"/>
+          <a:ea typeface="+mn-ea"/>
+          <a:cs typeface="+mn-cs"/>
+        </a:defRPr>
+      </a:lvl2pPr>
+      <a:lvl3pPr marL="1143000" indent="-228600" algn="l" defTabSz="914400" rtl="0" eaLnBrk="1" latinLnBrk="0" hangingPunct="1">
+        <a:lnSpc>
+          <a:spcPct val="90000"/>
+        </a:lnSpc>
+        <a:spcBef>
+          <a:spcPts val="500"/>
+        </a:spcBef>
+        <a:buFont typeface="Arial" panose="020B0604020202020204" pitchFamily="34" charset="0"/>
+        <a:buChar char="•"/>
+        <a:defRPr sz="2000" kern="1200">
+          <a:solidFill>
+            <a:schemeClr val="tx1"/>
+          </a:solidFill>
+          <a:latin typeface="+mn-lt"/>
+          <a:ea typeface="+mn-ea"/>
+          <a:cs typeface="+mn-cs"/>
+        </a:defRPr>
+      </a:lvl3pPr>
+      <a:lvl4pPr marL="1600200" indent="-228600" algn="l" defTabSz="914400" rtl="0" eaLnBrk="1" latinLnBrk="0" hangingPunct="1">
+        <a:lnSpc>
+          <a:spcPct val="90000"/>
+        </a:lnSpc>
+        <a:spcBef>
+          <a:spcPts val="500"/>
+        </a:spcBef>
+        <a:buFont typeface="Arial" panose="020B0604020202020204" pitchFamily="34" charset="0"/>
+        <a:buChar char="•"/>
+        <a:defRPr sz="1800" kern="1200">
+          <a:solidFill>
+            <a:schemeClr val="tx1"/>
+          </a:solidFill>
+          <a:latin typeface="+mn-lt"/>
+          <a:ea typeface="+mn-ea"/>
+          <a:cs typeface="+mn-cs"/>
+        </a:defRPr>
+      </a:lvl4pPr>
+      <a:lvl5pPr marL="2057400" indent="-228600" algn="l" defTabSz="914400" rtl="0" eaLnBrk="1" latinLnBrk="0" hangingPunct="1">
+        <a:lnSpc>
+          <a:spcPct val="90000"/>
+        </a:lnSpc>
+        <a:spcBef>
+          <a:spcPts val="500"/>
+        </a:spcBef>
+        <a:buFont typeface="Arial" panose="020B0604020202020204" pitchFamily="34" charset="0"/>
+        <a:buChar char="•"/>
+        <a:defRPr sz="1800" kern="1200">
+          <a:solidFill>
+            <a:schemeClr val="tx1"/>
+          </a:solidFill>
+          <a:latin typeface="+mn-lt"/>
+          <a:ea typeface="+mn-ea"/>
+          <a:cs typeface="+mn-cs"/>
+        </a:defRPr>
+      </a:lvl5pPr>
+      <a:lvl6pPr marL="2514600" indent="-228600" algn="l" defTabSz="914400" rtl="0" eaLnBrk="1" latinLnBrk="0" hangingPunct="1">
+        <a:lnSpc>
+          <a:spcPct val="90000"/>
+        </a:lnSpc>
+        <a:spcBef>
+          <a:spcPts val="500"/>
+        </a:spcBef>
+        <a:buFont typeface="Arial" panose="020B0604020202020204" pitchFamily="34" charset="0"/>
+        <a:buChar char="•"/>
+        <a:defRPr sz="1800" kern="1200">
+          <a:solidFill>
+            <a:schemeClr val="tx1"/>
+          </a:solidFill>
+          <a:latin typeface="+mn-lt"/>
+          <a:ea typeface="+mn-ea"/>
+          <a:cs typeface="+mn-cs"/>
+        </a:defRPr>
+      </a:lvl6pPr>
+      <a:lvl7pPr marL="2971800" indent="-228600" algn="l" defTabSz="914400" rtl="0" eaLnBrk="1" latinLnBrk="0" hangingPunct="1">
+        <a:lnSpc>
+          <a:spcPct val="90000"/>
+        </a:lnSpc>
+        <a:spcBef>
+          <a:spcPts val="500"/>
+        </a:spcBef>
+        <a:buFont typeface="Arial" panose="020B0604020202020204" pitchFamily="34" charset="0"/>
+        <a:buChar char="•"/>
+        <a:defRPr sz="1800" kern="1200">
+          <a:solidFill>
+            <a:schemeClr val="tx1"/>
+          </a:solidFill>
+          <a:latin typeface="+mn-lt"/>
+          <a:ea typeface="+mn-ea"/>
+          <a:cs typeface="+mn-cs"/>
+        </a:defRPr>
+      </a:lvl7pPr>
+      <a:lvl8pPr marL="3429000" indent="-228600" algn="l" defTabSz="914400" rtl="0" eaLnBrk="1" latinLnBrk="0" hangingPunct="1">
+        <a:lnSpc>
+          <a:spcPct val="90000"/>
+        </a:lnSpc>
+        <a:spcBef>
+          <a:spcPts val="500"/>
+        </a:spcBef>
+        <a:buFont typeface="Arial" panose="020B0604020202020204" pitchFamily="34" charset="0"/>
+        <a:buChar char="•"/>
+        <a:defRPr sz="1800" kern="1200">
+          <a:solidFill>
+            <a:schemeClr val="tx1"/>
+          </a:solidFill>
+          <a:latin typeface="+mn-lt"/>
+          <a:ea typeface="+mn-ea"/>
+          <a:cs typeface="+mn-cs"/>
+        </a:defRPr>
+      </a:lvl8pPr>
+      <a:lvl9pPr marL="3886200" indent="-228600" algn="l" defTabSz="914400" rtl="0" eaLnBrk="1" latinLnBrk="0" hangingPunct="1">
+        <a:lnSpc>
+          <a:spcPct val="90000"/>
+        </a:lnSpc>
+        <a:spcBef>
+          <a:spcPts val="500"/>
+        </a:spcBef>
+        <a:buFont typeface="Arial" panose="020B0604020202020204" pitchFamily="34" charset="0"/>
+        <a:buChar char="•"/>
+        <a:defRPr sz="1800" kern="1200">
+          <a:solidFill>
+            <a:schemeClr val="tx1"/>
+          </a:solidFill>
+          <a:latin typeface="+mn-lt"/>
+          <a:ea typeface="+mn-ea"/>
+          <a:cs typeface="+mn-cs"/>
+        </a:defRPr>
+      </a:lvl9pPr>
+    </p:bodyStyle>
+    <p:otherStyle>
+      <a:defPPr>
+        <a:defRPr lang="cs-CZ"/>
+      </a:defPPr>
+      <a:lvl1pPr marL="0" algn="l" defTabSz="914400" rtl="0" eaLnBrk="1" latinLnBrk="0" hangingPunct="1">
+        <a:defRPr sz="1800" kern="1200">
+          <a:solidFill>
+            <a:schemeClr val="tx1"/>
+          </a:solidFill>
+          <a:latin typeface="+mn-lt"/>
+          <a:ea typeface="+mn-ea"/>
+          <a:cs typeface="+mn-cs"/>
+        </a:defRPr>
+      </a:lvl1pPr>
+      <a:lvl2pPr marL="457200" algn="l" defTabSz="914400" rtl="0" eaLnBrk="1" latinLnBrk="0" hangingPunct="1">
+        <a:defRPr sz="1800" kern="1200">
+          <a:solidFill>
+            <a:schemeClr val="tx1"/>
+          </a:solidFill>
+          <a:latin typeface="+mn-lt"/>
+          <a:ea typeface="+mn-ea"/>
+          <a:cs typeface="+mn-cs"/>
+        </a:defRPr>
+      </a:lvl2pPr>
+      <a:lvl3pPr marL="914400" algn="l" defTabSz="914400" rtl="0" eaLnBrk="1" latinLnBrk="0" hangingPunct="1">
+        <a:defRPr sz="1800" kern="1200">
+          <a:solidFill>
+            <a:schemeClr val="tx1"/>
+          </a:solidFill>
+          <a:latin typeface="+mn-lt"/>
+          <a:ea typeface="+mn-ea"/>
+          <a:cs typeface="+mn-cs"/>
+        </a:defRPr>
+      </a:lvl3pPr>
+      <a:lvl4pPr marL="1371600" algn="l" defTabSz="914400" rtl="0" eaLnBrk="1" latinLnBrk="0" hangingPunct="1">
+        <a:defRPr sz="1800" kern="1200">
+          <a:solidFill>
+            <a:schemeClr val="tx1"/>
+          </a:solidFill>
+          <a:latin typeface="+mn-lt"/>
+          <a:ea typeface="+mn-ea"/>
+          <a:cs typeface="+mn-cs"/>
+        </a:defRPr>
+      </a:lvl4pPr>
+      <a:lvl5pPr marL="1828800" algn="l" defTabSz="914400" rtl="0" eaLnBrk="1" latinLnBrk="0" hangingPunct="1">
+        <a:defRPr sz="1800" kern="1200">
+          <a:solidFill>
+            <a:schemeClr val="tx1"/>
+          </a:solidFill>
+          <a:latin typeface="+mn-lt"/>
+          <a:ea typeface="+mn-ea"/>
+          <a:cs typeface="+mn-cs"/>
+        </a:defRPr>
+      </a:lvl5pPr>
+      <a:lvl6pPr marL="2286000" algn="l" defTabSz="914400" rtl="0" eaLnBrk="1" latinLnBrk="0" hangingPunct="1">
+        <a:defRPr sz="1800" kern="1200">
+          <a:solidFill>
+            <a:schemeClr val="tx1"/>
+          </a:solidFill>
+          <a:latin typeface="+mn-lt"/>
+          <a:ea typeface="+mn-ea"/>
+          <a:cs typeface="+mn-cs"/>
+        </a:defRPr>
+      </a:lvl6pPr>
+      <a:lvl7pPr marL="2743200" algn="l" defTabSz="914400" rtl="0" eaLnBrk="1" latinLnBrk="0" hangingPunct="1">
+        <a:defRPr sz="1800" kern="1200">
+          <a:solidFill>
+            <a:schemeClr val="tx1"/>
+          </a:solidFill>
+          <a:latin typeface="+mn-lt"/>
+          <a:ea typeface="+mn-ea"/>
+          <a:cs typeface="+mn-cs"/>
+        </a:defRPr>
+      </a:lvl7pPr>
+      <a:lvl8pPr marL="3200400" algn="l" defTabSz="914400" rtl="0" eaLnBrk="1" latinLnBrk="0" hangingPunct="1">
+        <a:defRPr sz="1800" kern="1200">
+          <a:solidFill>
+            <a:schemeClr val="tx1"/>
+          </a:solidFill>
+          <a:latin typeface="+mn-lt"/>
+          <a:ea typeface="+mn-ea"/>
+          <a:cs typeface="+mn-cs"/>
+        </a:defRPr>
+      </a:lvl8pPr>
+      <a:lvl9pPr marL="3657600" algn="l" defTabSz="914400" rtl="0" eaLnBrk="1" latinLnBrk="0" hangingPunct="1">
+        <a:defRPr sz="1800" kern="1200">
+          <a:solidFill>
+            <a:schemeClr val="tx1"/>
+          </a:solidFill>
+          <a:latin typeface="+mn-lt"/>
+          <a:ea typeface="+mn-ea"/>
+          <a:cs typeface="+mn-cs"/>
+        </a:defRPr>
+      </a:lvl9pPr>
+    </p:otherStyle>
+  </p:txStyles>
 </p:sldMaster>
 </file>
 
 <file path=ppt/slideMasters/slideMaster3.xml><?xml version="1.0" encoding="utf-8"?>
-<p:sldMaster xmlns:a="http://schemas.openxmlformats.org/drawingml/2006/main" xmlns:p="http://schemas.openxmlformats.org/presentationml/2006/main" xmlns:r="http://schemas.openxmlformats.org/officeDocument/2006/relationships" xmlns:p14="http://schemas.microsoft.com/office/powerpoint/2010/main" xmlns:p15="http://schemas.microsoft.com/office/powerpoint/2012/main" xmlns:mc="http://schemas.openxmlformats.org/markup-compatibility/2006">
+<p:sldMaster xmlns:a="http://schemas.openxmlformats.org/drawingml/2006/main" xmlns:r="http://schemas.openxmlformats.org/officeDocument/2006/relationships" xmlns:p="http://schemas.openxmlformats.org/presentationml/2006/main">
   <p:cSld>
     <p:bg>
       <p:bgPr>
         <a:blipFill rotWithShape="0">
-          <a:blip r:embed="rId2"/>
+          <a:blip r:embed="rId14"/>
           <a:stretch>
             <a:fillRect/>
           </a:stretch>
         </a:blipFill>
+        <a:effectLst/>
       </p:bgPr>
     </p:bg>
     <p:spTree>
@@ -4965,10 +5738,11 @@
           </a:prstGeom>
         </p:spPr>
         <p:txBody>
-          <a:bodyPr lIns="0" rIns="0" tIns="0" bIns="0" anchor="ctr"/>
-          <a:p>
-            <a:r>
-              <a:rPr b="0" lang="cs-CZ" sz="4400" spc="-1" strike="noStrike">
+          <a:bodyPr lIns="0" tIns="0" rIns="0" bIns="0" anchor="ctr"/>
+          <a:lstStyle/>
+          <a:p>
+            <a:r>
+              <a:rPr lang="cs-CZ" sz="4400" b="0" strike="noStrike" spc="-1">
                 <a:solidFill>
                   <a:srgbClr val="000000"/>
                 </a:solidFill>
@@ -4976,12 +5750,6 @@
               </a:rPr>
               <a:t>Klikněte pro úpravu formátu textu nadpisu</a:t>
             </a:r>
-            <a:endParaRPr b="0" lang="cs-CZ" sz="4400" spc="-1" strike="noStrike">
-              <a:solidFill>
-                <a:srgbClr val="000000"/>
-              </a:solidFill>
-              <a:latin typeface="Arial"/>
-            </a:endParaRPr>
           </a:p>
         </p:txBody>
       </p:sp>
@@ -5005,9 +5773,10 @@
           </a:prstGeom>
         </p:spPr>
         <p:txBody>
-          <a:bodyPr lIns="0" rIns="0" tIns="0" bIns="0">
+          <a:bodyPr lIns="0" tIns="0" rIns="0" bIns="0">
             <a:normAutofit/>
           </a:bodyPr>
+          <a:lstStyle/>
           <a:p>
             <a:pPr marL="432000" indent="-324000">
               <a:spcBef>
@@ -5021,7 +5790,7 @@
               <a:buChar char=""/>
             </a:pPr>
             <a:r>
-              <a:rPr b="0" lang="cs-CZ" sz="2800" spc="-1" strike="noStrike">
+              <a:rPr lang="cs-CZ" sz="2800" b="0" strike="noStrike" spc="-1">
                 <a:solidFill>
                   <a:srgbClr val="000000"/>
                 </a:solidFill>
@@ -5029,15 +5798,9 @@
               </a:rPr>
               <a:t>Klikněte pro úpravu formátu textu osnovy</a:t>
             </a:r>
-            <a:endParaRPr b="0" lang="cs-CZ" sz="2800" spc="-1" strike="noStrike">
-              <a:solidFill>
-                <a:srgbClr val="000000"/>
-              </a:solidFill>
-              <a:latin typeface="Arial"/>
-            </a:endParaRPr>
-          </a:p>
-          <a:p>
-            <a:pPr lvl="1" marL="864000" indent="-324000">
+          </a:p>
+          <a:p>
+            <a:pPr marL="864000" lvl="1" indent="-324000">
               <a:spcBef>
                 <a:spcPts val="1134"/>
               </a:spcBef>
@@ -5049,7 +5812,7 @@
               <a:buChar char=""/>
             </a:pPr>
             <a:r>
-              <a:rPr b="0" lang="cs-CZ" sz="2000" spc="-1" strike="noStrike">
+              <a:rPr lang="cs-CZ" sz="2000" b="0" strike="noStrike" spc="-1">
                 <a:solidFill>
                   <a:srgbClr val="000000"/>
                 </a:solidFill>
@@ -5057,15 +5820,9 @@
               </a:rPr>
               <a:t>Druhá úroveň</a:t>
             </a:r>
-            <a:endParaRPr b="0" lang="cs-CZ" sz="2000" spc="-1" strike="noStrike">
-              <a:solidFill>
-                <a:srgbClr val="000000"/>
-              </a:solidFill>
-              <a:latin typeface="Arial"/>
-            </a:endParaRPr>
-          </a:p>
-          <a:p>
-            <a:pPr lvl="2" marL="1296000" indent="-288000">
+          </a:p>
+          <a:p>
+            <a:pPr marL="1296000" lvl="2" indent="-288000">
               <a:spcBef>
                 <a:spcPts val="850"/>
               </a:spcBef>
@@ -5077,7 +5834,7 @@
               <a:buChar char=""/>
             </a:pPr>
             <a:r>
-              <a:rPr b="0" lang="cs-CZ" sz="1800" spc="-1" strike="noStrike">
+              <a:rPr lang="cs-CZ" sz="1800" b="0" strike="noStrike" spc="-1">
                 <a:solidFill>
                   <a:srgbClr val="000000"/>
                 </a:solidFill>
@@ -5085,15 +5842,9 @@
               </a:rPr>
               <a:t>Třetí úroveň</a:t>
             </a:r>
-            <a:endParaRPr b="0" lang="cs-CZ" sz="1800" spc="-1" strike="noStrike">
-              <a:solidFill>
-                <a:srgbClr val="000000"/>
-              </a:solidFill>
-              <a:latin typeface="Arial"/>
-            </a:endParaRPr>
-          </a:p>
-          <a:p>
-            <a:pPr lvl="3" marL="1728000" indent="-216000">
+          </a:p>
+          <a:p>
+            <a:pPr marL="1728000" lvl="3" indent="-216000">
               <a:spcBef>
                 <a:spcPts val="567"/>
               </a:spcBef>
@@ -5105,7 +5856,7 @@
               <a:buChar char=""/>
             </a:pPr>
             <a:r>
-              <a:rPr b="0" lang="cs-CZ" sz="1800" spc="-1" strike="noStrike">
+              <a:rPr lang="cs-CZ" sz="1800" b="0" strike="noStrike" spc="-1">
                 <a:solidFill>
                   <a:srgbClr val="000000"/>
                 </a:solidFill>
@@ -5113,15 +5864,9 @@
               </a:rPr>
               <a:t>Čtvrtá úroveň osnovy</a:t>
             </a:r>
-            <a:endParaRPr b="0" lang="cs-CZ" sz="1800" spc="-1" strike="noStrike">
-              <a:solidFill>
-                <a:srgbClr val="000000"/>
-              </a:solidFill>
-              <a:latin typeface="Arial"/>
-            </a:endParaRPr>
-          </a:p>
-          <a:p>
-            <a:pPr lvl="4" marL="2160000" indent="-216000">
+          </a:p>
+          <a:p>
+            <a:pPr marL="2160000" lvl="4" indent="-216000">
               <a:spcBef>
                 <a:spcPts val="283"/>
               </a:spcBef>
@@ -5133,7 +5878,7 @@
               <a:buChar char=""/>
             </a:pPr>
             <a:r>
-              <a:rPr b="0" lang="cs-CZ" sz="2000" spc="-1" strike="noStrike">
+              <a:rPr lang="cs-CZ" sz="2000" b="0" strike="noStrike" spc="-1">
                 <a:solidFill>
                   <a:srgbClr val="000000"/>
                 </a:solidFill>
@@ -5141,15 +5886,9 @@
               </a:rPr>
               <a:t>Pátá úroveň osnovy</a:t>
             </a:r>
-            <a:endParaRPr b="0" lang="cs-CZ" sz="2000" spc="-1" strike="noStrike">
-              <a:solidFill>
-                <a:srgbClr val="000000"/>
-              </a:solidFill>
-              <a:latin typeface="Arial"/>
-            </a:endParaRPr>
-          </a:p>
-          <a:p>
-            <a:pPr lvl="5" marL="2592000" indent="-216000">
+          </a:p>
+          <a:p>
+            <a:pPr marL="2592000" lvl="5" indent="-216000">
               <a:spcBef>
                 <a:spcPts val="283"/>
               </a:spcBef>
@@ -5161,7 +5900,7 @@
               <a:buChar char=""/>
             </a:pPr>
             <a:r>
-              <a:rPr b="0" lang="cs-CZ" sz="2000" spc="-1" strike="noStrike">
+              <a:rPr lang="cs-CZ" sz="2000" b="0" strike="noStrike" spc="-1">
                 <a:solidFill>
                   <a:srgbClr val="000000"/>
                 </a:solidFill>
@@ -5169,15 +5908,9 @@
               </a:rPr>
               <a:t>Šestá úroveň</a:t>
             </a:r>
-            <a:endParaRPr b="0" lang="cs-CZ" sz="2000" spc="-1" strike="noStrike">
-              <a:solidFill>
-                <a:srgbClr val="000000"/>
-              </a:solidFill>
-              <a:latin typeface="Arial"/>
-            </a:endParaRPr>
-          </a:p>
-          <a:p>
-            <a:pPr lvl="6" marL="3024000" indent="-216000">
+          </a:p>
+          <a:p>
+            <a:pPr marL="3024000" lvl="6" indent="-216000">
               <a:spcBef>
                 <a:spcPts val="283"/>
               </a:spcBef>
@@ -5189,7 +5922,7 @@
               <a:buChar char=""/>
             </a:pPr>
             <a:r>
-              <a:rPr b="0" lang="cs-CZ" sz="2000" spc="-1" strike="noStrike">
+              <a:rPr lang="cs-CZ" sz="2000" b="0" strike="noStrike" spc="-1">
                 <a:solidFill>
                   <a:srgbClr val="000000"/>
                 </a:solidFill>
@@ -5197,37 +5930,311 @@
               </a:rPr>
               <a:t>Sedmá úroveň</a:t>
             </a:r>
-            <a:endParaRPr b="0" lang="cs-CZ" sz="2000" spc="-1" strike="noStrike">
-              <a:solidFill>
-                <a:srgbClr val="000000"/>
-              </a:solidFill>
-              <a:latin typeface="Arial"/>
-            </a:endParaRPr>
           </a:p>
         </p:txBody>
       </p:sp>
     </p:spTree>
   </p:cSld>
-  <p:clrMap bg1="lt1" bg2="lt2" tx1="dk1" tx2="dk2" accent1="accent1" accent2="accent2" accent3="accent3" accent4="accent4" accent5="accent5" accent6="accent6" hlink="hlink" folHlink="folHlink"/>
+  <p:clrMap bg1="lt1" tx1="dk1" bg2="lt2" tx2="dk2" accent1="accent1" accent2="accent2" accent3="accent3" accent4="accent4" accent5="accent5" accent6="accent6" hlink="hlink" folHlink="folHlink"/>
   <p:sldLayoutIdLst>
-    <p:sldLayoutId id="2147483675" r:id="rId3"/>
-    <p:sldLayoutId id="2147483676" r:id="rId4"/>
-    <p:sldLayoutId id="2147483677" r:id="rId5"/>
-    <p:sldLayoutId id="2147483678" r:id="rId6"/>
-    <p:sldLayoutId id="2147483679" r:id="rId7"/>
-    <p:sldLayoutId id="2147483680" r:id="rId8"/>
-    <p:sldLayoutId id="2147483681" r:id="rId9"/>
-    <p:sldLayoutId id="2147483682" r:id="rId10"/>
-    <p:sldLayoutId id="2147483683" r:id="rId11"/>
-    <p:sldLayoutId id="2147483684" r:id="rId12"/>
-    <p:sldLayoutId id="2147483685" r:id="rId13"/>
-    <p:sldLayoutId id="2147483686" r:id="rId14"/>
+    <p:sldLayoutId id="2147483675" r:id="rId1"/>
+    <p:sldLayoutId id="2147483676" r:id="rId2"/>
+    <p:sldLayoutId id="2147483677" r:id="rId3"/>
+    <p:sldLayoutId id="2147483678" r:id="rId4"/>
+    <p:sldLayoutId id="2147483679" r:id="rId5"/>
+    <p:sldLayoutId id="2147483680" r:id="rId6"/>
+    <p:sldLayoutId id="2147483681" r:id="rId7"/>
+    <p:sldLayoutId id="2147483682" r:id="rId8"/>
+    <p:sldLayoutId id="2147483683" r:id="rId9"/>
+    <p:sldLayoutId id="2147483684" r:id="rId10"/>
+    <p:sldLayoutId id="2147483685" r:id="rId11"/>
+    <p:sldLayoutId id="2147483686" r:id="rId12"/>
   </p:sldLayoutIdLst>
+  <p:txStyles>
+    <p:titleStyle>
+      <a:lvl1pPr algn="l" defTabSz="914400" rtl="0" eaLnBrk="1" latinLnBrk="0" hangingPunct="1">
+        <a:lnSpc>
+          <a:spcPct val="90000"/>
+        </a:lnSpc>
+        <a:spcBef>
+          <a:spcPct val="0"/>
+        </a:spcBef>
+        <a:buNone/>
+        <a:defRPr sz="4400" kern="1200">
+          <a:solidFill>
+            <a:schemeClr val="tx1"/>
+          </a:solidFill>
+          <a:latin typeface="+mj-lt"/>
+          <a:ea typeface="+mj-ea"/>
+          <a:cs typeface="+mj-cs"/>
+        </a:defRPr>
+      </a:lvl1pPr>
+    </p:titleStyle>
+    <p:bodyStyle>
+      <a:lvl1pPr marL="228600" indent="-228600" algn="l" defTabSz="914400" rtl="0" eaLnBrk="1" latinLnBrk="0" hangingPunct="1">
+        <a:lnSpc>
+          <a:spcPct val="90000"/>
+        </a:lnSpc>
+        <a:spcBef>
+          <a:spcPts val="1000"/>
+        </a:spcBef>
+        <a:buFont typeface="Arial" panose="020B0604020202020204" pitchFamily="34" charset="0"/>
+        <a:buChar char="•"/>
+        <a:defRPr sz="2800" kern="1200">
+          <a:solidFill>
+            <a:schemeClr val="tx1"/>
+          </a:solidFill>
+          <a:latin typeface="+mn-lt"/>
+          <a:ea typeface="+mn-ea"/>
+          <a:cs typeface="+mn-cs"/>
+        </a:defRPr>
+      </a:lvl1pPr>
+      <a:lvl2pPr marL="685800" indent="-228600" algn="l" defTabSz="914400" rtl="0" eaLnBrk="1" latinLnBrk="0" hangingPunct="1">
+        <a:lnSpc>
+          <a:spcPct val="90000"/>
+        </a:lnSpc>
+        <a:spcBef>
+          <a:spcPts val="500"/>
+        </a:spcBef>
+        <a:buFont typeface="Arial" panose="020B0604020202020204" pitchFamily="34" charset="0"/>
+        <a:buChar char="•"/>
+        <a:defRPr sz="2400" kern="1200">
+          <a:solidFill>
+            <a:schemeClr val="tx1"/>
+          </a:solidFill>
+          <a:latin typeface="+mn-lt"/>
+          <a:ea typeface="+mn-ea"/>
+          <a:cs typeface="+mn-cs"/>
+        </a:defRPr>
+      </a:lvl2pPr>
+      <a:lvl3pPr marL="1143000" indent="-228600" algn="l" defTabSz="914400" rtl="0" eaLnBrk="1" latinLnBrk="0" hangingPunct="1">
+        <a:lnSpc>
+          <a:spcPct val="90000"/>
+        </a:lnSpc>
+        <a:spcBef>
+          <a:spcPts val="500"/>
+        </a:spcBef>
+        <a:buFont typeface="Arial" panose="020B0604020202020204" pitchFamily="34" charset="0"/>
+        <a:buChar char="•"/>
+        <a:defRPr sz="2000" kern="1200">
+          <a:solidFill>
+            <a:schemeClr val="tx1"/>
+          </a:solidFill>
+          <a:latin typeface="+mn-lt"/>
+          <a:ea typeface="+mn-ea"/>
+          <a:cs typeface="+mn-cs"/>
+        </a:defRPr>
+      </a:lvl3pPr>
+      <a:lvl4pPr marL="1600200" indent="-228600" algn="l" defTabSz="914400" rtl="0" eaLnBrk="1" latinLnBrk="0" hangingPunct="1">
+        <a:lnSpc>
+          <a:spcPct val="90000"/>
+        </a:lnSpc>
+        <a:spcBef>
+          <a:spcPts val="500"/>
+        </a:spcBef>
+        <a:buFont typeface="Arial" panose="020B0604020202020204" pitchFamily="34" charset="0"/>
+        <a:buChar char="•"/>
+        <a:defRPr sz="1800" kern="1200">
+          <a:solidFill>
+            <a:schemeClr val="tx1"/>
+          </a:solidFill>
+          <a:latin typeface="+mn-lt"/>
+          <a:ea typeface="+mn-ea"/>
+          <a:cs typeface="+mn-cs"/>
+        </a:defRPr>
+      </a:lvl4pPr>
+      <a:lvl5pPr marL="2057400" indent="-228600" algn="l" defTabSz="914400" rtl="0" eaLnBrk="1" latinLnBrk="0" hangingPunct="1">
+        <a:lnSpc>
+          <a:spcPct val="90000"/>
+        </a:lnSpc>
+        <a:spcBef>
+          <a:spcPts val="500"/>
+        </a:spcBef>
+        <a:buFont typeface="Arial" panose="020B0604020202020204" pitchFamily="34" charset="0"/>
+        <a:buChar char="•"/>
+        <a:defRPr sz="1800" kern="1200">
+          <a:solidFill>
+            <a:schemeClr val="tx1"/>
+          </a:solidFill>
+          <a:latin typeface="+mn-lt"/>
+          <a:ea typeface="+mn-ea"/>
+          <a:cs typeface="+mn-cs"/>
+        </a:defRPr>
+      </a:lvl5pPr>
+      <a:lvl6pPr marL="2514600" indent="-228600" algn="l" defTabSz="914400" rtl="0" eaLnBrk="1" latinLnBrk="0" hangingPunct="1">
+        <a:lnSpc>
+          <a:spcPct val="90000"/>
+        </a:lnSpc>
+        <a:spcBef>
+          <a:spcPts val="500"/>
+        </a:spcBef>
+        <a:buFont typeface="Arial" panose="020B0604020202020204" pitchFamily="34" charset="0"/>
+        <a:buChar char="•"/>
+        <a:defRPr sz="1800" kern="1200">
+          <a:solidFill>
+            <a:schemeClr val="tx1"/>
+          </a:solidFill>
+          <a:latin typeface="+mn-lt"/>
+          <a:ea typeface="+mn-ea"/>
+          <a:cs typeface="+mn-cs"/>
+        </a:defRPr>
+      </a:lvl6pPr>
+      <a:lvl7pPr marL="2971800" indent="-228600" algn="l" defTabSz="914400" rtl="0" eaLnBrk="1" latinLnBrk="0" hangingPunct="1">
+        <a:lnSpc>
+          <a:spcPct val="90000"/>
+        </a:lnSpc>
+        <a:spcBef>
+          <a:spcPts val="500"/>
+        </a:spcBef>
+        <a:buFont typeface="Arial" panose="020B0604020202020204" pitchFamily="34" charset="0"/>
+        <a:buChar char="•"/>
+        <a:defRPr sz="1800" kern="1200">
+          <a:solidFill>
+            <a:schemeClr val="tx1"/>
+          </a:solidFill>
+          <a:latin typeface="+mn-lt"/>
+          <a:ea typeface="+mn-ea"/>
+          <a:cs typeface="+mn-cs"/>
+        </a:defRPr>
+      </a:lvl7pPr>
+      <a:lvl8pPr marL="3429000" indent="-228600" algn="l" defTabSz="914400" rtl="0" eaLnBrk="1" latinLnBrk="0" hangingPunct="1">
+        <a:lnSpc>
+          <a:spcPct val="90000"/>
+        </a:lnSpc>
+        <a:spcBef>
+          <a:spcPts val="500"/>
+        </a:spcBef>
+        <a:buFont typeface="Arial" panose="020B0604020202020204" pitchFamily="34" charset="0"/>
+        <a:buChar char="•"/>
+        <a:defRPr sz="1800" kern="1200">
+          <a:solidFill>
+            <a:schemeClr val="tx1"/>
+          </a:solidFill>
+          <a:latin typeface="+mn-lt"/>
+          <a:ea typeface="+mn-ea"/>
+          <a:cs typeface="+mn-cs"/>
+        </a:defRPr>
+      </a:lvl8pPr>
+      <a:lvl9pPr marL="3886200" indent="-228600" algn="l" defTabSz="914400" rtl="0" eaLnBrk="1" latinLnBrk="0" hangingPunct="1">
+        <a:lnSpc>
+          <a:spcPct val="90000"/>
+        </a:lnSpc>
+        <a:spcBef>
+          <a:spcPts val="500"/>
+        </a:spcBef>
+        <a:buFont typeface="Arial" panose="020B0604020202020204" pitchFamily="34" charset="0"/>
+        <a:buChar char="•"/>
+        <a:defRPr sz="1800" kern="1200">
+          <a:solidFill>
+            <a:schemeClr val="tx1"/>
+          </a:solidFill>
+          <a:latin typeface="+mn-lt"/>
+          <a:ea typeface="+mn-ea"/>
+          <a:cs typeface="+mn-cs"/>
+        </a:defRPr>
+      </a:lvl9pPr>
+    </p:bodyStyle>
+    <p:otherStyle>
+      <a:defPPr>
+        <a:defRPr lang="cs-CZ"/>
+      </a:defPPr>
+      <a:lvl1pPr marL="0" algn="l" defTabSz="914400" rtl="0" eaLnBrk="1" latinLnBrk="0" hangingPunct="1">
+        <a:defRPr sz="1800" kern="1200">
+          <a:solidFill>
+            <a:schemeClr val="tx1"/>
+          </a:solidFill>
+          <a:latin typeface="+mn-lt"/>
+          <a:ea typeface="+mn-ea"/>
+          <a:cs typeface="+mn-cs"/>
+        </a:defRPr>
+      </a:lvl1pPr>
+      <a:lvl2pPr marL="457200" algn="l" defTabSz="914400" rtl="0" eaLnBrk="1" latinLnBrk="0" hangingPunct="1">
+        <a:defRPr sz="1800" kern="1200">
+          <a:solidFill>
+            <a:schemeClr val="tx1"/>
+          </a:solidFill>
+          <a:latin typeface="+mn-lt"/>
+          <a:ea typeface="+mn-ea"/>
+          <a:cs typeface="+mn-cs"/>
+        </a:defRPr>
+      </a:lvl2pPr>
+      <a:lvl3pPr marL="914400" algn="l" defTabSz="914400" rtl="0" eaLnBrk="1" latinLnBrk="0" hangingPunct="1">
+        <a:defRPr sz="1800" kern="1200">
+          <a:solidFill>
+            <a:schemeClr val="tx1"/>
+          </a:solidFill>
+          <a:latin typeface="+mn-lt"/>
+          <a:ea typeface="+mn-ea"/>
+          <a:cs typeface="+mn-cs"/>
+        </a:defRPr>
+      </a:lvl3pPr>
+      <a:lvl4pPr marL="1371600" algn="l" defTabSz="914400" rtl="0" eaLnBrk="1" latinLnBrk="0" hangingPunct="1">
+        <a:defRPr sz="1800" kern="1200">
+          <a:solidFill>
+            <a:schemeClr val="tx1"/>
+          </a:solidFill>
+          <a:latin typeface="+mn-lt"/>
+          <a:ea typeface="+mn-ea"/>
+          <a:cs typeface="+mn-cs"/>
+        </a:defRPr>
+      </a:lvl4pPr>
+      <a:lvl5pPr marL="1828800" algn="l" defTabSz="914400" rtl="0" eaLnBrk="1" latinLnBrk="0" hangingPunct="1">
+        <a:defRPr sz="1800" kern="1200">
+          <a:solidFill>
+            <a:schemeClr val="tx1"/>
+          </a:solidFill>
+          <a:latin typeface="+mn-lt"/>
+          <a:ea typeface="+mn-ea"/>
+          <a:cs typeface="+mn-cs"/>
+        </a:defRPr>
+      </a:lvl5pPr>
+      <a:lvl6pPr marL="2286000" algn="l" defTabSz="914400" rtl="0" eaLnBrk="1" latinLnBrk="0" hangingPunct="1">
+        <a:defRPr sz="1800" kern="1200">
+          <a:solidFill>
+            <a:schemeClr val="tx1"/>
+          </a:solidFill>
+          <a:latin typeface="+mn-lt"/>
+          <a:ea typeface="+mn-ea"/>
+          <a:cs typeface="+mn-cs"/>
+        </a:defRPr>
+      </a:lvl6pPr>
+      <a:lvl7pPr marL="2743200" algn="l" defTabSz="914400" rtl="0" eaLnBrk="1" latinLnBrk="0" hangingPunct="1">
+        <a:defRPr sz="1800" kern="1200">
+          <a:solidFill>
+            <a:schemeClr val="tx1"/>
+          </a:solidFill>
+          <a:latin typeface="+mn-lt"/>
+          <a:ea typeface="+mn-ea"/>
+          <a:cs typeface="+mn-cs"/>
+        </a:defRPr>
+      </a:lvl7pPr>
+      <a:lvl8pPr marL="3200400" algn="l" defTabSz="914400" rtl="0" eaLnBrk="1" latinLnBrk="0" hangingPunct="1">
+        <a:defRPr sz="1800" kern="1200">
+          <a:solidFill>
+            <a:schemeClr val="tx1"/>
+          </a:solidFill>
+          <a:latin typeface="+mn-lt"/>
+          <a:ea typeface="+mn-ea"/>
+          <a:cs typeface="+mn-cs"/>
+        </a:defRPr>
+      </a:lvl8pPr>
+      <a:lvl9pPr marL="3657600" algn="l" defTabSz="914400" rtl="0" eaLnBrk="1" latinLnBrk="0" hangingPunct="1">
+        <a:defRPr sz="1800" kern="1200">
+          <a:solidFill>
+            <a:schemeClr val="tx1"/>
+          </a:solidFill>
+          <a:latin typeface="+mn-lt"/>
+          <a:ea typeface="+mn-ea"/>
+          <a:cs typeface="+mn-cs"/>
+        </a:defRPr>
+      </a:lvl9pPr>
+    </p:otherStyle>
+  </p:txStyles>
 </p:sldMaster>
 </file>
 
 <file path=ppt/slides/slide1.xml><?xml version="1.0" encoding="utf-8"?>
-<p:sld xmlns:a="http://schemas.openxmlformats.org/drawingml/2006/main" xmlns:p="http://schemas.openxmlformats.org/presentationml/2006/main" xmlns:r="http://schemas.openxmlformats.org/officeDocument/2006/relationships" xmlns:p14="http://schemas.microsoft.com/office/powerpoint/2010/main" xmlns:p15="http://schemas.microsoft.com/office/powerpoint/2012/main" xmlns:mc="http://schemas.openxmlformats.org/markup-compatibility/2006">
+<p:sld xmlns:a="http://schemas.openxmlformats.org/drawingml/2006/main" xmlns:r="http://schemas.openxmlformats.org/officeDocument/2006/relationships" xmlns:p="http://schemas.openxmlformats.org/presentationml/2006/main">
   <p:cSld>
     <p:spTree>
       <p:nvGrpSpPr>
@@ -5263,15 +6270,22 @@
           </a:ln>
         </p:spPr>
         <p:style>
-          <a:lnRef idx="0"/>
-          <a:fillRef idx="0"/>
-          <a:effectRef idx="0"/>
+          <a:lnRef idx="0">
+            <a:scrgbClr r="0" g="0" b="0"/>
+          </a:lnRef>
+          <a:fillRef idx="0">
+            <a:scrgbClr r="0" g="0" b="0"/>
+          </a:fillRef>
+          <a:effectRef idx="0">
+            <a:scrgbClr r="0" g="0" b="0"/>
+          </a:effectRef>
           <a:fontRef idx="minor"/>
         </p:style>
         <p:txBody>
-          <a:bodyPr lIns="0" rIns="0" tIns="0" bIns="0" anchor="ctr">
+          <a:bodyPr lIns="0" tIns="0" rIns="0" bIns="0" anchor="ctr">
             <a:normAutofit/>
           </a:bodyPr>
+          <a:lstStyle/>
           <a:p>
             <a:pPr algn="ctr">
               <a:lnSpc>
@@ -5279,16 +6293,16 @@
               </a:lnSpc>
             </a:pPr>
             <a:r>
-              <a:rPr b="0" lang="cs-CZ" sz="4400" spc="-1" strike="noStrike">
-                <a:solidFill>
-                  <a:srgbClr val="ffffff"/>
+              <a:rPr lang="cs-CZ" sz="4400" b="0" strike="noStrike" spc="-1">
+                <a:solidFill>
+                  <a:srgbClr val="FFFFFF"/>
                 </a:solidFill>
                 <a:latin typeface="Ubuntu"/>
                 <a:ea typeface="DejaVu Sans"/>
               </a:rPr>
               <a:t>6-1 Periferie – tříbarevná dioda</a:t>
             </a:r>
-            <a:endParaRPr b="0" lang="cs-CZ" sz="4400" spc="-1" strike="noStrike">
+            <a:endParaRPr lang="cs-CZ" sz="4400" b="0" strike="noStrike" spc="-1">
               <a:latin typeface="Arial"/>
             </a:endParaRPr>
           </a:p>
@@ -5314,13 +6328,20 @@
           </a:ln>
         </p:spPr>
         <p:style>
-          <a:lnRef idx="0"/>
-          <a:fillRef idx="0"/>
-          <a:effectRef idx="0"/>
+          <a:lnRef idx="0">
+            <a:scrgbClr r="0" g="0" b="0"/>
+          </a:lnRef>
+          <a:fillRef idx="0">
+            <a:scrgbClr r="0" g="0" b="0"/>
+          </a:fillRef>
+          <a:effectRef idx="0">
+            <a:scrgbClr r="0" g="0" b="0"/>
+          </a:effectRef>
           <a:fontRef idx="minor"/>
         </p:style>
         <p:txBody>
-          <a:bodyPr lIns="90000" rIns="90000" tIns="45000" bIns="45000"/>
+          <a:bodyPr lIns="90000" tIns="45000" rIns="90000" bIns="45000"/>
+          <a:lstStyle/>
           <a:p>
             <a:pPr>
               <a:lnSpc>
@@ -5328,7 +6349,7 @@
               </a:lnSpc>
             </a:pPr>
             <a:r>
-              <a:rPr b="0" lang="cs-CZ" sz="6000" spc="-1" strike="noStrike">
+              <a:rPr lang="cs-CZ" sz="6000" b="0" strike="noStrike" spc="-1">
                 <a:solidFill>
                   <a:srgbClr val="000000"/>
                 </a:solidFill>
@@ -5337,7 +6358,7 @@
               </a:rPr>
               <a:t>PRIM – Micro:bit</a:t>
             </a:r>
-            <a:endParaRPr b="0" lang="cs-CZ" sz="6000" spc="-1" strike="noStrike">
+            <a:endParaRPr lang="cs-CZ" sz="6000" b="0" strike="noStrike" spc="-1">
               <a:latin typeface="Arial"/>
             </a:endParaRPr>
           </a:p>
@@ -5345,6 +6366,9 @@
       </p:sp>
     </p:spTree>
   </p:cSld>
+  <p:clrMapOvr>
+    <a:masterClrMapping/>
+  </p:clrMapOvr>
   <p:timing>
     <p:tnLst>
       <p:par>
@@ -5353,14 +6377,14 @@
             <p:seq>
               <p:cTn id="2" dur="indefinite" nodeType="mainSeq"/>
               <p:prevCondLst>
-                <p:cond delay="0" evt="onPrev">
+                <p:cond evt="onPrev" delay="0">
                   <p:tgtEl>
                     <p:sldTgt/>
                   </p:tgtEl>
                 </p:cond>
               </p:prevCondLst>
               <p:nextCondLst>
-                <p:cond delay="0" evt="onNext">
+                <p:cond evt="onNext" delay="0">
                   <p:tgtEl>
                     <p:sldTgt/>
                   </p:tgtEl>
@@ -5376,7 +6400,7 @@
 </file>
 
 <file path=ppt/slides/slide2.xml><?xml version="1.0" encoding="utf-8"?>
-<p:sld xmlns:a="http://schemas.openxmlformats.org/drawingml/2006/main" xmlns:p="http://schemas.openxmlformats.org/presentationml/2006/main" xmlns:r="http://schemas.openxmlformats.org/officeDocument/2006/relationships" xmlns:p14="http://schemas.microsoft.com/office/powerpoint/2010/main" xmlns:p15="http://schemas.microsoft.com/office/powerpoint/2012/main" xmlns:mc="http://schemas.openxmlformats.org/markup-compatibility/2006">
+<p:sld xmlns:a="http://schemas.openxmlformats.org/drawingml/2006/main" xmlns:r="http://schemas.openxmlformats.org/officeDocument/2006/relationships" xmlns:p="http://schemas.openxmlformats.org/presentationml/2006/main">
   <p:cSld>
     <p:spTree>
       <p:nvGrpSpPr>
@@ -5412,13 +6436,20 @@
           </a:ln>
         </p:spPr>
         <p:style>
-          <a:lnRef idx="0"/>
-          <a:fillRef idx="0"/>
-          <a:effectRef idx="0"/>
+          <a:lnRef idx="0">
+            <a:scrgbClr r="0" g="0" b="0"/>
+          </a:lnRef>
+          <a:fillRef idx="0">
+            <a:scrgbClr r="0" g="0" b="0"/>
+          </a:fillRef>
+          <a:effectRef idx="0">
+            <a:scrgbClr r="0" g="0" b="0"/>
+          </a:effectRef>
           <a:fontRef idx="minor"/>
         </p:style>
         <p:txBody>
-          <a:bodyPr lIns="0" rIns="0" tIns="0" bIns="0" anchor="ctr"/>
+          <a:bodyPr lIns="0" tIns="0" rIns="0" bIns="0" anchor="ctr"/>
+          <a:lstStyle/>
           <a:p>
             <a:pPr algn="ctr">
               <a:lnSpc>
@@ -5426,7 +6457,7 @@
               </a:lnSpc>
             </a:pPr>
             <a:r>
-              <a:rPr b="0" lang="cs-CZ" sz="4400" spc="-1" strike="noStrike">
+              <a:rPr lang="cs-CZ" sz="4400" b="0" strike="noStrike" spc="-1">
                 <a:solidFill>
                   <a:srgbClr val="000000"/>
                 </a:solidFill>
@@ -5435,7 +6466,7 @@
               </a:rPr>
               <a:t>Základní pojmy periférií</a:t>
             </a:r>
-            <a:endParaRPr b="0" lang="cs-CZ" sz="4400" spc="-1" strike="noStrike">
+            <a:endParaRPr lang="cs-CZ" sz="4400" b="0" strike="noStrike" spc="-1">
               <a:latin typeface="Arial"/>
             </a:endParaRPr>
           </a:p>
@@ -5461,15 +6492,22 @@
           </a:ln>
         </p:spPr>
         <p:style>
-          <a:lnRef idx="0"/>
-          <a:fillRef idx="0"/>
-          <a:effectRef idx="0"/>
+          <a:lnRef idx="0">
+            <a:scrgbClr r="0" g="0" b="0"/>
+          </a:lnRef>
+          <a:fillRef idx="0">
+            <a:scrgbClr r="0" g="0" b="0"/>
+          </a:fillRef>
+          <a:effectRef idx="0">
+            <a:scrgbClr r="0" g="0" b="0"/>
+          </a:effectRef>
           <a:fontRef idx="minor"/>
         </p:style>
         <p:txBody>
-          <a:bodyPr lIns="0" rIns="0" tIns="0" bIns="0">
+          <a:bodyPr lIns="0" tIns="0" rIns="0" bIns="0">
             <a:normAutofit/>
           </a:bodyPr>
+          <a:lstStyle/>
           <a:p>
             <a:pPr marL="457200" indent="-456840">
               <a:lnSpc>
@@ -5482,7 +6520,7 @@
               <a:buChar char="•"/>
             </a:pPr>
             <a:r>
-              <a:rPr b="0" lang="cs-CZ" sz="3200" spc="-1" strike="noStrike">
+              <a:rPr lang="cs-CZ" sz="3200" b="0" strike="noStrike" spc="-1">
                 <a:solidFill>
                   <a:srgbClr val="000000"/>
                 </a:solidFill>
@@ -5491,12 +6529,12 @@
               </a:rPr>
               <a:t>Periférie dělíme</a:t>
             </a:r>
-            <a:endParaRPr b="0" lang="cs-CZ" sz="3200" spc="-1" strike="noStrike">
-              <a:latin typeface="Arial"/>
-            </a:endParaRPr>
-          </a:p>
-          <a:p>
-            <a:pPr lvl="1" marL="914400" indent="-456840">
+            <a:endParaRPr lang="cs-CZ" sz="3200" b="0" strike="noStrike" spc="-1">
+              <a:latin typeface="Arial"/>
+            </a:endParaRPr>
+          </a:p>
+          <a:p>
+            <a:pPr marL="914400" lvl="1" indent="-456840">
               <a:lnSpc>
                 <a:spcPct val="100000"/>
               </a:lnSpc>
@@ -5507,7 +6545,7 @@
               <a:buChar char="•"/>
             </a:pPr>
             <a:r>
-              <a:rPr b="0" lang="cs-CZ" sz="3200" spc="-1" strike="noStrike">
+              <a:rPr lang="cs-CZ" sz="3200" b="0" strike="noStrike" spc="-1">
                 <a:solidFill>
                   <a:srgbClr val="000000"/>
                 </a:solidFill>
@@ -5516,12 +6554,12 @@
               </a:rPr>
               <a:t>Vstupní – čidla, tlačítko ...</a:t>
             </a:r>
-            <a:endParaRPr b="0" lang="cs-CZ" sz="3200" spc="-1" strike="noStrike">
-              <a:latin typeface="Arial"/>
-            </a:endParaRPr>
-          </a:p>
-          <a:p>
-            <a:pPr lvl="1" marL="914400" indent="-456840">
+            <a:endParaRPr lang="cs-CZ" sz="3200" b="0" strike="noStrike" spc="-1">
+              <a:latin typeface="Arial"/>
+            </a:endParaRPr>
+          </a:p>
+          <a:p>
+            <a:pPr marL="914400" lvl="1" indent="-456840">
               <a:lnSpc>
                 <a:spcPct val="100000"/>
               </a:lnSpc>
@@ -5532,7 +6570,7 @@
               <a:buChar char="•"/>
             </a:pPr>
             <a:r>
-              <a:rPr b="0" lang="cs-CZ" sz="3200" spc="-1" strike="noStrike">
+              <a:rPr lang="cs-CZ" sz="3200" b="0" strike="noStrike" spc="-1">
                 <a:solidFill>
                   <a:srgbClr val="000000"/>
                 </a:solidFill>
@@ -5541,12 +6579,12 @@
               </a:rPr>
               <a:t>Výstupní – diody, reproduktor ...</a:t>
             </a:r>
-            <a:endParaRPr b="0" lang="cs-CZ" sz="3200" spc="-1" strike="noStrike">
-              <a:latin typeface="Arial"/>
-            </a:endParaRPr>
-          </a:p>
-          <a:p>
-            <a:pPr lvl="1" marL="914400" indent="-456840">
+            <a:endParaRPr lang="cs-CZ" sz="3200" b="0" strike="noStrike" spc="-1">
+              <a:latin typeface="Arial"/>
+            </a:endParaRPr>
+          </a:p>
+          <a:p>
+            <a:pPr marL="914400" lvl="1" indent="-456840">
               <a:lnSpc>
                 <a:spcPct val="100000"/>
               </a:lnSpc>
@@ -5557,7 +6595,7 @@
               <a:buChar char="•"/>
             </a:pPr>
             <a:r>
-              <a:rPr b="0" lang="cs-CZ" sz="3200" spc="-1" strike="noStrike">
+              <a:rPr lang="cs-CZ" sz="3200" b="0" strike="noStrike" spc="-1">
                 <a:solidFill>
                   <a:srgbClr val="000000"/>
                 </a:solidFill>
@@ -5566,7 +6604,7 @@
               </a:rPr>
               <a:t>Vstupně – výstupní – např. paměťové karty (zde nepoužito)</a:t>
             </a:r>
-            <a:endParaRPr b="0" lang="cs-CZ" sz="3200" spc="-1" strike="noStrike">
+            <a:endParaRPr lang="cs-CZ" sz="3200" b="0" strike="noStrike" spc="-1">
               <a:latin typeface="Arial"/>
             </a:endParaRPr>
           </a:p>
@@ -5582,7 +6620,7 @@
               <a:buChar char="•"/>
             </a:pPr>
             <a:r>
-              <a:rPr b="0" lang="cs-CZ" sz="3200" spc="-1" strike="noStrike">
+              <a:rPr lang="cs-CZ" sz="3200" b="0" strike="noStrike" spc="-1">
                 <a:solidFill>
                   <a:srgbClr val="000000"/>
                 </a:solidFill>
@@ -5591,12 +6629,12 @@
               </a:rPr>
               <a:t>Dle druhu toku dat</a:t>
             </a:r>
-            <a:endParaRPr b="0" lang="cs-CZ" sz="3200" spc="-1" strike="noStrike">
-              <a:latin typeface="Arial"/>
-            </a:endParaRPr>
-          </a:p>
-          <a:p>
-            <a:pPr lvl="1" marL="914400" indent="-456840">
+            <a:endParaRPr lang="cs-CZ" sz="3200" b="0" strike="noStrike" spc="-1">
+              <a:latin typeface="Arial"/>
+            </a:endParaRPr>
+          </a:p>
+          <a:p>
+            <a:pPr marL="914400" lvl="1" indent="-456840">
               <a:lnSpc>
                 <a:spcPct val="100000"/>
               </a:lnSpc>
@@ -5607,7 +6645,7 @@
               <a:buChar char="•"/>
             </a:pPr>
             <a:r>
-              <a:rPr b="0" lang="cs-CZ" sz="3200" spc="-1" strike="noStrike">
+              <a:rPr lang="cs-CZ" sz="3200" b="0" strike="noStrike" spc="-1">
                 <a:solidFill>
                   <a:srgbClr val="000000"/>
                 </a:solidFill>
@@ -5616,12 +6654,12 @@
               </a:rPr>
               <a:t>Digitální</a:t>
             </a:r>
-            <a:endParaRPr b="0" lang="cs-CZ" sz="3200" spc="-1" strike="noStrike">
-              <a:latin typeface="Arial"/>
-            </a:endParaRPr>
-          </a:p>
-          <a:p>
-            <a:pPr lvl="1" marL="914400" indent="-456840">
+            <a:endParaRPr lang="cs-CZ" sz="3200" b="0" strike="noStrike" spc="-1">
+              <a:latin typeface="Arial"/>
+            </a:endParaRPr>
+          </a:p>
+          <a:p>
+            <a:pPr marL="914400" lvl="1" indent="-456840">
               <a:lnSpc>
                 <a:spcPct val="100000"/>
               </a:lnSpc>
@@ -5632,7 +6670,7 @@
               <a:buChar char="•"/>
             </a:pPr>
             <a:r>
-              <a:rPr b="0" lang="cs-CZ" sz="3200" spc="-1" strike="noStrike">
+              <a:rPr lang="cs-CZ" sz="3200" b="0" strike="noStrike" spc="-1">
                 <a:solidFill>
                   <a:srgbClr val="000000"/>
                 </a:solidFill>
@@ -5641,7 +6679,7 @@
               </a:rPr>
               <a:t>Analogové</a:t>
             </a:r>
-            <a:endParaRPr b="0" lang="cs-CZ" sz="3200" spc="-1" strike="noStrike">
+            <a:endParaRPr lang="cs-CZ" sz="3200" b="0" strike="noStrike" spc="-1">
               <a:latin typeface="Arial"/>
             </a:endParaRPr>
           </a:p>
@@ -5651,7 +6689,7 @@
                 <a:spcPct val="100000"/>
               </a:lnSpc>
             </a:pPr>
-            <a:endParaRPr b="0" lang="cs-CZ" sz="3200" spc="-1" strike="noStrike">
+            <a:endParaRPr lang="cs-CZ" sz="3200" b="0" strike="noStrike" spc="-1">
               <a:latin typeface="Arial"/>
             </a:endParaRPr>
           </a:p>
@@ -5659,22 +6697,25 @@
       </p:sp>
     </p:spTree>
   </p:cSld>
+  <p:clrMapOvr>
+    <a:masterClrMapping/>
+  </p:clrMapOvr>
   <p:timing>
     <p:tnLst>
       <p:par>
-        <p:cTn id="3" dur="indefinite" restart="never" nodeType="tmRoot">
+        <p:cTn id="1" dur="indefinite" restart="never" nodeType="tmRoot">
           <p:childTnLst>
             <p:seq>
-              <p:cTn id="4" dur="indefinite" nodeType="mainSeq"/>
+              <p:cTn id="2" dur="indefinite" nodeType="mainSeq"/>
               <p:prevCondLst>
-                <p:cond delay="0" evt="onPrev">
+                <p:cond evt="onPrev" delay="0">
                   <p:tgtEl>
                     <p:sldTgt/>
                   </p:tgtEl>
                 </p:cond>
               </p:prevCondLst>
               <p:nextCondLst>
-                <p:cond delay="0" evt="onNext">
+                <p:cond evt="onNext" delay="0">
                   <p:tgtEl>
                     <p:sldTgt/>
                   </p:tgtEl>
@@ -5690,7 +6731,7 @@
 </file>
 
 <file path=ppt/slides/slide3.xml><?xml version="1.0" encoding="utf-8"?>
-<p:sld xmlns:a="http://schemas.openxmlformats.org/drawingml/2006/main" xmlns:p="http://schemas.openxmlformats.org/presentationml/2006/main" xmlns:r="http://schemas.openxmlformats.org/officeDocument/2006/relationships" xmlns:p14="http://schemas.microsoft.com/office/powerpoint/2010/main" xmlns:p15="http://schemas.microsoft.com/office/powerpoint/2012/main" xmlns:mc="http://schemas.openxmlformats.org/markup-compatibility/2006">
+<p:sld xmlns:a="http://schemas.openxmlformats.org/drawingml/2006/main" xmlns:r="http://schemas.openxmlformats.org/officeDocument/2006/relationships" xmlns:p="http://schemas.openxmlformats.org/presentationml/2006/main">
   <p:cSld>
     <p:spTree>
       <p:nvGrpSpPr>
@@ -5726,7 +6767,8 @@
           </a:ln>
         </p:spPr>
         <p:txBody>
-          <a:bodyPr lIns="0" rIns="0" tIns="0" bIns="0" anchor="ctr"/>
+          <a:bodyPr lIns="0" tIns="0" rIns="0" bIns="0" anchor="ctr"/>
+          <a:lstStyle/>
           <a:p>
             <a:pPr>
               <a:lnSpc>
@@ -5734,7 +6776,7 @@
               </a:lnSpc>
             </a:pPr>
             <a:r>
-              <a:rPr b="0" lang="cs-CZ" sz="4400" spc="-1" strike="noStrike">
+              <a:rPr lang="cs-CZ" sz="4400" b="0" strike="noStrike" spc="-1">
                 <a:solidFill>
                   <a:srgbClr val="000000"/>
                 </a:solidFill>
@@ -5743,7 +6785,7 @@
               </a:rPr>
               <a:t>Tříbarevná dioda</a:t>
             </a:r>
-            <a:endParaRPr b="0" lang="cs-CZ" sz="4400" spc="-1" strike="noStrike">
+            <a:endParaRPr lang="cs-CZ" sz="4400" b="0" strike="noStrike" spc="-1">
               <a:solidFill>
                 <a:srgbClr val="000000"/>
               </a:solidFill>
@@ -5772,7 +6814,8 @@
           </a:ln>
         </p:spPr>
         <p:txBody>
-          <a:bodyPr lIns="0" rIns="0" tIns="0" bIns="0"/>
+          <a:bodyPr lIns="0" tIns="0" rIns="0" bIns="0"/>
+          <a:lstStyle/>
           <a:p>
             <a:pPr marL="228600" indent="-228240">
               <a:lnSpc>
@@ -5788,7 +6831,7 @@
               <a:buChar char="•"/>
             </a:pPr>
             <a:r>
-              <a:rPr b="0" lang="cs-CZ" sz="2800" spc="-1" strike="noStrike">
+              <a:rPr lang="cs-CZ" sz="2800" b="0" strike="noStrike" spc="-1">
                 <a:solidFill>
                   <a:srgbClr val="000000"/>
                 </a:solidFill>
@@ -5797,7 +6840,7 @@
               </a:rPr>
               <a:t>Výstupní periférie</a:t>
             </a:r>
-            <a:endParaRPr b="0" lang="cs-CZ" sz="2800" spc="-1" strike="noStrike">
+            <a:endParaRPr lang="cs-CZ" sz="2800" b="0" strike="noStrike" spc="-1">
               <a:latin typeface="Arial"/>
             </a:endParaRPr>
           </a:p>
@@ -5816,7 +6859,7 @@
               <a:buChar char="•"/>
             </a:pPr>
             <a:r>
-              <a:rPr b="0" lang="cs-CZ" sz="2800" spc="-1" strike="noStrike">
+              <a:rPr lang="cs-CZ" sz="2800" b="0" strike="noStrike" spc="-1">
                 <a:solidFill>
                   <a:srgbClr val="000000"/>
                 </a:solidFill>
@@ -5825,7 +6868,7 @@
               </a:rPr>
               <a:t>Může být zapojena digitálně i analogově</a:t>
             </a:r>
-            <a:endParaRPr b="0" lang="cs-CZ" sz="2800" spc="-1" strike="noStrike">
+            <a:endParaRPr lang="cs-CZ" sz="2800" b="0" strike="noStrike" spc="-1">
               <a:latin typeface="Arial"/>
             </a:endParaRPr>
           </a:p>
@@ -5844,7 +6887,7 @@
               <a:buChar char="•"/>
             </a:pPr>
             <a:r>
-              <a:rPr b="0" lang="cs-CZ" sz="2800" spc="-1" strike="noStrike">
+              <a:rPr lang="cs-CZ" sz="2800" b="0" strike="noStrike" spc="-1">
                 <a:solidFill>
                   <a:srgbClr val="000000"/>
                 </a:solidFill>
@@ -5853,12 +6896,12 @@
               </a:rPr>
               <a:t>Čtyři vstupy</a:t>
             </a:r>
-            <a:endParaRPr b="0" lang="cs-CZ" sz="2800" spc="-1" strike="noStrike">
-              <a:latin typeface="Arial"/>
-            </a:endParaRPr>
-          </a:p>
-          <a:p>
-            <a:pPr lvl="1" marL="685800" indent="-228240">
+            <a:endParaRPr lang="cs-CZ" sz="2800" b="0" strike="noStrike" spc="-1">
+              <a:latin typeface="Arial"/>
+            </a:endParaRPr>
+          </a:p>
+          <a:p>
+            <a:pPr marL="685800" lvl="1" indent="-228240">
               <a:lnSpc>
                 <a:spcPct val="90000"/>
               </a:lnSpc>
@@ -5872,7 +6915,7 @@
               <a:buChar char="•"/>
             </a:pPr>
             <a:r>
-              <a:rPr b="0" lang="cs-CZ" sz="2400" spc="-1" strike="noStrike">
+              <a:rPr lang="cs-CZ" sz="2400" b="0" strike="noStrike" spc="-1">
                 <a:solidFill>
                   <a:srgbClr val="000000"/>
                 </a:solidFill>
@@ -5881,12 +6924,12 @@
               </a:rPr>
               <a:t>Společná (nejdelší pin):</a:t>
             </a:r>
-            <a:endParaRPr b="0" lang="cs-CZ" sz="2400" spc="-1" strike="noStrike">
-              <a:latin typeface="Arial"/>
-            </a:endParaRPr>
-          </a:p>
-          <a:p>
-            <a:pPr lvl="2" marL="1143000" indent="-228240">
+            <a:endParaRPr lang="cs-CZ" sz="2400" b="0" strike="noStrike" spc="-1">
+              <a:latin typeface="Arial"/>
+            </a:endParaRPr>
+          </a:p>
+          <a:p>
+            <a:pPr marL="1143000" lvl="2" indent="-228240">
               <a:lnSpc>
                 <a:spcPct val="90000"/>
               </a:lnSpc>
@@ -5900,7 +6943,7 @@
               <a:buChar char="•"/>
             </a:pPr>
             <a:r>
-              <a:rPr b="0" lang="cs-CZ" sz="2000" spc="-1" strike="noStrike">
+              <a:rPr lang="cs-CZ" sz="2000" b="0" strike="noStrike" spc="-1">
                 <a:solidFill>
                   <a:srgbClr val="000000"/>
                 </a:solidFill>
@@ -5909,12 +6952,12 @@
               </a:rPr>
               <a:t>Anoda (+)</a:t>
             </a:r>
-            <a:endParaRPr b="0" lang="cs-CZ" sz="2000" spc="-1" strike="noStrike">
-              <a:latin typeface="Arial"/>
-            </a:endParaRPr>
-          </a:p>
-          <a:p>
-            <a:pPr lvl="2" marL="1143000" indent="-228240">
+            <a:endParaRPr lang="cs-CZ" sz="2000" b="0" strike="noStrike" spc="-1">
+              <a:latin typeface="Arial"/>
+            </a:endParaRPr>
+          </a:p>
+          <a:p>
+            <a:pPr marL="1143000" lvl="2" indent="-228240">
               <a:lnSpc>
                 <a:spcPct val="90000"/>
               </a:lnSpc>
@@ -5928,7 +6971,7 @@
               <a:buChar char="•"/>
             </a:pPr>
             <a:r>
-              <a:rPr b="0" lang="cs-CZ" sz="2000" spc="-1" strike="noStrike">
+              <a:rPr lang="cs-CZ" sz="2000" b="0" strike="noStrike" spc="-1">
                 <a:solidFill>
                   <a:srgbClr val="000000"/>
                 </a:solidFill>
@@ -5937,7 +6980,7 @@
               </a:rPr>
               <a:t>Katoda (-) – použijeme, lépe se ovládá</a:t>
             </a:r>
-            <a:endParaRPr b="0" lang="cs-CZ" sz="2000" spc="-1" strike="noStrike">
+            <a:endParaRPr lang="cs-CZ" sz="2000" b="0" strike="noStrike" spc="-1">
               <a:latin typeface="Arial"/>
             </a:endParaRPr>
           </a:p>
@@ -5956,7 +6999,7 @@
               <a:buChar char="•"/>
             </a:pPr>
             <a:r>
-              <a:rPr b="0" lang="cs-CZ" sz="2800" spc="-1" strike="noStrike">
+              <a:rPr lang="cs-CZ" sz="2800" b="0" strike="noStrike" spc="-1">
                 <a:solidFill>
                   <a:srgbClr val="000000"/>
                 </a:solidFill>
@@ -5965,12 +7008,12 @@
               </a:rPr>
               <a:t>Barvy </a:t>
             </a:r>
-            <a:endParaRPr b="0" lang="cs-CZ" sz="2800" spc="-1" strike="noStrike">
-              <a:latin typeface="Arial"/>
-            </a:endParaRPr>
-          </a:p>
-          <a:p>
-            <a:pPr lvl="1" marL="685800" indent="-228240">
+            <a:endParaRPr lang="cs-CZ" sz="2800" b="0" strike="noStrike" spc="-1">
+              <a:latin typeface="Arial"/>
+            </a:endParaRPr>
+          </a:p>
+          <a:p>
+            <a:pPr marL="685800" lvl="1" indent="-228240">
               <a:lnSpc>
                 <a:spcPct val="90000"/>
               </a:lnSpc>
@@ -5984,7 +7027,7 @@
               <a:buChar char="•"/>
             </a:pPr>
             <a:r>
-              <a:rPr b="0" lang="cs-CZ" sz="2400" spc="-1" strike="noStrike">
+              <a:rPr lang="cs-CZ" sz="2400" b="0" strike="noStrike" spc="-1">
                 <a:solidFill>
                   <a:srgbClr val="000000"/>
                 </a:solidFill>
@@ -5993,12 +7036,12 @@
               </a:rPr>
               <a:t>Červená</a:t>
             </a:r>
-            <a:endParaRPr b="0" lang="cs-CZ" sz="2400" spc="-1" strike="noStrike">
-              <a:latin typeface="Arial"/>
-            </a:endParaRPr>
-          </a:p>
-          <a:p>
-            <a:pPr lvl="1" marL="685800" indent="-228240">
+            <a:endParaRPr lang="cs-CZ" sz="2400" b="0" strike="noStrike" spc="-1">
+              <a:latin typeface="Arial"/>
+            </a:endParaRPr>
+          </a:p>
+          <a:p>
+            <a:pPr marL="685800" lvl="1" indent="-228240">
               <a:lnSpc>
                 <a:spcPct val="90000"/>
               </a:lnSpc>
@@ -6012,7 +7055,7 @@
               <a:buChar char="•"/>
             </a:pPr>
             <a:r>
-              <a:rPr b="0" lang="cs-CZ" sz="2400" spc="-1" strike="noStrike">
+              <a:rPr lang="cs-CZ" sz="2400" b="0" strike="noStrike" spc="-1">
                 <a:solidFill>
                   <a:srgbClr val="000000"/>
                 </a:solidFill>
@@ -6021,12 +7064,12 @@
               </a:rPr>
               <a:t>Modrá</a:t>
             </a:r>
-            <a:endParaRPr b="0" lang="cs-CZ" sz="2400" spc="-1" strike="noStrike">
-              <a:latin typeface="Arial"/>
-            </a:endParaRPr>
-          </a:p>
-          <a:p>
-            <a:pPr lvl="1" marL="685800" indent="-228240">
+            <a:endParaRPr lang="cs-CZ" sz="2400" b="0" strike="noStrike" spc="-1">
+              <a:latin typeface="Arial"/>
+            </a:endParaRPr>
+          </a:p>
+          <a:p>
+            <a:pPr marL="685800" lvl="1" indent="-228240">
               <a:lnSpc>
                 <a:spcPct val="90000"/>
               </a:lnSpc>
@@ -6040,7 +7083,7 @@
               <a:buChar char="•"/>
             </a:pPr>
             <a:r>
-              <a:rPr b="0" lang="cs-CZ" sz="2400" spc="-1" strike="noStrike">
+              <a:rPr lang="cs-CZ" sz="2400" b="0" strike="noStrike" spc="-1">
                 <a:solidFill>
                   <a:srgbClr val="000000"/>
                 </a:solidFill>
@@ -6049,7 +7092,7 @@
               </a:rPr>
               <a:t>Zelená </a:t>
             </a:r>
-            <a:endParaRPr b="0" lang="cs-CZ" sz="2400" spc="-1" strike="noStrike">
+            <a:endParaRPr lang="cs-CZ" sz="2400" b="0" strike="noStrike" spc="-1">
               <a:latin typeface="Arial"/>
             </a:endParaRPr>
           </a:p>
@@ -6062,7 +7105,7 @@
                 <a:spcPts val="1001"/>
               </a:spcBef>
             </a:pPr>
-            <a:endParaRPr b="0" lang="cs-CZ" sz="2400" spc="-1" strike="noStrike">
+            <a:endParaRPr lang="cs-CZ" sz="2400" b="0" strike="noStrike" spc="-1">
               <a:latin typeface="Arial"/>
             </a:endParaRPr>
           </a:p>
@@ -6070,22 +7113,25 @@
       </p:sp>
     </p:spTree>
   </p:cSld>
+  <p:clrMapOvr>
+    <a:masterClrMapping/>
+  </p:clrMapOvr>
   <p:timing>
     <p:tnLst>
       <p:par>
-        <p:cTn id="5" dur="indefinite" restart="never" nodeType="tmRoot">
+        <p:cTn id="1" dur="indefinite" restart="never" nodeType="tmRoot">
           <p:childTnLst>
             <p:seq>
-              <p:cTn id="6" dur="indefinite" nodeType="mainSeq"/>
+              <p:cTn id="2" dur="indefinite" nodeType="mainSeq"/>
               <p:prevCondLst>
-                <p:cond delay="0" evt="onPrev">
+                <p:cond evt="onPrev" delay="0">
                   <p:tgtEl>
                     <p:sldTgt/>
                   </p:tgtEl>
                 </p:cond>
               </p:prevCondLst>
               <p:nextCondLst>
-                <p:cond delay="0" evt="onNext">
+                <p:cond evt="onNext" delay="0">
                   <p:tgtEl>
                     <p:sldTgt/>
                   </p:tgtEl>
@@ -6101,7 +7147,7 @@
 </file>
 
 <file path=ppt/slides/slide4.xml><?xml version="1.0" encoding="utf-8"?>
-<p:sld xmlns:a="http://schemas.openxmlformats.org/drawingml/2006/main" xmlns:p="http://schemas.openxmlformats.org/presentationml/2006/main" xmlns:r="http://schemas.openxmlformats.org/officeDocument/2006/relationships" xmlns:p14="http://schemas.microsoft.com/office/powerpoint/2010/main" xmlns:p15="http://schemas.microsoft.com/office/powerpoint/2012/main" xmlns:mc="http://schemas.openxmlformats.org/markup-compatibility/2006">
+<p:sld xmlns:a="http://schemas.openxmlformats.org/drawingml/2006/main" xmlns:r="http://schemas.openxmlformats.org/officeDocument/2006/relationships" xmlns:p="http://schemas.openxmlformats.org/presentationml/2006/main">
   <p:cSld>
     <p:spTree>
       <p:nvGrpSpPr>
@@ -6137,7 +7183,8 @@
           </a:ln>
         </p:spPr>
         <p:txBody>
-          <a:bodyPr lIns="0" rIns="0" tIns="0" bIns="0" anchor="ctr"/>
+          <a:bodyPr lIns="0" tIns="0" rIns="0" bIns="0" anchor="ctr"/>
+          <a:lstStyle/>
           <a:p>
             <a:pPr>
               <a:lnSpc>
@@ -6145,7 +7192,7 @@
               </a:lnSpc>
             </a:pPr>
             <a:r>
-              <a:rPr b="0" lang="cs-CZ" sz="4400" spc="-1" strike="noStrike">
+              <a:rPr lang="cs-CZ" sz="4400" b="0" strike="noStrike" spc="-1">
                 <a:solidFill>
                   <a:srgbClr val="000000"/>
                 </a:solidFill>
@@ -6154,7 +7201,7 @@
               </a:rPr>
               <a:t>Zapojení</a:t>
             </a:r>
-            <a:endParaRPr b="0" lang="cs-CZ" sz="4400" spc="-1" strike="noStrike">
+            <a:endParaRPr lang="cs-CZ" sz="4400" b="0" strike="noStrike" spc="-1">
               <a:solidFill>
                 <a:srgbClr val="000000"/>
               </a:solidFill>
@@ -6165,12 +7212,12 @@
       </p:sp>
       <p:pic>
         <p:nvPicPr>
-          <p:cNvPr id="121" name="Obrázek 3" descr=""/>
+          <p:cNvPr id="121" name="Obrázek 3"/>
           <p:cNvPicPr/>
           <p:nvPr/>
         </p:nvPicPr>
         <p:blipFill>
-          <a:blip r:embed="rId1"/>
+          <a:blip r:embed="rId2"/>
           <a:stretch/>
         </p:blipFill>
         <p:spPr>
@@ -6188,22 +7235,25 @@
       </p:pic>
     </p:spTree>
   </p:cSld>
+  <p:clrMapOvr>
+    <a:masterClrMapping/>
+  </p:clrMapOvr>
   <p:timing>
     <p:tnLst>
       <p:par>
-        <p:cTn id="7" dur="indefinite" restart="never" nodeType="tmRoot">
+        <p:cTn id="1" dur="indefinite" restart="never" nodeType="tmRoot">
           <p:childTnLst>
             <p:seq>
-              <p:cTn id="8" dur="indefinite" nodeType="mainSeq"/>
+              <p:cTn id="2" dur="indefinite" nodeType="mainSeq"/>
               <p:prevCondLst>
-                <p:cond delay="0" evt="onPrev">
+                <p:cond evt="onPrev" delay="0">
                   <p:tgtEl>
                     <p:sldTgt/>
                   </p:tgtEl>
                 </p:cond>
               </p:prevCondLst>
               <p:nextCondLst>
-                <p:cond delay="0" evt="onNext">
+                <p:cond evt="onNext" delay="0">
                   <p:tgtEl>
                     <p:sldTgt/>
                   </p:tgtEl>
@@ -6219,7 +7269,7 @@
 </file>
 
 <file path=ppt/slides/slide5.xml><?xml version="1.0" encoding="utf-8"?>
-<p:sld xmlns:a="http://schemas.openxmlformats.org/drawingml/2006/main" xmlns:p="http://schemas.openxmlformats.org/presentationml/2006/main" xmlns:r="http://schemas.openxmlformats.org/officeDocument/2006/relationships" xmlns:p14="http://schemas.microsoft.com/office/powerpoint/2010/main" xmlns:p15="http://schemas.microsoft.com/office/powerpoint/2012/main" xmlns:mc="http://schemas.openxmlformats.org/markup-compatibility/2006">
+<p:sld xmlns:a="http://schemas.openxmlformats.org/drawingml/2006/main" xmlns:r="http://schemas.openxmlformats.org/officeDocument/2006/relationships" xmlns:p="http://schemas.openxmlformats.org/presentationml/2006/main">
   <p:cSld>
     <p:spTree>
       <p:nvGrpSpPr>
@@ -6255,13 +7305,20 @@
           </a:ln>
         </p:spPr>
         <p:style>
-          <a:lnRef idx="0"/>
-          <a:fillRef idx="0"/>
-          <a:effectRef idx="0"/>
+          <a:lnRef idx="0">
+            <a:scrgbClr r="0" g="0" b="0"/>
+          </a:lnRef>
+          <a:fillRef idx="0">
+            <a:scrgbClr r="0" g="0" b="0"/>
+          </a:fillRef>
+          <a:effectRef idx="0">
+            <a:scrgbClr r="0" g="0" b="0"/>
+          </a:effectRef>
           <a:fontRef idx="minor"/>
         </p:style>
         <p:txBody>
-          <a:bodyPr lIns="0" rIns="0" tIns="0" bIns="0" anchor="ctr"/>
+          <a:bodyPr lIns="0" tIns="0" rIns="0" bIns="0" anchor="ctr"/>
+          <a:lstStyle/>
           <a:p>
             <a:pPr algn="ctr">
               <a:lnSpc>
@@ -6269,7 +7326,7 @@
               </a:lnSpc>
             </a:pPr>
             <a:r>
-              <a:rPr b="0" lang="cs-CZ" sz="4400" spc="-1" strike="noStrike">
+              <a:rPr lang="cs-CZ" sz="4400" b="0" strike="noStrike" spc="-1">
                 <a:solidFill>
                   <a:srgbClr val="000000"/>
                 </a:solidFill>
@@ -6278,7 +7335,7 @@
               </a:rPr>
               <a:t>1 program</a:t>
             </a:r>
-            <a:endParaRPr b="0" lang="cs-CZ" sz="4400" spc="-1" strike="noStrike">
+            <a:endParaRPr lang="cs-CZ" sz="4400" b="0" strike="noStrike" spc="-1">
               <a:latin typeface="Arial"/>
             </a:endParaRPr>
           </a:p>
@@ -6304,9 +7361,15 @@
           </a:ln>
         </p:spPr>
         <p:style>
-          <a:lnRef idx="0"/>
-          <a:fillRef idx="0"/>
-          <a:effectRef idx="0"/>
+          <a:lnRef idx="0">
+            <a:scrgbClr r="0" g="0" b="0"/>
+          </a:lnRef>
+          <a:fillRef idx="0">
+            <a:scrgbClr r="0" g="0" b="0"/>
+          </a:fillRef>
+          <a:effectRef idx="0">
+            <a:scrgbClr r="0" g="0" b="0"/>
+          </a:effectRef>
           <a:fontRef idx="minor"/>
         </p:style>
       </p:sp>
@@ -6325,7 +7388,7 @@
             <a:avLst/>
           </a:prstGeom>
           <a:solidFill>
-            <a:srgbClr val="dddddd"/>
+            <a:srgbClr val="DDDDDD"/>
           </a:solidFill>
           <a:ln>
             <a:solidFill>
@@ -6334,10 +7397,11 @@
           </a:ln>
         </p:spPr>
         <p:txBody>
-          <a:bodyPr lIns="90000" rIns="90000" tIns="45000" bIns="45000"/>
-          <a:p>
-            <a:r>
-              <a:rPr b="0" lang="cs-CZ" sz="2800" spc="-1" strike="noStrike">
+          <a:bodyPr lIns="90000" tIns="45000" rIns="90000" bIns="45000"/>
+          <a:lstStyle/>
+          <a:p>
+            <a:r>
+              <a:rPr lang="cs-CZ" sz="2800" b="0" strike="noStrike" spc="-1">
                 <a:solidFill>
                   <a:srgbClr val="008000"/>
                 </a:solidFill>
@@ -6346,7 +7410,7 @@
               <a:t>from</a:t>
             </a:r>
             <a:r>
-              <a:rPr b="0" lang="cs-CZ" sz="2800" spc="-1" strike="noStrike">
+              <a:rPr lang="cs-CZ" sz="2800" b="0" strike="noStrike" spc="-1">
                 <a:solidFill>
                   <a:srgbClr val="000000"/>
                 </a:solidFill>
@@ -6355,16 +7419,16 @@
               <a:t> </a:t>
             </a:r>
             <a:r>
-              <a:rPr b="0" lang="cs-CZ" sz="2800" spc="-1" strike="noStrike">
-                <a:solidFill>
-                  <a:srgbClr val="0000ff"/>
+              <a:rPr lang="cs-CZ" sz="2800" b="0" strike="noStrike" spc="-1">
+                <a:solidFill>
+                  <a:srgbClr val="0000FF"/>
                 </a:solidFill>
                 <a:latin typeface="Courier New"/>
               </a:rPr>
               <a:t>microbit</a:t>
             </a:r>
             <a:r>
-              <a:rPr b="0" lang="cs-CZ" sz="2800" spc="-1" strike="noStrike">
+              <a:rPr lang="cs-CZ" sz="2800" b="0" strike="noStrike" spc="-1">
                 <a:solidFill>
                   <a:srgbClr val="000000"/>
                 </a:solidFill>
@@ -6373,7 +7437,7 @@
               <a:t> </a:t>
             </a:r>
             <a:r>
-              <a:rPr b="0" lang="cs-CZ" sz="2800" spc="-1" strike="noStrike">
+              <a:rPr lang="cs-CZ" sz="2800" b="0" strike="noStrike" spc="-1">
                 <a:solidFill>
                   <a:srgbClr val="008000"/>
                 </a:solidFill>
@@ -6382,7 +7446,7 @@
               <a:t>import</a:t>
             </a:r>
             <a:r>
-              <a:rPr b="0" lang="cs-CZ" sz="2800" spc="-1" strike="noStrike">
+              <a:rPr lang="cs-CZ" sz="2800" b="0" strike="noStrike" spc="-1">
                 <a:solidFill>
                   <a:srgbClr val="000000"/>
                 </a:solidFill>
@@ -6391,7 +7455,7 @@
               <a:t> </a:t>
             </a:r>
             <a:r>
-              <a:rPr b="0" lang="cs-CZ" sz="2800" spc="-1" strike="noStrike">
+              <a:rPr lang="cs-CZ" sz="2800" b="0" strike="noStrike" spc="-1">
                 <a:solidFill>
                   <a:srgbClr val="666666"/>
                 </a:solidFill>
@@ -6399,13 +7463,13 @@
               </a:rPr>
               <a:t>*</a:t>
             </a:r>
-            <a:endParaRPr b="0" lang="cs-CZ" sz="2800" spc="-1" strike="noStrike">
-              <a:latin typeface="Arial"/>
-            </a:endParaRPr>
-          </a:p>
-          <a:p>
-            <a:r>
-              <a:rPr b="0" lang="cs-CZ" sz="2800" spc="-1" strike="noStrike">
+            <a:endParaRPr lang="cs-CZ" sz="2800" b="0" strike="noStrike" spc="-1">
+              <a:latin typeface="Arial"/>
+            </a:endParaRPr>
+          </a:p>
+          <a:p>
+            <a:r>
+              <a:rPr lang="cs-CZ" sz="2800" b="0" strike="noStrike" spc="-1">
                 <a:solidFill>
                   <a:srgbClr val="000000"/>
                 </a:solidFill>
@@ -6414,7 +7478,7 @@
               <a:t>pin0</a:t>
             </a:r>
             <a:r>
-              <a:rPr b="0" lang="cs-CZ" sz="2800" spc="-1" strike="noStrike">
+              <a:rPr lang="cs-CZ" sz="2800" b="0" strike="noStrike" spc="-1">
                 <a:solidFill>
                   <a:srgbClr val="666666"/>
                 </a:solidFill>
@@ -6423,7 +7487,7 @@
               <a:t>.</a:t>
             </a:r>
             <a:r>
-              <a:rPr b="0" lang="cs-CZ" sz="2800" spc="-1" strike="noStrike">
+              <a:rPr lang="cs-CZ" sz="2800" b="0" strike="noStrike" spc="-1">
                 <a:solidFill>
                   <a:srgbClr val="000000"/>
                 </a:solidFill>
@@ -6432,7 +7496,7 @@
               <a:t>write_digital(</a:t>
             </a:r>
             <a:r>
-              <a:rPr b="0" lang="cs-CZ" sz="2800" spc="-1" strike="noStrike">
+              <a:rPr lang="cs-CZ" sz="2800" b="0" strike="noStrike" spc="-1">
                 <a:solidFill>
                   <a:srgbClr val="666666"/>
                 </a:solidFill>
@@ -6441,7 +7505,7 @@
               <a:t>1</a:t>
             </a:r>
             <a:r>
-              <a:rPr b="0" lang="cs-CZ" sz="2800" spc="-1" strike="noStrike">
+              <a:rPr lang="cs-CZ" sz="2800" b="0" strike="noStrike" spc="-1">
                 <a:solidFill>
                   <a:srgbClr val="000000"/>
                 </a:solidFill>
@@ -6449,13 +7513,13 @@
               </a:rPr>
               <a:t>)</a:t>
             </a:r>
-            <a:endParaRPr b="0" lang="cs-CZ" sz="2800" spc="-1" strike="noStrike">
-              <a:latin typeface="Arial"/>
-            </a:endParaRPr>
-          </a:p>
-          <a:p>
-            <a:r>
-              <a:rPr b="0" lang="cs-CZ" sz="2800" spc="-1" strike="noStrike">
+            <a:endParaRPr lang="cs-CZ" sz="2800" b="0" strike="noStrike" spc="-1">
+              <a:latin typeface="Arial"/>
+            </a:endParaRPr>
+          </a:p>
+          <a:p>
+            <a:r>
+              <a:rPr lang="cs-CZ" sz="2800" b="0" strike="noStrike" spc="-1">
                 <a:solidFill>
                   <a:srgbClr val="000000"/>
                 </a:solidFill>
@@ -6464,7 +7528,7 @@
               <a:t>sleep(</a:t>
             </a:r>
             <a:r>
-              <a:rPr b="0" lang="cs-CZ" sz="2800" spc="-1" strike="noStrike">
+              <a:rPr lang="cs-CZ" sz="2800" b="0" strike="noStrike" spc="-1">
                 <a:solidFill>
                   <a:srgbClr val="666666"/>
                 </a:solidFill>
@@ -6473,7 +7537,7 @@
               <a:t>2000</a:t>
             </a:r>
             <a:r>
-              <a:rPr b="0" lang="cs-CZ" sz="2800" spc="-1" strike="noStrike">
+              <a:rPr lang="cs-CZ" sz="2800" b="0" strike="noStrike" spc="-1">
                 <a:solidFill>
                   <a:srgbClr val="000000"/>
                 </a:solidFill>
@@ -6481,13 +7545,13 @@
               </a:rPr>
               <a:t>)</a:t>
             </a:r>
-            <a:endParaRPr b="0" lang="cs-CZ" sz="2800" spc="-1" strike="noStrike">
-              <a:latin typeface="Arial"/>
-            </a:endParaRPr>
-          </a:p>
-          <a:p>
-            <a:r>
-              <a:rPr b="0" lang="cs-CZ" sz="2800" spc="-1" strike="noStrike">
+            <a:endParaRPr lang="cs-CZ" sz="2800" b="0" strike="noStrike" spc="-1">
+              <a:latin typeface="Arial"/>
+            </a:endParaRPr>
+          </a:p>
+          <a:p>
+            <a:r>
+              <a:rPr lang="cs-CZ" sz="2800" b="0" strike="noStrike" spc="-1">
                 <a:solidFill>
                   <a:srgbClr val="000000"/>
                 </a:solidFill>
@@ -6496,7 +7560,7 @@
               <a:t>pin0</a:t>
             </a:r>
             <a:r>
-              <a:rPr b="0" lang="cs-CZ" sz="2800" spc="-1" strike="noStrike">
+              <a:rPr lang="cs-CZ" sz="2800" b="0" strike="noStrike" spc="-1">
                 <a:solidFill>
                   <a:srgbClr val="666666"/>
                 </a:solidFill>
@@ -6505,7 +7569,7 @@
               <a:t>.</a:t>
             </a:r>
             <a:r>
-              <a:rPr b="0" lang="cs-CZ" sz="2800" spc="-1" strike="noStrike">
+              <a:rPr lang="cs-CZ" sz="2800" b="0" strike="noStrike" spc="-1">
                 <a:solidFill>
                   <a:srgbClr val="000000"/>
                 </a:solidFill>
@@ -6514,7 +7578,7 @@
               <a:t>write_digital(</a:t>
             </a:r>
             <a:r>
-              <a:rPr b="0" lang="cs-CZ" sz="2800" spc="-1" strike="noStrike">
+              <a:rPr lang="cs-CZ" sz="2800" b="0" strike="noStrike" spc="-1">
                 <a:solidFill>
                   <a:srgbClr val="666666"/>
                 </a:solidFill>
@@ -6523,7 +7587,7 @@
               <a:t>0</a:t>
             </a:r>
             <a:r>
-              <a:rPr b="0" lang="cs-CZ" sz="2800" spc="-1" strike="noStrike">
+              <a:rPr lang="cs-CZ" sz="2800" b="0" strike="noStrike" spc="-1">
                 <a:solidFill>
                   <a:srgbClr val="000000"/>
                 </a:solidFill>
@@ -6531,13 +7595,13 @@
               </a:rPr>
               <a:t>)</a:t>
             </a:r>
-            <a:endParaRPr b="0" lang="cs-CZ" sz="2800" spc="-1" strike="noStrike">
-              <a:latin typeface="Arial"/>
-            </a:endParaRPr>
-          </a:p>
-          <a:p>
-            <a:r>
-              <a:rPr b="0" lang="cs-CZ" sz="2800" spc="-1" strike="noStrike">
+            <a:endParaRPr lang="cs-CZ" sz="2800" b="0" strike="noStrike" spc="-1">
+              <a:latin typeface="Arial"/>
+            </a:endParaRPr>
+          </a:p>
+          <a:p>
+            <a:r>
+              <a:rPr lang="cs-CZ" sz="2800" b="0" strike="noStrike" spc="-1">
                 <a:solidFill>
                   <a:srgbClr val="000000"/>
                 </a:solidFill>
@@ -6546,7 +7610,7 @@
               <a:t>pin1</a:t>
             </a:r>
             <a:r>
-              <a:rPr b="0" lang="cs-CZ" sz="2800" spc="-1" strike="noStrike">
+              <a:rPr lang="cs-CZ" sz="2800" b="0" strike="noStrike" spc="-1">
                 <a:solidFill>
                   <a:srgbClr val="666666"/>
                 </a:solidFill>
@@ -6555,7 +7619,7 @@
               <a:t>.</a:t>
             </a:r>
             <a:r>
-              <a:rPr b="0" lang="cs-CZ" sz="2800" spc="-1" strike="noStrike">
+              <a:rPr lang="cs-CZ" sz="2800" b="0" strike="noStrike" spc="-1">
                 <a:solidFill>
                   <a:srgbClr val="000000"/>
                 </a:solidFill>
@@ -6564,7 +7628,7 @@
               <a:t>write_digital(</a:t>
             </a:r>
             <a:r>
-              <a:rPr b="0" lang="cs-CZ" sz="2800" spc="-1" strike="noStrike">
+              <a:rPr lang="cs-CZ" sz="2800" b="0" strike="noStrike" spc="-1">
                 <a:solidFill>
                   <a:srgbClr val="666666"/>
                 </a:solidFill>
@@ -6573,7 +7637,7 @@
               <a:t>1</a:t>
             </a:r>
             <a:r>
-              <a:rPr b="0" lang="cs-CZ" sz="2800" spc="-1" strike="noStrike">
+              <a:rPr lang="cs-CZ" sz="2800" b="0" strike="noStrike" spc="-1">
                 <a:solidFill>
                   <a:srgbClr val="000000"/>
                 </a:solidFill>
@@ -6581,13 +7645,13 @@
               </a:rPr>
               <a:t>)</a:t>
             </a:r>
-            <a:endParaRPr b="0" lang="cs-CZ" sz="2800" spc="-1" strike="noStrike">
-              <a:latin typeface="Arial"/>
-            </a:endParaRPr>
-          </a:p>
-          <a:p>
-            <a:r>
-              <a:rPr b="0" lang="cs-CZ" sz="2800" spc="-1" strike="noStrike">
+            <a:endParaRPr lang="cs-CZ" sz="2800" b="0" strike="noStrike" spc="-1">
+              <a:latin typeface="Arial"/>
+            </a:endParaRPr>
+          </a:p>
+          <a:p>
+            <a:r>
+              <a:rPr lang="cs-CZ" sz="2800" b="0" strike="noStrike" spc="-1">
                 <a:solidFill>
                   <a:srgbClr val="000000"/>
                 </a:solidFill>
@@ -6596,7 +7660,7 @@
               <a:t>sleep(</a:t>
             </a:r>
             <a:r>
-              <a:rPr b="0" lang="cs-CZ" sz="2800" spc="-1" strike="noStrike">
+              <a:rPr lang="cs-CZ" sz="2800" b="0" strike="noStrike" spc="-1">
                 <a:solidFill>
                   <a:srgbClr val="666666"/>
                 </a:solidFill>
@@ -6605,7 +7669,7 @@
               <a:t>2000</a:t>
             </a:r>
             <a:r>
-              <a:rPr b="0" lang="cs-CZ" sz="2800" spc="-1" strike="noStrike">
+              <a:rPr lang="cs-CZ" sz="2800" b="0" strike="noStrike" spc="-1">
                 <a:solidFill>
                   <a:srgbClr val="000000"/>
                 </a:solidFill>
@@ -6613,13 +7677,13 @@
               </a:rPr>
               <a:t>)</a:t>
             </a:r>
-            <a:endParaRPr b="0" lang="cs-CZ" sz="2800" spc="-1" strike="noStrike">
-              <a:latin typeface="Arial"/>
-            </a:endParaRPr>
-          </a:p>
-          <a:p>
-            <a:r>
-              <a:rPr b="0" lang="cs-CZ" sz="2800" spc="-1" strike="noStrike">
+            <a:endParaRPr lang="cs-CZ" sz="2800" b="0" strike="noStrike" spc="-1">
+              <a:latin typeface="Arial"/>
+            </a:endParaRPr>
+          </a:p>
+          <a:p>
+            <a:r>
+              <a:rPr lang="cs-CZ" sz="2800" b="0" strike="noStrike" spc="-1">
                 <a:solidFill>
                   <a:srgbClr val="000000"/>
                 </a:solidFill>
@@ -6628,7 +7692,7 @@
               <a:t>pin1</a:t>
             </a:r>
             <a:r>
-              <a:rPr b="0" lang="cs-CZ" sz="2800" spc="-1" strike="noStrike">
+              <a:rPr lang="cs-CZ" sz="2800" b="0" strike="noStrike" spc="-1">
                 <a:solidFill>
                   <a:srgbClr val="666666"/>
                 </a:solidFill>
@@ -6637,7 +7701,7 @@
               <a:t>.</a:t>
             </a:r>
             <a:r>
-              <a:rPr b="0" lang="cs-CZ" sz="2800" spc="-1" strike="noStrike">
+              <a:rPr lang="cs-CZ" sz="2800" b="0" strike="noStrike" spc="-1">
                 <a:solidFill>
                   <a:srgbClr val="000000"/>
                 </a:solidFill>
@@ -6646,7 +7710,7 @@
               <a:t>write_digital(</a:t>
             </a:r>
             <a:r>
-              <a:rPr b="0" lang="cs-CZ" sz="2800" spc="-1" strike="noStrike">
+              <a:rPr lang="cs-CZ" sz="2800" b="0" strike="noStrike" spc="-1">
                 <a:solidFill>
                   <a:srgbClr val="666666"/>
                 </a:solidFill>
@@ -6655,7 +7719,7 @@
               <a:t>0</a:t>
             </a:r>
             <a:r>
-              <a:rPr b="0" lang="cs-CZ" sz="2800" spc="-1" strike="noStrike">
+              <a:rPr lang="cs-CZ" sz="2800" b="0" strike="noStrike" spc="-1">
                 <a:solidFill>
                   <a:srgbClr val="000000"/>
                 </a:solidFill>
@@ -6663,13 +7727,13 @@
               </a:rPr>
               <a:t>)</a:t>
             </a:r>
-            <a:endParaRPr b="0" lang="cs-CZ" sz="2800" spc="-1" strike="noStrike">
-              <a:latin typeface="Arial"/>
-            </a:endParaRPr>
-          </a:p>
-          <a:p>
-            <a:r>
-              <a:rPr b="0" lang="cs-CZ" sz="2800" spc="-1" strike="noStrike">
+            <a:endParaRPr lang="cs-CZ" sz="2800" b="0" strike="noStrike" spc="-1">
+              <a:latin typeface="Arial"/>
+            </a:endParaRPr>
+          </a:p>
+          <a:p>
+            <a:r>
+              <a:rPr lang="cs-CZ" sz="2800" b="0" strike="noStrike" spc="-1">
                 <a:solidFill>
                   <a:srgbClr val="000000"/>
                 </a:solidFill>
@@ -6678,7 +7742,7 @@
               <a:t>pin2</a:t>
             </a:r>
             <a:r>
-              <a:rPr b="0" lang="cs-CZ" sz="2800" spc="-1" strike="noStrike">
+              <a:rPr lang="cs-CZ" sz="2800" b="0" strike="noStrike" spc="-1">
                 <a:solidFill>
                   <a:srgbClr val="666666"/>
                 </a:solidFill>
@@ -6687,7 +7751,7 @@
               <a:t>.</a:t>
             </a:r>
             <a:r>
-              <a:rPr b="0" lang="cs-CZ" sz="2800" spc="-1" strike="noStrike">
+              <a:rPr lang="cs-CZ" sz="2800" b="0" strike="noStrike" spc="-1">
                 <a:solidFill>
                   <a:srgbClr val="000000"/>
                 </a:solidFill>
@@ -6696,7 +7760,7 @@
               <a:t>write_digital(</a:t>
             </a:r>
             <a:r>
-              <a:rPr b="0" lang="cs-CZ" sz="2800" spc="-1" strike="noStrike">
+              <a:rPr lang="cs-CZ" sz="2800" b="0" strike="noStrike" spc="-1">
                 <a:solidFill>
                   <a:srgbClr val="666666"/>
                 </a:solidFill>
@@ -6705,7 +7769,7 @@
               <a:t>1</a:t>
             </a:r>
             <a:r>
-              <a:rPr b="0" lang="cs-CZ" sz="2800" spc="-1" strike="noStrike">
+              <a:rPr lang="cs-CZ" sz="2800" b="0" strike="noStrike" spc="-1">
                 <a:solidFill>
                   <a:srgbClr val="000000"/>
                 </a:solidFill>
@@ -6713,13 +7777,13 @@
               </a:rPr>
               <a:t>)</a:t>
             </a:r>
-            <a:endParaRPr b="0" lang="cs-CZ" sz="2800" spc="-1" strike="noStrike">
-              <a:latin typeface="Arial"/>
-            </a:endParaRPr>
-          </a:p>
-          <a:p>
-            <a:r>
-              <a:rPr b="0" lang="cs-CZ" sz="2800" spc="-1" strike="noStrike">
+            <a:endParaRPr lang="cs-CZ" sz="2800" b="0" strike="noStrike" spc="-1">
+              <a:latin typeface="Arial"/>
+            </a:endParaRPr>
+          </a:p>
+          <a:p>
+            <a:r>
+              <a:rPr lang="cs-CZ" sz="2800" b="0" strike="noStrike" spc="-1">
                 <a:solidFill>
                   <a:srgbClr val="000000"/>
                 </a:solidFill>
@@ -6728,7 +7792,7 @@
               <a:t>sleep(</a:t>
             </a:r>
             <a:r>
-              <a:rPr b="0" lang="cs-CZ" sz="2800" spc="-1" strike="noStrike">
+              <a:rPr lang="cs-CZ" sz="2800" b="0" strike="noStrike" spc="-1">
                 <a:solidFill>
                   <a:srgbClr val="666666"/>
                 </a:solidFill>
@@ -6737,7 +7801,7 @@
               <a:t>2000</a:t>
             </a:r>
             <a:r>
-              <a:rPr b="0" lang="cs-CZ" sz="2800" spc="-1" strike="noStrike">
+              <a:rPr lang="cs-CZ" sz="2800" b="0" strike="noStrike" spc="-1">
                 <a:solidFill>
                   <a:srgbClr val="000000"/>
                 </a:solidFill>
@@ -6745,13 +7809,13 @@
               </a:rPr>
               <a:t>)</a:t>
             </a:r>
-            <a:endParaRPr b="0" lang="cs-CZ" sz="2800" spc="-1" strike="noStrike">
-              <a:latin typeface="Arial"/>
-            </a:endParaRPr>
-          </a:p>
-          <a:p>
-            <a:r>
-              <a:rPr b="0" lang="cs-CZ" sz="2800" spc="-1" strike="noStrike">
+            <a:endParaRPr lang="cs-CZ" sz="2800" b="0" strike="noStrike" spc="-1">
+              <a:latin typeface="Arial"/>
+            </a:endParaRPr>
+          </a:p>
+          <a:p>
+            <a:r>
+              <a:rPr lang="cs-CZ" sz="2800" b="0" strike="noStrike" spc="-1">
                 <a:solidFill>
                   <a:srgbClr val="000000"/>
                 </a:solidFill>
@@ -6760,7 +7824,7 @@
               <a:t>pin2</a:t>
             </a:r>
             <a:r>
-              <a:rPr b="0" lang="cs-CZ" sz="2800" spc="-1" strike="noStrike">
+              <a:rPr lang="cs-CZ" sz="2800" b="0" strike="noStrike" spc="-1">
                 <a:solidFill>
                   <a:srgbClr val="666666"/>
                 </a:solidFill>
@@ -6769,7 +7833,7 @@
               <a:t>.</a:t>
             </a:r>
             <a:r>
-              <a:rPr b="0" lang="cs-CZ" sz="2800" spc="-1" strike="noStrike">
+              <a:rPr lang="cs-CZ" sz="2800" b="0" strike="noStrike" spc="-1">
                 <a:solidFill>
                   <a:srgbClr val="000000"/>
                 </a:solidFill>
@@ -6778,7 +7842,7 @@
               <a:t>write_digital(</a:t>
             </a:r>
             <a:r>
-              <a:rPr b="0" lang="cs-CZ" sz="2800" spc="-1" strike="noStrike">
+              <a:rPr lang="cs-CZ" sz="2800" b="0" strike="noStrike" spc="-1">
                 <a:solidFill>
                   <a:srgbClr val="666666"/>
                 </a:solidFill>
@@ -6787,7 +7851,7 @@
               <a:t>0</a:t>
             </a:r>
             <a:r>
-              <a:rPr b="0" lang="cs-CZ" sz="2800" spc="-1" strike="noStrike">
+              <a:rPr lang="cs-CZ" sz="2800" b="0" strike="noStrike" spc="-1">
                 <a:solidFill>
                   <a:srgbClr val="000000"/>
                 </a:solidFill>
@@ -6795,7 +7859,7 @@
               </a:rPr>
               <a:t>)</a:t>
             </a:r>
-            <a:endParaRPr b="0" lang="cs-CZ" sz="2800" spc="-1" strike="noStrike">
+            <a:endParaRPr lang="cs-CZ" sz="2800" b="0" strike="noStrike" spc="-1">
               <a:latin typeface="Arial"/>
             </a:endParaRPr>
           </a:p>
@@ -6803,22 +7867,25 @@
       </p:sp>
     </p:spTree>
   </p:cSld>
+  <p:clrMapOvr>
+    <a:masterClrMapping/>
+  </p:clrMapOvr>
   <p:timing>
     <p:tnLst>
       <p:par>
-        <p:cTn id="9" dur="indefinite" restart="never" nodeType="tmRoot">
+        <p:cTn id="1" dur="indefinite" restart="never" nodeType="tmRoot">
           <p:childTnLst>
             <p:seq>
-              <p:cTn id="10" dur="indefinite" nodeType="mainSeq"/>
+              <p:cTn id="2" dur="indefinite" nodeType="mainSeq"/>
               <p:prevCondLst>
-                <p:cond delay="0" evt="onPrev">
+                <p:cond evt="onPrev" delay="0">
                   <p:tgtEl>
                     <p:sldTgt/>
                   </p:tgtEl>
                 </p:cond>
               </p:prevCondLst>
               <p:nextCondLst>
-                <p:cond delay="0" evt="onNext">
+                <p:cond evt="onNext" delay="0">
                   <p:tgtEl>
                     <p:sldTgt/>
                   </p:tgtEl>
@@ -6834,7 +7901,7 @@
 </file>
 
 <file path=ppt/slides/slide6.xml><?xml version="1.0" encoding="utf-8"?>
-<p:sld xmlns:a="http://schemas.openxmlformats.org/drawingml/2006/main" xmlns:p="http://schemas.openxmlformats.org/presentationml/2006/main" xmlns:r="http://schemas.openxmlformats.org/officeDocument/2006/relationships" xmlns:p14="http://schemas.microsoft.com/office/powerpoint/2010/main" xmlns:p15="http://schemas.microsoft.com/office/powerpoint/2012/main" xmlns:mc="http://schemas.openxmlformats.org/markup-compatibility/2006">
+<p:sld xmlns:a="http://schemas.openxmlformats.org/drawingml/2006/main" xmlns:r="http://schemas.openxmlformats.org/officeDocument/2006/relationships" xmlns:p="http://schemas.openxmlformats.org/presentationml/2006/main">
   <p:cSld>
     <p:spTree>
       <p:nvGrpSpPr>
@@ -6870,13 +7937,20 @@
           </a:ln>
         </p:spPr>
         <p:style>
-          <a:lnRef idx="0"/>
-          <a:fillRef idx="0"/>
-          <a:effectRef idx="0"/>
+          <a:lnRef idx="0">
+            <a:scrgbClr r="0" g="0" b="0"/>
+          </a:lnRef>
+          <a:fillRef idx="0">
+            <a:scrgbClr r="0" g="0" b="0"/>
+          </a:fillRef>
+          <a:effectRef idx="0">
+            <a:scrgbClr r="0" g="0" b="0"/>
+          </a:effectRef>
           <a:fontRef idx="minor"/>
         </p:style>
         <p:txBody>
-          <a:bodyPr lIns="0" rIns="0" tIns="0" bIns="0" anchor="ctr"/>
+          <a:bodyPr lIns="0" tIns="0" rIns="0" bIns="0" anchor="ctr"/>
+          <a:lstStyle/>
           <a:p>
             <a:pPr algn="ctr">
               <a:lnSpc>
@@ -6884,7 +7958,7 @@
               </a:lnSpc>
             </a:pPr>
             <a:r>
-              <a:rPr b="0" lang="cs-CZ" sz="4400" spc="-1" strike="noStrike">
+              <a:rPr lang="cs-CZ" sz="4400" b="0" strike="noStrike" spc="-1">
                 <a:solidFill>
                   <a:srgbClr val="000000"/>
                 </a:solidFill>
@@ -6893,7 +7967,7 @@
               </a:rPr>
               <a:t>1 program - úprava</a:t>
             </a:r>
-            <a:endParaRPr b="0" lang="cs-CZ" sz="4400" spc="-1" strike="noStrike">
+            <a:endParaRPr lang="cs-CZ" sz="4400" b="0" strike="noStrike" spc="-1">
               <a:latin typeface="Arial"/>
             </a:endParaRPr>
           </a:p>
@@ -6919,13 +7993,20 @@
           </a:ln>
         </p:spPr>
         <p:style>
-          <a:lnRef idx="0"/>
-          <a:fillRef idx="0"/>
-          <a:effectRef idx="0"/>
+          <a:lnRef idx="0">
+            <a:scrgbClr r="0" g="0" b="0"/>
+          </a:lnRef>
+          <a:fillRef idx="0">
+            <a:scrgbClr r="0" g="0" b="0"/>
+          </a:fillRef>
+          <a:effectRef idx="0">
+            <a:scrgbClr r="0" g="0" b="0"/>
+          </a:effectRef>
           <a:fontRef idx="minor"/>
         </p:style>
         <p:txBody>
-          <a:bodyPr lIns="0" rIns="0" tIns="0" bIns="0"/>
+          <a:bodyPr lIns="0" tIns="0" rIns="0" bIns="0"/>
+          <a:lstStyle/>
           <a:p>
             <a:pPr>
               <a:lnSpc>
@@ -6935,7 +8016,7 @@
                 <a:spcPts val="601"/>
               </a:spcBef>
             </a:pPr>
-            <a:endParaRPr b="0" lang="cs-CZ" sz="1800" spc="-1" strike="noStrike">
+            <a:endParaRPr lang="cs-CZ" sz="1800" b="0" strike="noStrike" spc="-1">
               <a:latin typeface="Arial"/>
             </a:endParaRPr>
           </a:p>
@@ -6948,7 +8029,7 @@
                 <a:spcPts val="601"/>
               </a:spcBef>
             </a:pPr>
-            <a:endParaRPr b="0" lang="cs-CZ" sz="1800" spc="-1" strike="noStrike">
+            <a:endParaRPr lang="cs-CZ" sz="1800" b="0" strike="noStrike" spc="-1">
               <a:latin typeface="Arial"/>
             </a:endParaRPr>
           </a:p>
@@ -6961,7 +8042,7 @@
                 <a:spcPts val="601"/>
               </a:spcBef>
             </a:pPr>
-            <a:endParaRPr b="0" lang="cs-CZ" sz="1800" spc="-1" strike="noStrike">
+            <a:endParaRPr lang="cs-CZ" sz="1800" b="0" strike="noStrike" spc="-1">
               <a:latin typeface="Arial"/>
             </a:endParaRPr>
           </a:p>
@@ -6982,7 +8063,7 @@
             <a:avLst/>
           </a:prstGeom>
           <a:solidFill>
-            <a:srgbClr val="dddddd"/>
+            <a:srgbClr val="DDDDDD"/>
           </a:solidFill>
           <a:ln>
             <a:solidFill>
@@ -6991,10 +8072,11 @@
           </a:ln>
         </p:spPr>
         <p:txBody>
-          <a:bodyPr lIns="90000" rIns="90000" tIns="45000" bIns="45000"/>
-          <a:p>
-            <a:r>
-              <a:rPr b="0" lang="cs-CZ" sz="3600" spc="-1" strike="noStrike">
+          <a:bodyPr lIns="90000" tIns="45000" rIns="90000" bIns="45000"/>
+          <a:lstStyle/>
+          <a:p>
+            <a:r>
+              <a:rPr lang="cs-CZ" sz="3600" b="0" strike="noStrike" spc="-1">
                 <a:solidFill>
                   <a:srgbClr val="008000"/>
                 </a:solidFill>
@@ -7004,7 +8086,7 @@
               <a:t>﻿</a:t>
             </a:r>
             <a:r>
-              <a:rPr b="0" lang="cs-CZ" sz="3600" spc="-1" strike="noStrike">
+              <a:rPr lang="cs-CZ" sz="3600" b="0" strike="noStrike" spc="-1">
                 <a:solidFill>
                   <a:srgbClr val="008000"/>
                 </a:solidFill>
@@ -7013,7 +8095,7 @@
               <a:t>fro</a:t>
             </a:r>
             <a:r>
-              <a:rPr b="0" lang="cs-CZ" sz="3600" spc="-1" strike="noStrike">
+              <a:rPr lang="cs-CZ" sz="3600" b="0" strike="noStrike" spc="-1">
                 <a:solidFill>
                   <a:srgbClr val="000000"/>
                 </a:solidFill>
@@ -7022,16 +8104,16 @@
               <a:t>m</a:t>
             </a:r>
             <a:r>
-              <a:rPr b="0" lang="cs-CZ" sz="3600" spc="-1" strike="noStrike">
-                <a:solidFill>
-                  <a:srgbClr val="0000ff"/>
+              <a:rPr lang="cs-CZ" sz="3600" b="0" strike="noStrike" spc="-1">
+                <a:solidFill>
+                  <a:srgbClr val="0000FF"/>
                 </a:solidFill>
                 <a:latin typeface="Courier New"/>
               </a:rPr>
               <a:t> microbi</a:t>
             </a:r>
             <a:r>
-              <a:rPr b="0" lang="cs-CZ" sz="3600" spc="-1" strike="noStrike">
+              <a:rPr lang="cs-CZ" sz="3600" b="0" strike="noStrike" spc="-1">
                 <a:solidFill>
                   <a:srgbClr val="000000"/>
                 </a:solidFill>
@@ -7040,7 +8122,7 @@
               <a:t>t</a:t>
             </a:r>
             <a:r>
-              <a:rPr b="0" lang="cs-CZ" sz="3600" spc="-1" strike="noStrike">
+              <a:rPr lang="cs-CZ" sz="3600" b="0" strike="noStrike" spc="-1">
                 <a:solidFill>
                   <a:srgbClr val="008000"/>
                 </a:solidFill>
@@ -7049,7 +8131,7 @@
               <a:t> impor</a:t>
             </a:r>
             <a:r>
-              <a:rPr b="0" lang="cs-CZ" sz="3600" spc="-1" strike="noStrike">
+              <a:rPr lang="cs-CZ" sz="3600" b="0" strike="noStrike" spc="-1">
                 <a:solidFill>
                   <a:srgbClr val="000000"/>
                 </a:solidFill>
@@ -7058,7 +8140,7 @@
               <a:t>t</a:t>
             </a:r>
             <a:r>
-              <a:rPr b="0" lang="cs-CZ" sz="3600" spc="-1" strike="noStrike">
+              <a:rPr lang="cs-CZ" sz="3600" b="0" strike="noStrike" spc="-1">
                 <a:solidFill>
                   <a:srgbClr val="666666"/>
                 </a:solidFill>
@@ -7067,7 +8149,7 @@
               <a:t> </a:t>
             </a:r>
             <a:r>
-              <a:rPr b="0" lang="cs-CZ" sz="3600" spc="-1" strike="noStrike">
+              <a:rPr lang="cs-CZ" sz="3600" b="0" strike="noStrike" spc="-1">
                 <a:solidFill>
                   <a:srgbClr val="000000"/>
                 </a:solidFill>
@@ -7075,13 +8157,13 @@
               </a:rPr>
               <a:t>*</a:t>
             </a:r>
-            <a:endParaRPr b="0" lang="cs-CZ" sz="3600" spc="-1" strike="noStrike">
-              <a:latin typeface="Arial"/>
-            </a:endParaRPr>
-          </a:p>
-          <a:p>
-            <a:r>
-              <a:rPr b="0" lang="cs-CZ" sz="3600" spc="-1" strike="noStrike">
+            <a:endParaRPr lang="cs-CZ" sz="3600" b="0" strike="noStrike" spc="-1">
+              <a:latin typeface="Arial"/>
+            </a:endParaRPr>
+          </a:p>
+          <a:p>
+            <a:r>
+              <a:rPr lang="cs-CZ" sz="3600" b="0" strike="noStrike" spc="-1">
                 <a:solidFill>
                   <a:srgbClr val="000000"/>
                 </a:solidFill>
@@ -7090,7 +8172,7 @@
               <a:t>A</a:t>
             </a:r>
             <a:r>
-              <a:rPr b="0" lang="cs-CZ" sz="3600" spc="-1" strike="noStrike">
+              <a:rPr lang="cs-CZ" sz="3600" b="0" strike="noStrike" spc="-1">
                 <a:solidFill>
                   <a:srgbClr val="666666"/>
                 </a:solidFill>
@@ -7099,7 +8181,7 @@
               <a:t> </a:t>
             </a:r>
             <a:r>
-              <a:rPr b="0" lang="cs-CZ" sz="3600" spc="-1" strike="noStrike">
+              <a:rPr lang="cs-CZ" sz="3600" b="0" strike="noStrike" spc="-1">
                 <a:solidFill>
                   <a:srgbClr val="000000"/>
                 </a:solidFill>
@@ -7107,13 +8189,13 @@
               </a:rPr>
               <a:t>= [pin0, pin1, pin2]</a:t>
             </a:r>
-            <a:endParaRPr b="0" lang="cs-CZ" sz="3600" spc="-1" strike="noStrike">
-              <a:latin typeface="Arial"/>
-            </a:endParaRPr>
-          </a:p>
-          <a:p>
-            <a:r>
-              <a:rPr b="0" lang="cs-CZ" sz="3600" spc="-1" strike="noStrike">
+            <a:endParaRPr lang="cs-CZ" sz="3600" b="0" strike="noStrike" spc="-1">
+              <a:latin typeface="Arial"/>
+            </a:endParaRPr>
+          </a:p>
+          <a:p>
+            <a:r>
+              <a:rPr lang="cs-CZ" sz="3600" b="0" strike="noStrike" spc="-1">
                 <a:solidFill>
                   <a:srgbClr val="008000"/>
                 </a:solidFill>
@@ -7122,7 +8204,7 @@
               <a:t>fo</a:t>
             </a:r>
             <a:r>
-              <a:rPr b="0" lang="cs-CZ" sz="3600" spc="-1" strike="noStrike">
+              <a:rPr lang="cs-CZ" sz="3600" b="0" strike="noStrike" spc="-1">
                 <a:solidFill>
                   <a:srgbClr val="000000"/>
                 </a:solidFill>
@@ -7131,16 +8213,16 @@
               <a:t>r I</a:t>
             </a:r>
             <a:r>
-              <a:rPr b="0" lang="cs-CZ" sz="3600" spc="-1" strike="noStrike">
-                <a:solidFill>
-                  <a:srgbClr val="aa22ff"/>
+              <a:rPr lang="cs-CZ" sz="3600" b="0" strike="noStrike" spc="-1">
+                <a:solidFill>
+                  <a:srgbClr val="AA22FF"/>
                 </a:solidFill>
                 <a:latin typeface="Courier New"/>
               </a:rPr>
               <a:t> i</a:t>
             </a:r>
             <a:r>
-              <a:rPr b="0" lang="cs-CZ" sz="3600" spc="-1" strike="noStrike">
+              <a:rPr lang="cs-CZ" sz="3600" b="0" strike="noStrike" spc="-1">
                 <a:solidFill>
                   <a:srgbClr val="000000"/>
                 </a:solidFill>
@@ -7149,7 +8231,7 @@
               <a:t>n</a:t>
             </a:r>
             <a:r>
-              <a:rPr b="0" lang="cs-CZ" sz="3600" spc="-1" strike="noStrike">
+              <a:rPr lang="cs-CZ" sz="3600" b="0" strike="noStrike" spc="-1">
                 <a:solidFill>
                   <a:srgbClr val="008000"/>
                 </a:solidFill>
@@ -7158,7 +8240,7 @@
               <a:t> A</a:t>
             </a:r>
             <a:r>
-              <a:rPr b="0" lang="cs-CZ" sz="3600" spc="-1" strike="noStrike">
+              <a:rPr lang="cs-CZ" sz="3600" b="0" strike="noStrike" spc="-1">
                 <a:solidFill>
                   <a:srgbClr val="000000"/>
                 </a:solidFill>
@@ -7166,31 +8248,22 @@
               </a:rPr>
               <a:t>:</a:t>
             </a:r>
-            <a:endParaRPr b="0" lang="cs-CZ" sz="3600" spc="-1" strike="noStrike">
-              <a:latin typeface="Arial"/>
-            </a:endParaRPr>
-          </a:p>
-          <a:p>
-            <a:r>
-              <a:rPr b="0" lang="cs-CZ" sz="3600" spc="-1" strike="noStrike">
-                <a:solidFill>
-                  <a:srgbClr val="000000"/>
-                </a:solidFill>
-                <a:latin typeface="Courier New"/>
-              </a:rPr>
-              <a:t>    </a:t>
-            </a:r>
-            <a:r>
-              <a:rPr b="0" lang="cs-CZ" sz="3600" spc="-1" strike="noStrike">
-                <a:solidFill>
-                  <a:srgbClr val="000000"/>
-                </a:solidFill>
-                <a:latin typeface="Courier New"/>
-              </a:rPr>
-              <a:t>I.write_digital</a:t>
-            </a:r>
-            <a:r>
-              <a:rPr b="0" lang="cs-CZ" sz="3600" spc="-1" strike="noStrike">
+            <a:endParaRPr lang="cs-CZ" sz="3600" b="0" strike="noStrike" spc="-1">
+              <a:latin typeface="Arial"/>
+            </a:endParaRPr>
+          </a:p>
+          <a:p>
+            <a:r>
+              <a:rPr lang="cs-CZ" sz="3600" b="0" strike="noStrike" spc="-1">
+                <a:solidFill>
+                  <a:srgbClr val="000000"/>
+                </a:solidFill>
+                <a:latin typeface="Courier New"/>
+              </a:rPr>
+              <a:t>    I.write_digital</a:t>
+            </a:r>
+            <a:r>
+              <a:rPr lang="cs-CZ" sz="3600" b="0" strike="noStrike" spc="-1">
                 <a:solidFill>
                   <a:srgbClr val="666666"/>
                 </a:solidFill>
@@ -7199,7 +8272,7 @@
               <a:t>(</a:t>
             </a:r>
             <a:r>
-              <a:rPr b="0" lang="cs-CZ" sz="3600" spc="-1" strike="noStrike">
+              <a:rPr lang="cs-CZ" sz="3600" b="0" strike="noStrike" spc="-1">
                 <a:solidFill>
                   <a:srgbClr val="000000"/>
                 </a:solidFill>
@@ -7207,31 +8280,22 @@
               </a:rPr>
               <a:t>1)</a:t>
             </a:r>
-            <a:endParaRPr b="0" lang="cs-CZ" sz="3600" spc="-1" strike="noStrike">
-              <a:latin typeface="Arial"/>
-            </a:endParaRPr>
-          </a:p>
-          <a:p>
-            <a:r>
-              <a:rPr b="0" lang="cs-CZ" sz="3600" spc="-1" strike="noStrike">
-                <a:solidFill>
-                  <a:srgbClr val="000000"/>
-                </a:solidFill>
-                <a:latin typeface="Courier New"/>
-              </a:rPr>
-              <a:t>    </a:t>
-            </a:r>
-            <a:r>
-              <a:rPr b="0" lang="cs-CZ" sz="3600" spc="-1" strike="noStrike">
-                <a:solidFill>
-                  <a:srgbClr val="000000"/>
-                </a:solidFill>
-                <a:latin typeface="Courier New"/>
-              </a:rPr>
-              <a:t>sleep</a:t>
-            </a:r>
-            <a:r>
-              <a:rPr b="0" lang="cs-CZ" sz="3600" spc="-1" strike="noStrike">
+            <a:endParaRPr lang="cs-CZ" sz="3600" b="0" strike="noStrike" spc="-1">
+              <a:latin typeface="Arial"/>
+            </a:endParaRPr>
+          </a:p>
+          <a:p>
+            <a:r>
+              <a:rPr lang="cs-CZ" sz="3600" b="0" strike="noStrike" spc="-1">
+                <a:solidFill>
+                  <a:srgbClr val="000000"/>
+                </a:solidFill>
+                <a:latin typeface="Courier New"/>
+              </a:rPr>
+              <a:t>    sleep</a:t>
+            </a:r>
+            <a:r>
+              <a:rPr lang="cs-CZ" sz="3600" b="0" strike="noStrike" spc="-1">
                 <a:solidFill>
                   <a:srgbClr val="666666"/>
                 </a:solidFill>
@@ -7240,7 +8304,7 @@
               <a:t>(200</a:t>
             </a:r>
             <a:r>
-              <a:rPr b="0" lang="cs-CZ" sz="3600" spc="-1" strike="noStrike">
+              <a:rPr lang="cs-CZ" sz="3600" b="0" strike="noStrike" spc="-1">
                 <a:solidFill>
                   <a:srgbClr val="000000"/>
                 </a:solidFill>
@@ -7248,31 +8312,22 @@
               </a:rPr>
               <a:t>0)</a:t>
             </a:r>
-            <a:endParaRPr b="0" lang="cs-CZ" sz="3600" spc="-1" strike="noStrike">
-              <a:latin typeface="Arial"/>
-            </a:endParaRPr>
-          </a:p>
-          <a:p>
-            <a:r>
-              <a:rPr b="0" lang="cs-CZ" sz="3600" spc="-1" strike="noStrike">
-                <a:solidFill>
-                  <a:srgbClr val="000000"/>
-                </a:solidFill>
-                <a:latin typeface="Courier New"/>
-              </a:rPr>
-              <a:t>    </a:t>
-            </a:r>
-            <a:r>
-              <a:rPr b="0" lang="cs-CZ" sz="3600" spc="-1" strike="noStrike">
-                <a:solidFill>
-                  <a:srgbClr val="000000"/>
-                </a:solidFill>
-                <a:latin typeface="Courier New"/>
-              </a:rPr>
-              <a:t>I.write_digital</a:t>
-            </a:r>
-            <a:r>
-              <a:rPr b="0" lang="cs-CZ" sz="3600" spc="-1" strike="noStrike">
+            <a:endParaRPr lang="cs-CZ" sz="3600" b="0" strike="noStrike" spc="-1">
+              <a:latin typeface="Arial"/>
+            </a:endParaRPr>
+          </a:p>
+          <a:p>
+            <a:r>
+              <a:rPr lang="cs-CZ" sz="3600" b="0" strike="noStrike" spc="-1">
+                <a:solidFill>
+                  <a:srgbClr val="000000"/>
+                </a:solidFill>
+                <a:latin typeface="Courier New"/>
+              </a:rPr>
+              <a:t>    I.write_digital</a:t>
+            </a:r>
+            <a:r>
+              <a:rPr lang="cs-CZ" sz="3600" b="0" strike="noStrike" spc="-1">
                 <a:solidFill>
                   <a:srgbClr val="666666"/>
                 </a:solidFill>
@@ -7281,7 +8336,7 @@
               <a:t>(</a:t>
             </a:r>
             <a:r>
-              <a:rPr b="0" lang="cs-CZ" sz="3600" spc="-1" strike="noStrike">
+              <a:rPr lang="cs-CZ" sz="3600" b="0" strike="noStrike" spc="-1">
                 <a:solidFill>
                   <a:srgbClr val="000000"/>
                 </a:solidFill>
@@ -7289,7 +8344,7 @@
               </a:rPr>
               <a:t>0)</a:t>
             </a:r>
-            <a:endParaRPr b="0" lang="cs-CZ" sz="3600" spc="-1" strike="noStrike">
+            <a:endParaRPr lang="cs-CZ" sz="3600" b="0" strike="noStrike" spc="-1">
               <a:latin typeface="Arial"/>
             </a:endParaRPr>
           </a:p>
@@ -7297,22 +8352,25 @@
       </p:sp>
     </p:spTree>
   </p:cSld>
+  <p:clrMapOvr>
+    <a:masterClrMapping/>
+  </p:clrMapOvr>
   <p:timing>
     <p:tnLst>
       <p:par>
-        <p:cTn id="11" dur="indefinite" restart="never" nodeType="tmRoot">
+        <p:cTn id="1" dur="indefinite" restart="never" nodeType="tmRoot">
           <p:childTnLst>
             <p:seq>
-              <p:cTn id="12" dur="indefinite" nodeType="mainSeq"/>
+              <p:cTn id="2" dur="indefinite" nodeType="mainSeq"/>
               <p:prevCondLst>
-                <p:cond delay="0" evt="onPrev">
+                <p:cond evt="onPrev" delay="0">
                   <p:tgtEl>
                     <p:sldTgt/>
                   </p:tgtEl>
                 </p:cond>
               </p:prevCondLst>
               <p:nextCondLst>
-                <p:cond delay="0" evt="onNext">
+                <p:cond evt="onNext" delay="0">
                   <p:tgtEl>
                     <p:sldTgt/>
                   </p:tgtEl>
@@ -7328,7 +8386,7 @@
 </file>
 
 <file path=ppt/slides/slide7.xml><?xml version="1.0" encoding="utf-8"?>
-<p:sld xmlns:a="http://schemas.openxmlformats.org/drawingml/2006/main" xmlns:p="http://schemas.openxmlformats.org/presentationml/2006/main" xmlns:r="http://schemas.openxmlformats.org/officeDocument/2006/relationships" xmlns:p14="http://schemas.microsoft.com/office/powerpoint/2010/main" xmlns:p15="http://schemas.microsoft.com/office/powerpoint/2012/main" xmlns:mc="http://schemas.openxmlformats.org/markup-compatibility/2006">
+<p:sld xmlns:a="http://schemas.openxmlformats.org/drawingml/2006/main" xmlns:r="http://schemas.openxmlformats.org/officeDocument/2006/relationships" xmlns:p="http://schemas.openxmlformats.org/presentationml/2006/main">
   <p:cSld>
     <p:spTree>
       <p:nvGrpSpPr>
@@ -7352,7 +8410,7 @@
         </p:nvSpPr>
         <p:spPr>
           <a:xfrm>
-            <a:off x="504000" y="145080"/>
+            <a:off x="550800" y="0"/>
             <a:ext cx="9071640" cy="1261440"/>
           </a:xfrm>
           <a:prstGeom prst="rect">
@@ -7364,15 +8422,16 @@
           </a:ln>
         </p:spPr>
         <p:txBody>
-          <a:bodyPr lIns="0" rIns="0" tIns="0" bIns="0" anchor="ctr"/>
-          <a:p>
-            <a:pPr>
+          <a:bodyPr lIns="0" tIns="0" rIns="0" bIns="0" anchor="ctr"/>
+          <a:lstStyle/>
+          <a:p>
+            <a:pPr algn="ctr">
               <a:lnSpc>
                 <a:spcPct val="90000"/>
               </a:lnSpc>
             </a:pPr>
             <a:r>
-              <a:rPr b="0" lang="cs-CZ" sz="4400" spc="-1" strike="noStrike">
+              <a:rPr lang="cs-CZ" sz="4400" b="0" strike="noStrike" spc="-1" dirty="0">
                 <a:solidFill>
                   <a:srgbClr val="000000"/>
                 </a:solidFill>
@@ -7381,7 +8440,7 @@
               </a:rPr>
               <a:t>Poznámky</a:t>
             </a:r>
-            <a:endParaRPr b="0" lang="cs-CZ" sz="4400" spc="-1" strike="noStrike">
+            <a:endParaRPr lang="cs-CZ" sz="4400" b="0" strike="noStrike" spc="-1" dirty="0">
               <a:solidFill>
                 <a:srgbClr val="000000"/>
               </a:solidFill>
@@ -7398,8 +8457,8 @@
         </p:nvSpPr>
         <p:spPr>
           <a:xfrm>
-            <a:off x="504000" y="1768680"/>
-            <a:ext cx="9071640" cy="4383720"/>
+            <a:off x="504000" y="1768679"/>
+            <a:ext cx="9071640" cy="4663293"/>
           </a:xfrm>
           <a:prstGeom prst="rect">
             <a:avLst/>
@@ -7410,7 +8469,8 @@
           </a:ln>
         </p:spPr>
         <p:txBody>
-          <a:bodyPr lIns="0" rIns="0" tIns="0" bIns="0"/>
+          <a:bodyPr lIns="0" tIns="0" rIns="0" bIns="0"/>
+          <a:lstStyle/>
           <a:p>
             <a:pPr marL="228600" indent="-228240">
               <a:lnSpc>
@@ -7426,7 +8486,7 @@
               <a:buChar char="•"/>
             </a:pPr>
             <a:r>
-              <a:rPr b="0" lang="cs-CZ" sz="2800" spc="-1" strike="noStrike">
+              <a:rPr lang="cs-CZ" sz="2800" b="0" strike="noStrike" spc="-1" dirty="0">
                 <a:solidFill>
                   <a:srgbClr val="000000"/>
                 </a:solidFill>
@@ -7435,7 +8495,7 @@
               </a:rPr>
               <a:t>V prvním programu byl použit digitální výstup – barva svítí nebo nesvítí</a:t>
             </a:r>
-            <a:endParaRPr b="0" lang="cs-CZ" sz="2800" spc="-1" strike="noStrike">
+            <a:endParaRPr lang="cs-CZ" sz="2800" b="0" strike="noStrike" spc="-1" dirty="0">
               <a:latin typeface="Arial"/>
             </a:endParaRPr>
           </a:p>
@@ -7454,7 +8514,7 @@
               <a:buChar char="•"/>
             </a:pPr>
             <a:r>
-              <a:rPr b="0" lang="cs-CZ" sz="2800" spc="-1" strike="noStrike">
+              <a:rPr lang="cs-CZ" sz="2800" b="0" strike="noStrike" spc="-1" dirty="0">
                 <a:solidFill>
                   <a:srgbClr val="000000"/>
                 </a:solidFill>
@@ -7464,7 +8524,7 @@
               <a:t>V upraveném programu je použita struktura pole pro seznam pinů – </a:t>
             </a:r>
             <a:r>
-              <a:rPr b="1" lang="cs-CZ" sz="2800" spc="-1" strike="noStrike">
+              <a:rPr lang="cs-CZ" sz="2800" b="1" strike="noStrike" spc="-1" dirty="0">
                 <a:solidFill>
                   <a:srgbClr val="000000"/>
                 </a:solidFill>
@@ -7474,7 +8534,7 @@
               <a:t>složitější datová struktura znamená jednodušší program</a:t>
             </a:r>
             <a:r>
-              <a:rPr b="0" lang="cs-CZ" sz="2800" spc="-1" strike="noStrike">
+              <a:rPr lang="cs-CZ" sz="2800" b="0" strike="noStrike" spc="-1" dirty="0">
                 <a:solidFill>
                   <a:srgbClr val="000000"/>
                 </a:solidFill>
@@ -7483,7 +8543,7 @@
               </a:rPr>
               <a:t> (obecné pravidlo programování)</a:t>
             </a:r>
-            <a:endParaRPr b="0" lang="cs-CZ" sz="2800" spc="-1" strike="noStrike">
+            <a:endParaRPr lang="cs-CZ" sz="2800" b="0" strike="noStrike" spc="-1" dirty="0">
               <a:latin typeface="Arial"/>
             </a:endParaRPr>
           </a:p>
@@ -7502,7 +8562,7 @@
               <a:buChar char="•"/>
             </a:pPr>
             <a:r>
-              <a:rPr b="0" lang="cs-CZ" sz="2800" spc="-1" strike="noStrike">
+              <a:rPr lang="cs-CZ" sz="2800" b="0" strike="noStrike" spc="-1" dirty="0">
                 <a:solidFill>
                   <a:srgbClr val="000000"/>
                 </a:solidFill>
@@ -7511,12 +8571,12 @@
               </a:rPr>
               <a:t>Následuje program, který analogově rozsvěcuje a zhasíná jednu barvu</a:t>
             </a:r>
-            <a:endParaRPr b="0" lang="cs-CZ" sz="2800" spc="-1" strike="noStrike">
-              <a:latin typeface="Arial"/>
-            </a:endParaRPr>
-          </a:p>
-          <a:p>
-            <a:pPr lvl="1" marL="432000" indent="-216000">
+            <a:endParaRPr lang="cs-CZ" sz="2800" b="0" strike="noStrike" spc="-1" dirty="0">
+              <a:latin typeface="Arial"/>
+            </a:endParaRPr>
+          </a:p>
+          <a:p>
+            <a:pPr marL="432000" lvl="1" indent="-216000">
               <a:lnSpc>
                 <a:spcPct val="90000"/>
               </a:lnSpc>
@@ -7531,7 +8591,7 @@
               <a:buChar char=""/>
             </a:pPr>
             <a:r>
-              <a:rPr b="0" lang="cs-CZ" sz="2800" spc="-1" strike="noStrike">
+              <a:rPr lang="cs-CZ" sz="2800" b="0" strike="noStrike" spc="-1" dirty="0">
                 <a:solidFill>
                   <a:srgbClr val="000000"/>
                 </a:solidFill>
@@ -7540,7 +8600,7 @@
               </a:rPr>
               <a:t>Není to úplně analogový přístup, ale jeho diskretizace na 1024 hodnot.</a:t>
             </a:r>
-            <a:endParaRPr b="0" lang="cs-CZ" sz="2800" spc="-1" strike="noStrike">
+            <a:endParaRPr lang="cs-CZ" sz="2800" b="0" strike="noStrike" spc="-1" dirty="0">
               <a:latin typeface="Arial"/>
             </a:endParaRPr>
           </a:p>
@@ -7548,22 +8608,25 @@
       </p:sp>
     </p:spTree>
   </p:cSld>
+  <p:clrMapOvr>
+    <a:masterClrMapping/>
+  </p:clrMapOvr>
   <p:timing>
     <p:tnLst>
       <p:par>
-        <p:cTn id="13" dur="indefinite" restart="never" nodeType="tmRoot">
+        <p:cTn id="1" dur="indefinite" restart="never" nodeType="tmRoot">
           <p:childTnLst>
             <p:seq>
-              <p:cTn id="14" dur="indefinite" nodeType="mainSeq"/>
+              <p:cTn id="2" dur="indefinite" nodeType="mainSeq"/>
               <p:prevCondLst>
-                <p:cond delay="0" evt="onPrev">
+                <p:cond evt="onPrev" delay="0">
                   <p:tgtEl>
                     <p:sldTgt/>
                   </p:tgtEl>
                 </p:cond>
               </p:prevCondLst>
               <p:nextCondLst>
-                <p:cond delay="0" evt="onNext">
+                <p:cond evt="onNext" delay="0">
                   <p:tgtEl>
                     <p:sldTgt/>
                   </p:tgtEl>
@@ -7579,7 +8642,7 @@
 </file>
 
 <file path=ppt/slides/slide8.xml><?xml version="1.0" encoding="utf-8"?>
-<p:sld xmlns:a="http://schemas.openxmlformats.org/drawingml/2006/main" xmlns:p="http://schemas.openxmlformats.org/presentationml/2006/main" xmlns:r="http://schemas.openxmlformats.org/officeDocument/2006/relationships" xmlns:p14="http://schemas.microsoft.com/office/powerpoint/2010/main" xmlns:p15="http://schemas.microsoft.com/office/powerpoint/2012/main" xmlns:mc="http://schemas.openxmlformats.org/markup-compatibility/2006">
+<p:sld xmlns:a="http://schemas.openxmlformats.org/drawingml/2006/main" xmlns:r="http://schemas.openxmlformats.org/officeDocument/2006/relationships" xmlns:p="http://schemas.openxmlformats.org/presentationml/2006/main">
   <p:cSld>
     <p:spTree>
       <p:nvGrpSpPr>
@@ -7615,7 +8678,8 @@
           </a:ln>
         </p:spPr>
         <p:txBody>
-          <a:bodyPr lIns="0" rIns="0" tIns="0" bIns="0" anchor="ctr"/>
+          <a:bodyPr lIns="0" tIns="0" rIns="0" bIns="0" anchor="ctr"/>
+          <a:lstStyle/>
           <a:p>
             <a:pPr>
               <a:lnSpc>
@@ -7623,7 +8687,7 @@
               </a:lnSpc>
             </a:pPr>
             <a:r>
-              <a:rPr b="0" lang="cs-CZ" sz="4000" spc="-1" strike="noStrike">
+              <a:rPr lang="cs-CZ" sz="4000" b="0" strike="noStrike" spc="-1">
                 <a:solidFill>
                   <a:srgbClr val="000000"/>
                 </a:solidFill>
@@ -7632,7 +8696,7 @@
               </a:rPr>
               <a:t>Program rozsvěcení a zhasínání barvy</a:t>
             </a:r>
-            <a:endParaRPr b="0" lang="cs-CZ" sz="4000" spc="-1" strike="noStrike">
+            <a:endParaRPr lang="cs-CZ" sz="4000" b="0" strike="noStrike" spc="-1">
               <a:solidFill>
                 <a:srgbClr val="000000"/>
               </a:solidFill>
@@ -7661,9 +8725,10 @@
           </a:ln>
         </p:spPr>
         <p:txBody>
-          <a:bodyPr lIns="0" rIns="0" tIns="0" bIns="0">
+          <a:bodyPr lIns="0" tIns="0" rIns="0" bIns="0">
             <a:normAutofit/>
           </a:bodyPr>
+          <a:lstStyle/>
           <a:p>
             <a:pPr>
               <a:lnSpc>
@@ -7673,7 +8738,7 @@
                 <a:spcPts val="1001"/>
               </a:spcBef>
             </a:pPr>
-            <a:endParaRPr b="0" lang="cs-CZ" sz="3200" spc="-1" strike="noStrike">
+            <a:endParaRPr lang="cs-CZ" sz="3200" b="0" strike="noStrike" spc="-1">
               <a:latin typeface="Arial"/>
             </a:endParaRPr>
           </a:p>
@@ -7686,7 +8751,7 @@
                 <a:spcPts val="1001"/>
               </a:spcBef>
             </a:pPr>
-            <a:endParaRPr b="0" lang="cs-CZ" sz="3200" spc="-1" strike="noStrike">
+            <a:endParaRPr lang="cs-CZ" sz="3200" b="0" strike="noStrike" spc="-1">
               <a:latin typeface="Arial"/>
             </a:endParaRPr>
           </a:p>
@@ -7707,7 +8772,7 @@
             <a:avLst/>
           </a:prstGeom>
           <a:solidFill>
-            <a:srgbClr val="dddddd"/>
+            <a:srgbClr val="DDDDDD"/>
           </a:solidFill>
           <a:ln>
             <a:solidFill>
@@ -7716,10 +8781,11 @@
           </a:ln>
         </p:spPr>
         <p:txBody>
-          <a:bodyPr lIns="90000" rIns="90000" tIns="45000" bIns="45000"/>
-          <a:p>
-            <a:r>
-              <a:rPr b="0" lang="cs-CZ" sz="3200" spc="-1" strike="noStrike">
+          <a:bodyPr lIns="90000" tIns="45000" rIns="90000" bIns="45000"/>
+          <a:lstStyle/>
+          <a:p>
+            <a:r>
+              <a:rPr lang="cs-CZ" sz="3200" b="0" strike="noStrike" spc="-1">
                 <a:solidFill>
                   <a:srgbClr val="008000"/>
                 </a:solidFill>
@@ -7728,7 +8794,7 @@
               <a:t>from</a:t>
             </a:r>
             <a:r>
-              <a:rPr b="0" lang="cs-CZ" sz="3200" spc="-1" strike="noStrike">
+              <a:rPr lang="cs-CZ" sz="3200" b="0" strike="noStrike" spc="-1">
                 <a:solidFill>
                   <a:srgbClr val="000000"/>
                 </a:solidFill>
@@ -7737,16 +8803,16 @@
               <a:t> </a:t>
             </a:r>
             <a:r>
-              <a:rPr b="0" lang="cs-CZ" sz="3200" spc="-1" strike="noStrike">
-                <a:solidFill>
-                  <a:srgbClr val="0000ff"/>
+              <a:rPr lang="cs-CZ" sz="3200" b="0" strike="noStrike" spc="-1">
+                <a:solidFill>
+                  <a:srgbClr val="0000FF"/>
                 </a:solidFill>
                 <a:latin typeface="Courier New"/>
               </a:rPr>
               <a:t>microbit</a:t>
             </a:r>
             <a:r>
-              <a:rPr b="0" lang="cs-CZ" sz="3200" spc="-1" strike="noStrike">
+              <a:rPr lang="cs-CZ" sz="3200" b="0" strike="noStrike" spc="-1">
                 <a:solidFill>
                   <a:srgbClr val="000000"/>
                 </a:solidFill>
@@ -7755,7 +8821,7 @@
               <a:t> </a:t>
             </a:r>
             <a:r>
-              <a:rPr b="0" lang="cs-CZ" sz="3200" spc="-1" strike="noStrike">
+              <a:rPr lang="cs-CZ" sz="3200" b="0" strike="noStrike" spc="-1">
                 <a:solidFill>
                   <a:srgbClr val="008000"/>
                 </a:solidFill>
@@ -7764,7 +8830,7 @@
               <a:t>import</a:t>
             </a:r>
             <a:r>
-              <a:rPr b="0" lang="cs-CZ" sz="3200" spc="-1" strike="noStrike">
+              <a:rPr lang="cs-CZ" sz="3200" b="0" strike="noStrike" spc="-1">
                 <a:solidFill>
                   <a:srgbClr val="000000"/>
                 </a:solidFill>
@@ -7773,7 +8839,7 @@
               <a:t> </a:t>
             </a:r>
             <a:r>
-              <a:rPr b="0" lang="cs-CZ" sz="3200" spc="-1" strike="noStrike">
+              <a:rPr lang="cs-CZ" sz="3200" b="0" strike="noStrike" spc="-1">
                 <a:solidFill>
                   <a:srgbClr val="666666"/>
                 </a:solidFill>
@@ -7781,13 +8847,13 @@
               </a:rPr>
               <a:t>*</a:t>
             </a:r>
-            <a:endParaRPr b="0" lang="cs-CZ" sz="3200" spc="-1" strike="noStrike">
-              <a:latin typeface="Arial"/>
-            </a:endParaRPr>
-          </a:p>
-          <a:p>
-            <a:r>
-              <a:rPr b="0" lang="cs-CZ" sz="3200" spc="-1" strike="noStrike">
+            <a:endParaRPr lang="cs-CZ" sz="3200" b="0" strike="noStrike" spc="-1">
+              <a:latin typeface="Arial"/>
+            </a:endParaRPr>
+          </a:p>
+          <a:p>
+            <a:r>
+              <a:rPr lang="cs-CZ" sz="3200" b="0" strike="noStrike" spc="-1">
                 <a:solidFill>
                   <a:srgbClr val="008000"/>
                 </a:solidFill>
@@ -7796,7 +8862,7 @@
               <a:t>while</a:t>
             </a:r>
             <a:r>
-              <a:rPr b="0" lang="cs-CZ" sz="3200" spc="-1" strike="noStrike">
+              <a:rPr lang="cs-CZ" sz="3200" b="0" strike="noStrike" spc="-1">
                 <a:solidFill>
                   <a:srgbClr val="000000"/>
                 </a:solidFill>
@@ -7805,7 +8871,7 @@
               <a:t> </a:t>
             </a:r>
             <a:r>
-              <a:rPr b="0" lang="cs-CZ" sz="3200" spc="-1" strike="noStrike">
+              <a:rPr lang="cs-CZ" sz="3200" b="0" strike="noStrike" spc="-1">
                 <a:solidFill>
                   <a:srgbClr val="008000"/>
                 </a:solidFill>
@@ -7814,7 +8880,7 @@
               <a:t>True</a:t>
             </a:r>
             <a:r>
-              <a:rPr b="0" lang="cs-CZ" sz="3200" spc="-1" strike="noStrike">
+              <a:rPr lang="cs-CZ" sz="3200" b="0" strike="noStrike" spc="-1">
                 <a:solidFill>
                   <a:srgbClr val="000000"/>
                 </a:solidFill>
@@ -7822,13 +8888,13 @@
               </a:rPr>
               <a:t>:    </a:t>
             </a:r>
-            <a:endParaRPr b="0" lang="cs-CZ" sz="3200" spc="-1" strike="noStrike">
-              <a:latin typeface="Arial"/>
-            </a:endParaRPr>
-          </a:p>
-          <a:p>
-            <a:r>
-              <a:rPr b="0" lang="cs-CZ" sz="3200" spc="-1" strike="noStrike">
+            <a:endParaRPr lang="cs-CZ" sz="3200" b="0" strike="noStrike" spc="-1">
+              <a:latin typeface="Arial"/>
+            </a:endParaRPr>
+          </a:p>
+          <a:p>
+            <a:r>
+              <a:rPr lang="cs-CZ" sz="3200" b="0" strike="noStrike" spc="-1">
                 <a:solidFill>
                   <a:srgbClr val="000000"/>
                 </a:solidFill>
@@ -7837,7 +8903,7 @@
               <a:t>    </a:t>
             </a:r>
             <a:r>
-              <a:rPr b="0" lang="cs-CZ" sz="3200" spc="-1" strike="noStrike">
+              <a:rPr lang="cs-CZ" sz="3200" b="0" strike="noStrike" spc="-1">
                 <a:solidFill>
                   <a:srgbClr val="008000"/>
                 </a:solidFill>
@@ -7846,7 +8912,7 @@
               <a:t>for</a:t>
             </a:r>
             <a:r>
-              <a:rPr b="0" lang="cs-CZ" sz="3200" spc="-1" strike="noStrike">
+              <a:rPr lang="cs-CZ" sz="3200" b="0" strike="noStrike" spc="-1">
                 <a:solidFill>
                   <a:srgbClr val="000000"/>
                 </a:solidFill>
@@ -7855,16 +8921,16 @@
               <a:t> I </a:t>
             </a:r>
             <a:r>
-              <a:rPr b="0" lang="cs-CZ" sz="3200" spc="-1" strike="noStrike">
-                <a:solidFill>
-                  <a:srgbClr val="aa22ff"/>
+              <a:rPr lang="cs-CZ" sz="3200" b="0" strike="noStrike" spc="-1">
+                <a:solidFill>
+                  <a:srgbClr val="AA22FF"/>
                 </a:solidFill>
                 <a:latin typeface="Courier New"/>
               </a:rPr>
               <a:t>in</a:t>
             </a:r>
             <a:r>
-              <a:rPr b="0" lang="cs-CZ" sz="3200" spc="-1" strike="noStrike">
+              <a:rPr lang="cs-CZ" sz="3200" b="0" strike="noStrike" spc="-1">
                 <a:solidFill>
                   <a:srgbClr val="000000"/>
                 </a:solidFill>
@@ -7873,7 +8939,7 @@
               <a:t> </a:t>
             </a:r>
             <a:r>
-              <a:rPr b="0" lang="cs-CZ" sz="3200" spc="-1" strike="noStrike">
+              <a:rPr lang="cs-CZ" sz="3200" b="0" strike="noStrike" spc="-1">
                 <a:solidFill>
                   <a:srgbClr val="008000"/>
                 </a:solidFill>
@@ -7882,7 +8948,7 @@
               <a:t>range</a:t>
             </a:r>
             <a:r>
-              <a:rPr b="0" lang="cs-CZ" sz="3200" spc="-1" strike="noStrike">
+              <a:rPr lang="cs-CZ" sz="3200" b="0" strike="noStrike" spc="-1">
                 <a:solidFill>
                   <a:srgbClr val="000000"/>
                 </a:solidFill>
@@ -7891,7 +8957,7 @@
               <a:t>(</a:t>
             </a:r>
             <a:r>
-              <a:rPr b="0" lang="cs-CZ" sz="3200" spc="-1" strike="noStrike">
+              <a:rPr lang="cs-CZ" sz="3200" b="0" strike="noStrike" spc="-1">
                 <a:solidFill>
                   <a:srgbClr val="666666"/>
                 </a:solidFill>
@@ -7900,7 +8966,7 @@
               <a:t>0</a:t>
             </a:r>
             <a:r>
-              <a:rPr b="0" lang="cs-CZ" sz="3200" spc="-1" strike="noStrike">
+              <a:rPr lang="cs-CZ" sz="3200" b="0" strike="noStrike" spc="-1">
                 <a:solidFill>
                   <a:srgbClr val="000000"/>
                 </a:solidFill>
@@ -7909,7 +8975,7 @@
               <a:t>, </a:t>
             </a:r>
             <a:r>
-              <a:rPr b="0" lang="cs-CZ" sz="3200" spc="-1" strike="noStrike">
+              <a:rPr lang="cs-CZ" sz="3200" b="0" strike="noStrike" spc="-1">
                 <a:solidFill>
                   <a:srgbClr val="666666"/>
                 </a:solidFill>
@@ -7918,7 +8984,7 @@
               <a:t>1024</a:t>
             </a:r>
             <a:r>
-              <a:rPr b="0" lang="cs-CZ" sz="3200" spc="-1" strike="noStrike">
+              <a:rPr lang="cs-CZ" sz="3200" b="0" strike="noStrike" spc="-1">
                 <a:solidFill>
                   <a:srgbClr val="000000"/>
                 </a:solidFill>
@@ -7926,31 +8992,22 @@
               </a:rPr>
               <a:t>):</a:t>
             </a:r>
-            <a:endParaRPr b="0" lang="cs-CZ" sz="3200" spc="-1" strike="noStrike">
-              <a:latin typeface="Arial"/>
-            </a:endParaRPr>
-          </a:p>
-          <a:p>
-            <a:r>
-              <a:rPr b="0" lang="cs-CZ" sz="3200" spc="-1" strike="noStrike">
-                <a:solidFill>
-                  <a:srgbClr val="000000"/>
-                </a:solidFill>
-                <a:latin typeface="Courier New"/>
-              </a:rPr>
-              <a:t>        </a:t>
-            </a:r>
-            <a:r>
-              <a:rPr b="0" lang="cs-CZ" sz="3200" spc="-1" strike="noStrike">
-                <a:solidFill>
-                  <a:srgbClr val="000000"/>
-                </a:solidFill>
-                <a:latin typeface="Courier New"/>
-              </a:rPr>
-              <a:t>pin0</a:t>
-            </a:r>
-            <a:r>
-              <a:rPr b="0" lang="cs-CZ" sz="3200" spc="-1" strike="noStrike">
+            <a:endParaRPr lang="cs-CZ" sz="3200" b="0" strike="noStrike" spc="-1">
+              <a:latin typeface="Arial"/>
+            </a:endParaRPr>
+          </a:p>
+          <a:p>
+            <a:r>
+              <a:rPr lang="cs-CZ" sz="3200" b="0" strike="noStrike" spc="-1">
+                <a:solidFill>
+                  <a:srgbClr val="000000"/>
+                </a:solidFill>
+                <a:latin typeface="Courier New"/>
+              </a:rPr>
+              <a:t>        pin0</a:t>
+            </a:r>
+            <a:r>
+              <a:rPr lang="cs-CZ" sz="3200" b="0" strike="noStrike" spc="-1">
                 <a:solidFill>
                   <a:srgbClr val="666666"/>
                 </a:solidFill>
@@ -7959,7 +9016,7 @@
               <a:t>.</a:t>
             </a:r>
             <a:r>
-              <a:rPr b="0" lang="cs-CZ" sz="3200" spc="-1" strike="noStrike">
+              <a:rPr lang="cs-CZ" sz="3200" b="0" strike="noStrike" spc="-1">
                 <a:solidFill>
                   <a:srgbClr val="000000"/>
                 </a:solidFill>
@@ -7967,31 +9024,22 @@
               </a:rPr>
               <a:t>write_analog(I)</a:t>
             </a:r>
-            <a:endParaRPr b="0" lang="cs-CZ" sz="3200" spc="-1" strike="noStrike">
-              <a:latin typeface="Arial"/>
-            </a:endParaRPr>
-          </a:p>
-          <a:p>
-            <a:r>
-              <a:rPr b="0" lang="cs-CZ" sz="3200" spc="-1" strike="noStrike">
-                <a:solidFill>
-                  <a:srgbClr val="000000"/>
-                </a:solidFill>
-                <a:latin typeface="Courier New"/>
-              </a:rPr>
-              <a:t>        </a:t>
-            </a:r>
-            <a:r>
-              <a:rPr b="0" lang="cs-CZ" sz="3200" spc="-1" strike="noStrike">
-                <a:solidFill>
-                  <a:srgbClr val="000000"/>
-                </a:solidFill>
-                <a:latin typeface="Courier New"/>
-              </a:rPr>
-              <a:t>sleep(</a:t>
-            </a:r>
-            <a:r>
-              <a:rPr b="0" lang="cs-CZ" sz="3200" spc="-1" strike="noStrike">
+            <a:endParaRPr lang="cs-CZ" sz="3200" b="0" strike="noStrike" spc="-1">
+              <a:latin typeface="Arial"/>
+            </a:endParaRPr>
+          </a:p>
+          <a:p>
+            <a:r>
+              <a:rPr lang="cs-CZ" sz="3200" b="0" strike="noStrike" spc="-1">
+                <a:solidFill>
+                  <a:srgbClr val="000000"/>
+                </a:solidFill>
+                <a:latin typeface="Courier New"/>
+              </a:rPr>
+              <a:t>        sleep(</a:t>
+            </a:r>
+            <a:r>
+              <a:rPr lang="cs-CZ" sz="3200" b="0" strike="noStrike" spc="-1">
                 <a:solidFill>
                   <a:srgbClr val="666666"/>
                 </a:solidFill>
@@ -8000,7 +9048,7 @@
               <a:t>2</a:t>
             </a:r>
             <a:r>
-              <a:rPr b="0" lang="cs-CZ" sz="3200" spc="-1" strike="noStrike">
+              <a:rPr lang="cs-CZ" sz="3200" b="0" strike="noStrike" spc="-1">
                 <a:solidFill>
                   <a:srgbClr val="000000"/>
                 </a:solidFill>
@@ -8008,13 +9056,45 @@
               </a:rPr>
               <a:t>)</a:t>
             </a:r>
-            <a:endParaRPr b="0" lang="cs-CZ" sz="3200" spc="-1" strike="noStrike">
-              <a:latin typeface="Arial"/>
-            </a:endParaRPr>
-          </a:p>
-          <a:p>
-            <a:r>
-              <a:rPr b="0" lang="cs-CZ" sz="3200" spc="-1" strike="noStrike">
+            <a:endParaRPr lang="cs-CZ" sz="3200" b="0" strike="noStrike" spc="-1">
+              <a:latin typeface="Arial"/>
+            </a:endParaRPr>
+          </a:p>
+          <a:p>
+            <a:r>
+              <a:rPr lang="cs-CZ" sz="3200" b="0" strike="noStrike" spc="-1">
+                <a:solidFill>
+                  <a:srgbClr val="000000"/>
+                </a:solidFill>
+                <a:latin typeface="Courier New"/>
+              </a:rPr>
+              <a:t>    sleep(</a:t>
+            </a:r>
+            <a:r>
+              <a:rPr lang="cs-CZ" sz="3200" b="0" strike="noStrike" spc="-1">
+                <a:solidFill>
+                  <a:srgbClr val="666666"/>
+                </a:solidFill>
+                <a:latin typeface="Courier New"/>
+              </a:rPr>
+              <a:t>1000</a:t>
+            </a:r>
+            <a:r>
+              <a:rPr lang="cs-CZ" sz="3200" b="0" strike="noStrike" spc="-1">
+                <a:solidFill>
+                  <a:srgbClr val="000000"/>
+                </a:solidFill>
+                <a:latin typeface="Courier New"/>
+              </a:rPr>
+              <a:t>)</a:t>
+            </a:r>
+            <a:endParaRPr lang="cs-CZ" sz="3200" b="0" strike="noStrike" spc="-1">
+              <a:latin typeface="Arial"/>
+            </a:endParaRPr>
+          </a:p>
+          <a:p>
+            <a:r>
+              <a:rPr lang="cs-CZ" sz="3200" b="0" strike="noStrike" spc="-1">
                 <a:solidFill>
                   <a:srgbClr val="000000"/>
                 </a:solidFill>
@@ -8023,25 +9103,170 @@
               <a:t>    </a:t>
             </a:r>
             <a:r>
-              <a:rPr b="0" lang="cs-CZ" sz="3200" spc="-1" strike="noStrike">
-                <a:solidFill>
-                  <a:srgbClr val="000000"/>
-                </a:solidFill>
-                <a:latin typeface="Courier New"/>
-              </a:rPr>
-              <a:t>sleep(</a:t>
-            </a:r>
-            <a:r>
-              <a:rPr b="0" lang="cs-CZ" sz="3200" spc="-1" strike="noStrike">
+              <a:rPr lang="cs-CZ" sz="3200" b="0" strike="noStrike" spc="-1">
+                <a:solidFill>
+                  <a:srgbClr val="008000"/>
+                </a:solidFill>
+                <a:latin typeface="Courier New"/>
+              </a:rPr>
+              <a:t>for</a:t>
+            </a:r>
+            <a:r>
+              <a:rPr lang="cs-CZ" sz="3200" b="0" strike="noStrike" spc="-1">
+                <a:solidFill>
+                  <a:srgbClr val="000000"/>
+                </a:solidFill>
+                <a:latin typeface="Courier New"/>
+              </a:rPr>
+              <a:t> I </a:t>
+            </a:r>
+            <a:r>
+              <a:rPr lang="cs-CZ" sz="3200" b="0" strike="noStrike" spc="-1">
+                <a:solidFill>
+                  <a:srgbClr val="AA22FF"/>
+                </a:solidFill>
+                <a:latin typeface="Courier New"/>
+              </a:rPr>
+              <a:t>in</a:t>
+            </a:r>
+            <a:r>
+              <a:rPr lang="cs-CZ" sz="3200" b="0" strike="noStrike" spc="-1">
+                <a:solidFill>
+                  <a:srgbClr val="000000"/>
+                </a:solidFill>
+                <a:latin typeface="Courier New"/>
+              </a:rPr>
+              <a:t> </a:t>
+            </a:r>
+            <a:r>
+              <a:rPr lang="cs-CZ" sz="3200" b="0" strike="noStrike" spc="-1">
+                <a:solidFill>
+                  <a:srgbClr val="008000"/>
+                </a:solidFill>
+                <a:latin typeface="Courier New"/>
+              </a:rPr>
+              <a:t>range</a:t>
+            </a:r>
+            <a:r>
+              <a:rPr lang="cs-CZ" sz="3200" b="0" strike="noStrike" spc="-1">
+                <a:solidFill>
+                  <a:srgbClr val="000000"/>
+                </a:solidFill>
+                <a:latin typeface="Courier New"/>
+              </a:rPr>
+              <a:t>(</a:t>
+            </a:r>
+            <a:r>
+              <a:rPr lang="cs-CZ" sz="3200" b="0" strike="noStrike" spc="-1">
                 <a:solidFill>
                   <a:srgbClr val="666666"/>
                 </a:solidFill>
                 <a:latin typeface="Courier New"/>
               </a:rPr>
-              <a:t>1000</a:t>
-            </a:r>
-            <a:r>
-              <a:rPr b="0" lang="cs-CZ" sz="3200" spc="-1" strike="noStrike">
+              <a:t>1023</a:t>
+            </a:r>
+            <a:r>
+              <a:rPr lang="cs-CZ" sz="3200" b="0" strike="noStrike" spc="-1">
+                <a:solidFill>
+                  <a:srgbClr val="000000"/>
+                </a:solidFill>
+                <a:latin typeface="Courier New"/>
+              </a:rPr>
+              <a:t>, </a:t>
+            </a:r>
+            <a:r>
+              <a:rPr lang="cs-CZ" sz="3200" b="0" strike="noStrike" spc="-1">
+                <a:solidFill>
+                  <a:srgbClr val="666666"/>
+                </a:solidFill>
+                <a:latin typeface="Courier New"/>
+              </a:rPr>
+              <a:t>0</a:t>
+            </a:r>
+            <a:r>
+              <a:rPr lang="cs-CZ" sz="3200" b="0" strike="noStrike" spc="-1">
+                <a:solidFill>
+                  <a:srgbClr val="000000"/>
+                </a:solidFill>
+                <a:latin typeface="Courier New"/>
+              </a:rPr>
+              <a:t>, </a:t>
+            </a:r>
+            <a:r>
+              <a:rPr lang="cs-CZ" sz="3200" b="0" strike="noStrike" spc="-1">
+                <a:solidFill>
+                  <a:srgbClr val="666666"/>
+                </a:solidFill>
+                <a:latin typeface="Courier New"/>
+              </a:rPr>
+              <a:t>-1</a:t>
+            </a:r>
+            <a:r>
+              <a:rPr lang="cs-CZ" sz="3200" b="0" strike="noStrike" spc="-1">
+                <a:solidFill>
+                  <a:srgbClr val="000000"/>
+                </a:solidFill>
+                <a:latin typeface="Courier New"/>
+              </a:rPr>
+              <a:t>):</a:t>
+            </a:r>
+            <a:endParaRPr lang="cs-CZ" sz="3200" b="0" strike="noStrike" spc="-1">
+              <a:latin typeface="Arial"/>
+            </a:endParaRPr>
+          </a:p>
+          <a:p>
+            <a:r>
+              <a:rPr lang="cs-CZ" sz="3200" b="0" strike="noStrike" spc="-1">
+                <a:solidFill>
+                  <a:srgbClr val="000000"/>
+                </a:solidFill>
+                <a:latin typeface="Courier New"/>
+              </a:rPr>
+              <a:t>        pin0</a:t>
+            </a:r>
+            <a:r>
+              <a:rPr lang="cs-CZ" sz="3200" b="0" strike="noStrike" spc="-1">
+                <a:solidFill>
+                  <a:srgbClr val="666666"/>
+                </a:solidFill>
+                <a:latin typeface="Courier New"/>
+              </a:rPr>
+              <a:t>.</a:t>
+            </a:r>
+            <a:r>
+              <a:rPr lang="cs-CZ" sz="3200" b="0" strike="noStrike" spc="-1">
+                <a:solidFill>
+                  <a:srgbClr val="000000"/>
+                </a:solidFill>
+                <a:latin typeface="Courier New"/>
+              </a:rPr>
+              <a:t>write_analog(I)</a:t>
+            </a:r>
+            <a:endParaRPr lang="cs-CZ" sz="3200" b="0" strike="noStrike" spc="-1">
+              <a:latin typeface="Arial"/>
+            </a:endParaRPr>
+          </a:p>
+          <a:p>
+            <a:r>
+              <a:rPr lang="cs-CZ" sz="3200" b="0" strike="noStrike" spc="-1">
+                <a:solidFill>
+                  <a:srgbClr val="000000"/>
+                </a:solidFill>
+                <a:latin typeface="Courier New"/>
+              </a:rPr>
+              <a:t>        sleep(</a:t>
+            </a:r>
+            <a:r>
+              <a:rPr lang="cs-CZ" sz="3200" b="0" strike="noStrike" spc="-1">
+                <a:solidFill>
+                  <a:srgbClr val="666666"/>
+                </a:solidFill>
+                <a:latin typeface="Courier New"/>
+              </a:rPr>
+              <a:t>2</a:t>
+            </a:r>
+            <a:r>
+              <a:rPr lang="cs-CZ" sz="3200" b="0" strike="noStrike" spc="-1">
                 <a:solidFill>
                   <a:srgbClr val="000000"/>
                 </a:solidFill>
@@ -8049,211 +9274,7 @@
               </a:rPr>
               <a:t>)</a:t>
             </a:r>
-            <a:endParaRPr b="0" lang="cs-CZ" sz="3200" spc="-1" strike="noStrike">
-              <a:latin typeface="Arial"/>
-            </a:endParaRPr>
-          </a:p>
-          <a:p>
-            <a:r>
-              <a:rPr b="0" lang="cs-CZ" sz="3200" spc="-1" strike="noStrike">
-                <a:solidFill>
-                  <a:srgbClr val="000000"/>
-                </a:solidFill>
-                <a:latin typeface="Courier New"/>
-              </a:rPr>
-              <a:t>    </a:t>
-            </a:r>
-            <a:r>
-              <a:rPr b="0" lang="cs-CZ" sz="3200" spc="-1" strike="noStrike">
-                <a:solidFill>
-                  <a:srgbClr val="008000"/>
-                </a:solidFill>
-                <a:latin typeface="Courier New"/>
-              </a:rPr>
-              <a:t>for</a:t>
-            </a:r>
-            <a:r>
-              <a:rPr b="0" lang="cs-CZ" sz="3200" spc="-1" strike="noStrike">
-                <a:solidFill>
-                  <a:srgbClr val="000000"/>
-                </a:solidFill>
-                <a:latin typeface="Courier New"/>
-              </a:rPr>
-              <a:t> I </a:t>
-            </a:r>
-            <a:r>
-              <a:rPr b="0" lang="cs-CZ" sz="3200" spc="-1" strike="noStrike">
-                <a:solidFill>
-                  <a:srgbClr val="aa22ff"/>
-                </a:solidFill>
-                <a:latin typeface="Courier New"/>
-              </a:rPr>
-              <a:t>in</a:t>
-            </a:r>
-            <a:r>
-              <a:rPr b="0" lang="cs-CZ" sz="3200" spc="-1" strike="noStrike">
-                <a:solidFill>
-                  <a:srgbClr val="000000"/>
-                </a:solidFill>
-                <a:latin typeface="Courier New"/>
-              </a:rPr>
-              <a:t> </a:t>
-            </a:r>
-            <a:r>
-              <a:rPr b="0" lang="cs-CZ" sz="3200" spc="-1" strike="noStrike">
-                <a:solidFill>
-                  <a:srgbClr val="008000"/>
-                </a:solidFill>
-                <a:latin typeface="Courier New"/>
-              </a:rPr>
-              <a:t>range</a:t>
-            </a:r>
-            <a:r>
-              <a:rPr b="0" lang="cs-CZ" sz="3200" spc="-1" strike="noStrike">
-                <a:solidFill>
-                  <a:srgbClr val="000000"/>
-                </a:solidFill>
-                <a:latin typeface="Courier New"/>
-              </a:rPr>
-              <a:t>(</a:t>
-            </a:r>
-            <a:r>
-              <a:rPr b="0" lang="cs-CZ" sz="3200" spc="-1" strike="noStrike">
-                <a:solidFill>
-                  <a:srgbClr val="666666"/>
-                </a:solidFill>
-                <a:latin typeface="Courier New"/>
-              </a:rPr>
-              <a:t>1023</a:t>
-            </a:r>
-            <a:r>
-              <a:rPr b="0" lang="cs-CZ" sz="3200" spc="-1" strike="noStrike">
-                <a:solidFill>
-                  <a:srgbClr val="000000"/>
-                </a:solidFill>
-                <a:latin typeface="Courier New"/>
-              </a:rPr>
-              <a:t>, </a:t>
-            </a:r>
-            <a:r>
-              <a:rPr b="0" lang="cs-CZ" sz="3200" spc="-1" strike="noStrike">
-                <a:solidFill>
-                  <a:srgbClr val="666666"/>
-                </a:solidFill>
-                <a:latin typeface="Courier New"/>
-              </a:rPr>
-              <a:t>0</a:t>
-            </a:r>
-            <a:r>
-              <a:rPr b="0" lang="cs-CZ" sz="3200" spc="-1" strike="noStrike">
-                <a:solidFill>
-                  <a:srgbClr val="000000"/>
-                </a:solidFill>
-                <a:latin typeface="Courier New"/>
-              </a:rPr>
-              <a:t>, </a:t>
-            </a:r>
-            <a:r>
-              <a:rPr b="0" lang="cs-CZ" sz="3200" spc="-1" strike="noStrike">
-                <a:solidFill>
-                  <a:srgbClr val="666666"/>
-                </a:solidFill>
-                <a:latin typeface="Courier New"/>
-              </a:rPr>
-              <a:t>-1</a:t>
-            </a:r>
-            <a:r>
-              <a:rPr b="0" lang="cs-CZ" sz="3200" spc="-1" strike="noStrike">
-                <a:solidFill>
-                  <a:srgbClr val="000000"/>
-                </a:solidFill>
-                <a:latin typeface="Courier New"/>
-              </a:rPr>
-              <a:t>):</a:t>
-            </a:r>
-            <a:endParaRPr b="0" lang="cs-CZ" sz="3200" spc="-1" strike="noStrike">
-              <a:latin typeface="Arial"/>
-            </a:endParaRPr>
-          </a:p>
-          <a:p>
-            <a:r>
-              <a:rPr b="0" lang="cs-CZ" sz="3200" spc="-1" strike="noStrike">
-                <a:solidFill>
-                  <a:srgbClr val="000000"/>
-                </a:solidFill>
-                <a:latin typeface="Courier New"/>
-              </a:rPr>
-              <a:t>        </a:t>
-            </a:r>
-            <a:r>
-              <a:rPr b="0" lang="cs-CZ" sz="3200" spc="-1" strike="noStrike">
-                <a:solidFill>
-                  <a:srgbClr val="000000"/>
-                </a:solidFill>
-                <a:latin typeface="Courier New"/>
-              </a:rPr>
-              <a:t>pin0</a:t>
-            </a:r>
-            <a:r>
-              <a:rPr b="0" lang="cs-CZ" sz="3200" spc="-1" strike="noStrike">
-                <a:solidFill>
-                  <a:srgbClr val="666666"/>
-                </a:solidFill>
-                <a:latin typeface="Courier New"/>
-              </a:rPr>
-              <a:t>.</a:t>
-            </a:r>
-            <a:r>
-              <a:rPr b="0" lang="cs-CZ" sz="3200" spc="-1" strike="noStrike">
-                <a:solidFill>
-                  <a:srgbClr val="000000"/>
-                </a:solidFill>
-                <a:latin typeface="Courier New"/>
-              </a:rPr>
-              <a:t>write_analog(I)</a:t>
-            </a:r>
-            <a:endParaRPr b="0" lang="cs-CZ" sz="3200" spc="-1" strike="noStrike">
-              <a:latin typeface="Arial"/>
-            </a:endParaRPr>
-          </a:p>
-          <a:p>
-            <a:r>
-              <a:rPr b="0" lang="cs-CZ" sz="3200" spc="-1" strike="noStrike">
-                <a:solidFill>
-                  <a:srgbClr val="000000"/>
-                </a:solidFill>
-                <a:latin typeface="Courier New"/>
-              </a:rPr>
-              <a:t>        </a:t>
-            </a:r>
-            <a:r>
-              <a:rPr b="0" lang="cs-CZ" sz="3200" spc="-1" strike="noStrike">
-                <a:solidFill>
-                  <a:srgbClr val="000000"/>
-                </a:solidFill>
-                <a:latin typeface="Courier New"/>
-              </a:rPr>
-              <a:t>sleep(</a:t>
-            </a:r>
-            <a:r>
-              <a:rPr b="0" lang="cs-CZ" sz="3200" spc="-1" strike="noStrike">
-                <a:solidFill>
-                  <a:srgbClr val="666666"/>
-                </a:solidFill>
-                <a:latin typeface="Courier New"/>
-              </a:rPr>
-              <a:t>2</a:t>
-            </a:r>
-            <a:r>
-              <a:rPr b="0" lang="cs-CZ" sz="3200" spc="-1" strike="noStrike">
-                <a:solidFill>
-                  <a:srgbClr val="000000"/>
-                </a:solidFill>
-                <a:latin typeface="Courier New"/>
-              </a:rPr>
-              <a:t>)</a:t>
-            </a:r>
-            <a:endParaRPr b="0" lang="cs-CZ" sz="3200" spc="-1" strike="noStrike">
+            <a:endParaRPr lang="cs-CZ" sz="3200" b="0" strike="noStrike" spc="-1">
               <a:latin typeface="Arial"/>
             </a:endParaRPr>
           </a:p>
@@ -8261,22 +9282,25 @@
       </p:sp>
     </p:spTree>
   </p:cSld>
+  <p:clrMapOvr>
+    <a:masterClrMapping/>
+  </p:clrMapOvr>
   <p:timing>
     <p:tnLst>
       <p:par>
-        <p:cTn id="15" dur="indefinite" restart="never" nodeType="tmRoot">
+        <p:cTn id="1" dur="indefinite" restart="never" nodeType="tmRoot">
           <p:childTnLst>
             <p:seq>
-              <p:cTn id="16" dur="indefinite" nodeType="mainSeq"/>
+              <p:cTn id="2" dur="indefinite" nodeType="mainSeq"/>
               <p:prevCondLst>
-                <p:cond delay="0" evt="onPrev">
+                <p:cond evt="onPrev" delay="0">
                   <p:tgtEl>
                     <p:sldTgt/>
                   </p:tgtEl>
                 </p:cond>
               </p:prevCondLst>
               <p:nextCondLst>
-                <p:cond delay="0" evt="onNext">
+                <p:cond evt="onNext" delay="0">
                   <p:tgtEl>
                     <p:sldTgt/>
                   </p:tgtEl>
@@ -8302,31 +9326,31 @@
         <a:sysClr val="window" lastClr="FFFFFF"/>
       </a:lt1>
       <a:dk2>
-        <a:srgbClr val="1f497d"/>
+        <a:srgbClr val="1F497D"/>
       </a:dk2>
       <a:lt2>
-        <a:srgbClr val="eeece1"/>
+        <a:srgbClr val="EEECE1"/>
       </a:lt2>
       <a:accent1>
-        <a:srgbClr val="4f81bd"/>
+        <a:srgbClr val="4F81BD"/>
       </a:accent1>
       <a:accent2>
-        <a:srgbClr val="c0504d"/>
+        <a:srgbClr val="C0504D"/>
       </a:accent2>
       <a:accent3>
-        <a:srgbClr val="9bbb59"/>
+        <a:srgbClr val="9BBB59"/>
       </a:accent3>
       <a:accent4>
-        <a:srgbClr val="8064a2"/>
+        <a:srgbClr val="8064A2"/>
       </a:accent4>
       <a:accent5>
-        <a:srgbClr val="4bacc6"/>
+        <a:srgbClr val="4BACC6"/>
       </a:accent5>
       <a:accent6>
-        <a:srgbClr val="f79646"/>
+        <a:srgbClr val="F79646"/>
       </a:accent6>
       <a:hlink>
-        <a:srgbClr val="0000ff"/>
+        <a:srgbClr val="0000FF"/>
       </a:hlink>
       <a:folHlink>
         <a:srgbClr val="800080"/>
@@ -8511,6 +9535,8 @@
       </a:bgFillStyleLst>
     </a:fmtScheme>
   </a:themeElements>
+  <a:objectDefaults/>
+  <a:extraClrSchemeLst/>
 </a:theme>
 </file>
 
@@ -8525,31 +9551,31 @@
         <a:sysClr val="window" lastClr="FFFFFF"/>
       </a:lt1>
       <a:dk2>
-        <a:srgbClr val="1f497d"/>
+        <a:srgbClr val="1F497D"/>
       </a:dk2>
       <a:lt2>
-        <a:srgbClr val="eeece1"/>
+        <a:srgbClr val="EEECE1"/>
       </a:lt2>
       <a:accent1>
-        <a:srgbClr val="4f81bd"/>
+        <a:srgbClr val="4F81BD"/>
       </a:accent1>
       <a:accent2>
-        <a:srgbClr val="c0504d"/>
+        <a:srgbClr val="C0504D"/>
       </a:accent2>
       <a:accent3>
-        <a:srgbClr val="9bbb59"/>
+        <a:srgbClr val="9BBB59"/>
       </a:accent3>
       <a:accent4>
-        <a:srgbClr val="8064a2"/>
+        <a:srgbClr val="8064A2"/>
       </a:accent4>
       <a:accent5>
-        <a:srgbClr val="4bacc6"/>
+        <a:srgbClr val="4BACC6"/>
       </a:accent5>
       <a:accent6>
-        <a:srgbClr val="f79646"/>
+        <a:srgbClr val="F79646"/>
       </a:accent6>
       <a:hlink>
-        <a:srgbClr val="0000ff"/>
+        <a:srgbClr val="0000FF"/>
       </a:hlink>
       <a:folHlink>
         <a:srgbClr val="800080"/>
@@ -8734,6 +9760,8 @@
       </a:bgFillStyleLst>
     </a:fmtScheme>
   </a:themeElements>
+  <a:objectDefaults/>
+  <a:extraClrSchemeLst/>
 </a:theme>
 </file>
 
@@ -8748,31 +9776,31 @@
         <a:sysClr val="window" lastClr="FFFFFF"/>
       </a:lt1>
       <a:dk2>
-        <a:srgbClr val="1f497d"/>
+        <a:srgbClr val="1F497D"/>
       </a:dk2>
       <a:lt2>
-        <a:srgbClr val="eeece1"/>
+        <a:srgbClr val="EEECE1"/>
       </a:lt2>
       <a:accent1>
-        <a:srgbClr val="4f81bd"/>
+        <a:srgbClr val="4F81BD"/>
       </a:accent1>
       <a:accent2>
-        <a:srgbClr val="c0504d"/>
+        <a:srgbClr val="C0504D"/>
       </a:accent2>
       <a:accent3>
-        <a:srgbClr val="9bbb59"/>
+        <a:srgbClr val="9BBB59"/>
       </a:accent3>
       <a:accent4>
-        <a:srgbClr val="8064a2"/>
+        <a:srgbClr val="8064A2"/>
       </a:accent4>
       <a:accent5>
-        <a:srgbClr val="4bacc6"/>
+        <a:srgbClr val="4BACC6"/>
       </a:accent5>
       <a:accent6>
-        <a:srgbClr val="f79646"/>
+        <a:srgbClr val="F79646"/>
       </a:accent6>
       <a:hlink>
-        <a:srgbClr val="0000ff"/>
+        <a:srgbClr val="0000FF"/>
       </a:hlink>
       <a:folHlink>
         <a:srgbClr val="800080"/>
@@ -8957,5 +9985,7 @@
       </a:bgFillStyleLst>
     </a:fmtScheme>
   </a:themeElements>
+  <a:objectDefaults/>
+  <a:extraClrSchemeLst/>
 </a:theme>
 </file>